--- a/TEAM PROJECT DELIVERABLES/TEAM5OARS.pptx
+++ b/TEAM PROJECT DELIVERABLES/TEAM5OARS.pptx
@@ -5,20 +5,31 @@
     <p:sldMasterId id="2147483732" r:id="rId1"/>
   </p:sldMasterIdLst>
   <p:handoutMasterIdLst>
-    <p:handoutMasterId r:id="rId13"/>
+    <p:handoutMasterId r:id="rId24"/>
   </p:handoutMasterIdLst>
   <p:sldIdLst>
     <p:sldId id="256" r:id="rId2"/>
     <p:sldId id="257" r:id="rId3"/>
     <p:sldId id="259" r:id="rId4"/>
-    <p:sldId id="260" r:id="rId5"/>
-    <p:sldId id="261" r:id="rId6"/>
-    <p:sldId id="258" r:id="rId7"/>
-    <p:sldId id="262" r:id="rId8"/>
-    <p:sldId id="263" r:id="rId9"/>
-    <p:sldId id="264" r:id="rId10"/>
-    <p:sldId id="268" r:id="rId11"/>
-    <p:sldId id="267" r:id="rId12"/>
+    <p:sldId id="270" r:id="rId5"/>
+    <p:sldId id="260" r:id="rId6"/>
+    <p:sldId id="269" r:id="rId7"/>
+    <p:sldId id="261" r:id="rId8"/>
+    <p:sldId id="272" r:id="rId9"/>
+    <p:sldId id="274" r:id="rId10"/>
+    <p:sldId id="273" r:id="rId11"/>
+    <p:sldId id="276" r:id="rId12"/>
+    <p:sldId id="275" r:id="rId13"/>
+    <p:sldId id="277" r:id="rId14"/>
+    <p:sldId id="279" r:id="rId15"/>
+    <p:sldId id="278" r:id="rId16"/>
+    <p:sldId id="271" r:id="rId17"/>
+    <p:sldId id="258" r:id="rId18"/>
+    <p:sldId id="262" r:id="rId19"/>
+    <p:sldId id="263" r:id="rId20"/>
+    <p:sldId id="264" r:id="rId21"/>
+    <p:sldId id="268" r:id="rId22"/>
+    <p:sldId id="267" r:id="rId23"/>
   </p:sldIdLst>
   <p:sldSz cx="9144000" cy="6858000" type="screen4x3"/>
   <p:notesSz cx="7023100" cy="9309100"/>
@@ -218,7 +229,7 @@
           <a:p>
             <a:fld id="{21A295EC-C5AF-478A-B6B7-ACF964938DD4}" type="datetimeFigureOut">
               <a:rPr lang="en-US" smtClean="0"/>
-              <a:t>3/19/2016</a:t>
+              <a:t>3/21/2016</a:t>
             </a:fld>
             <a:endParaRPr lang="en-US"/>
           </a:p>
@@ -582,7 +593,7 @@
             <a:fld id="{C7F82005-8F97-448F-A12C-2EE43D7D0751}" type="datetimeFigureOut">
               <a:rPr lang="en-US" smtClean="0"/>
               <a:pPr/>
-              <a:t>3/19/2016</a:t>
+              <a:t>3/21/2016</a:t>
             </a:fld>
             <a:endParaRPr lang="en-US"/>
           </a:p>
@@ -977,7 +988,7 @@
             <a:fld id="{C7F82005-8F97-448F-A12C-2EE43D7D0751}" type="datetimeFigureOut">
               <a:rPr lang="en-US" smtClean="0"/>
               <a:pPr/>
-              <a:t>3/19/2016</a:t>
+              <a:t>3/21/2016</a:t>
             </a:fld>
             <a:endParaRPr lang="en-US"/>
           </a:p>
@@ -1512,7 +1523,7 @@
             <a:fld id="{C7F82005-8F97-448F-A12C-2EE43D7D0751}" type="datetimeFigureOut">
               <a:rPr lang="en-US" smtClean="0"/>
               <a:pPr/>
-              <a:t>3/19/2016</a:t>
+              <a:t>3/21/2016</a:t>
             </a:fld>
             <a:endParaRPr lang="en-US"/>
           </a:p>
@@ -1646,7 +1657,7 @@
             <a:fld id="{C7F82005-8F97-448F-A12C-2EE43D7D0751}" type="datetimeFigureOut">
               <a:rPr lang="en-US" smtClean="0"/>
               <a:pPr/>
-              <a:t>3/19/2016</a:t>
+              <a:t>3/21/2016</a:t>
             </a:fld>
             <a:endParaRPr lang="en-US"/>
           </a:p>
@@ -2191,7 +2202,7 @@
             <a:fld id="{C7F82005-8F97-448F-A12C-2EE43D7D0751}" type="datetimeFigureOut">
               <a:rPr lang="en-US" smtClean="0"/>
               <a:pPr/>
-              <a:t>3/19/2016</a:t>
+              <a:t>3/21/2016</a:t>
             </a:fld>
             <a:endParaRPr lang="en-US"/>
           </a:p>
@@ -2488,7 +2499,7 @@
             <a:fld id="{C7F82005-8F97-448F-A12C-2EE43D7D0751}" type="datetimeFigureOut">
               <a:rPr lang="en-US" smtClean="0"/>
               <a:pPr/>
-              <a:t>3/19/2016</a:t>
+              <a:t>3/21/2016</a:t>
             </a:fld>
             <a:endParaRPr lang="en-US"/>
           </a:p>
@@ -3149,7 +3160,7 @@
             <a:fld id="{C7F82005-8F97-448F-A12C-2EE43D7D0751}" type="datetimeFigureOut">
               <a:rPr lang="en-US" smtClean="0"/>
               <a:pPr/>
-              <a:t>3/19/2016</a:t>
+              <a:t>3/21/2016</a:t>
             </a:fld>
             <a:endParaRPr lang="en-US"/>
           </a:p>
@@ -3587,7 +3598,7 @@
             <a:fld id="{C7F82005-8F97-448F-A12C-2EE43D7D0751}" type="datetimeFigureOut">
               <a:rPr lang="en-US" smtClean="0"/>
               <a:pPr/>
-              <a:t>3/19/2016</a:t>
+              <a:t>3/21/2016</a:t>
             </a:fld>
             <a:endParaRPr lang="en-US"/>
           </a:p>
@@ -3902,7 +3913,7 @@
             <a:fld id="{C7F82005-8F97-448F-A12C-2EE43D7D0751}" type="datetimeFigureOut">
               <a:rPr lang="en-US" smtClean="0"/>
               <a:pPr/>
-              <a:t>3/19/2016</a:t>
+              <a:t>3/21/2016</a:t>
             </a:fld>
             <a:endParaRPr lang="en-US"/>
           </a:p>
@@ -4637,7 +4648,7 @@
             <a:fld id="{C7F82005-8F97-448F-A12C-2EE43D7D0751}" type="datetimeFigureOut">
               <a:rPr lang="en-US" smtClean="0"/>
               <a:pPr/>
-              <a:t>3/19/2016</a:t>
+              <a:t>3/21/2016</a:t>
             </a:fld>
             <a:endParaRPr lang="en-US"/>
           </a:p>
@@ -5303,7 +5314,7 @@
             <a:fld id="{C7F82005-8F97-448F-A12C-2EE43D7D0751}" type="datetimeFigureOut">
               <a:rPr lang="en-US" smtClean="0"/>
               <a:pPr/>
-              <a:t>3/19/2016</a:t>
+              <a:t>3/21/2016</a:t>
             </a:fld>
             <a:endParaRPr lang="en-US"/>
           </a:p>
@@ -5577,7 +5588,7 @@
             <a:fld id="{C7F82005-8F97-448F-A12C-2EE43D7D0751}" type="datetimeFigureOut">
               <a:rPr lang="en-US" smtClean="0"/>
               <a:pPr/>
-              <a:t>3/19/2016</a:t>
+              <a:t>3/21/2016</a:t>
             </a:fld>
             <a:endParaRPr lang="en-US"/>
           </a:p>
@@ -6491,24 +6502,205 @@
       </p:grpSpPr>
       <p:sp>
         <p:nvSpPr>
-          <p:cNvPr id="5" name="Rectangle 4"/>
-          <p:cNvSpPr/>
+          <p:cNvPr id="2" name="Title 1"/>
+          <p:cNvSpPr>
+            <a:spLocks noGrp="1"/>
+          </p:cNvSpPr>
+          <p:nvPr>
+            <p:ph type="title"/>
+          </p:nvPr>
+        </p:nvSpPr>
+        <p:spPr>
+          <a:xfrm>
+            <a:off x="609600" y="-152400"/>
+            <a:ext cx="8534400" cy="2054352"/>
+          </a:xfrm>
+        </p:spPr>
+        <p:txBody>
+          <a:bodyPr>
+            <a:normAutofit/>
+          </a:bodyPr>
+          <a:lstStyle/>
+          <a:p>
+            <a:r>
+              <a:rPr lang="en-US" sz="2400" b="1" dirty="0" smtClean="0"/>
+              <a:t>TEAM</a:t>
+            </a:r>
+            <a:r>
+              <a:rPr lang="en-US" sz="2400" b="1" dirty="0">
+                <a:solidFill>
+                  <a:srgbClr val="FF0000"/>
+                </a:solidFill>
+              </a:rPr>
+              <a:t>5</a:t>
+            </a:r>
+            <a:r>
+              <a:rPr lang="en-US" sz="2400" b="1" dirty="0" smtClean="0"/>
+              <a:t>O</a:t>
+            </a:r>
+            <a:r>
+              <a:rPr lang="en-US" sz="2400" b="1" dirty="0" smtClean="0">
+                <a:solidFill>
+                  <a:srgbClr val="FF0000"/>
+                </a:solidFill>
+              </a:rPr>
+              <a:t>AR</a:t>
+            </a:r>
+            <a:r>
+              <a:rPr lang="en-US" sz="2400" b="1" dirty="0" smtClean="0"/>
+              <a:t>S</a:t>
+            </a:r>
+            <a:r>
+              <a:rPr lang="en-US" sz="2400" dirty="0"/>
+              <a:t/>
+            </a:r>
+            <a:br>
+              <a:rPr lang="en-US" sz="2400" dirty="0"/>
+            </a:br>
+            <a:r>
+              <a:rPr lang="en-US" sz="2400" b="1" dirty="0"/>
+              <a:t>O</a:t>
+            </a:r>
+            <a:r>
+              <a:rPr lang="en-US" sz="2400" dirty="0"/>
+              <a:t>nline </a:t>
+            </a:r>
+            <a:r>
+              <a:rPr lang="en-US" sz="2400" b="1" dirty="0">
+                <a:solidFill>
+                  <a:srgbClr val="FF0000"/>
+                </a:solidFill>
+              </a:rPr>
+              <a:t>A</a:t>
+            </a:r>
+            <a:r>
+              <a:rPr lang="en-US" sz="2400" dirty="0"/>
+              <a:t>partment </a:t>
+            </a:r>
+            <a:r>
+              <a:rPr lang="en-US" sz="2400" b="1" dirty="0">
+                <a:solidFill>
+                  <a:srgbClr val="FF0000"/>
+                </a:solidFill>
+              </a:rPr>
+              <a:t>R</a:t>
+            </a:r>
+            <a:r>
+              <a:rPr lang="en-US" sz="2400" dirty="0"/>
+              <a:t>ental </a:t>
+            </a:r>
+            <a:r>
+              <a:rPr lang="en-US" sz="2400" b="1" dirty="0" smtClean="0"/>
+              <a:t>S</a:t>
+            </a:r>
+            <a:r>
+              <a:rPr lang="en-US" sz="2400" dirty="0" smtClean="0"/>
+              <a:t>ystem</a:t>
+            </a:r>
+            <a:r>
+              <a:rPr lang="en-US" sz="2400" dirty="0"/>
+              <a:t/>
+            </a:r>
+            <a:br>
+              <a:rPr lang="en-US" sz="2400" dirty="0"/>
+            </a:br>
+            <a:r>
+              <a:rPr lang="en-US" sz="2400" dirty="0"/>
+              <a:t/>
+            </a:r>
+            <a:br>
+              <a:rPr lang="en-US" sz="2400" dirty="0"/>
+            </a:br>
+            <a:r>
+              <a:rPr lang="en-US" dirty="0" smtClean="0"/>
+              <a:t>Data Design – Relational Model</a:t>
+            </a:r>
+            <a:endParaRPr lang="en-US" dirty="0"/>
+          </a:p>
+        </p:txBody>
+      </p:sp>
+      <p:sp>
+        <p:nvSpPr>
+          <p:cNvPr id="3" name="Content Placeholder 2"/>
+          <p:cNvSpPr>
+            <a:spLocks noGrp="1"/>
+          </p:cNvSpPr>
+          <p:nvPr>
+            <p:ph sz="quarter" idx="1"/>
+          </p:nvPr>
+        </p:nvSpPr>
+        <p:spPr>
+          <a:xfrm>
+            <a:off x="320040" y="2261419"/>
+            <a:ext cx="8503920" cy="4572000"/>
+          </a:xfrm>
+        </p:spPr>
+        <p:txBody>
+          <a:bodyPr/>
+          <a:lstStyle/>
+          <a:p>
+            <a:pPr marL="0" indent="0">
+              <a:buNone/>
+            </a:pPr>
+            <a:endParaRPr lang="en-US" dirty="0" smtClean="0"/>
+          </a:p>
+          <a:p>
+            <a:pPr marL="0" indent="0">
+              <a:buNone/>
+            </a:pPr>
+            <a:r>
+              <a:rPr lang="en-US" dirty="0"/>
+              <a:t> </a:t>
+            </a:r>
+            <a:r>
+              <a:rPr lang="en-US" dirty="0" smtClean="0"/>
+              <a:t>   </a:t>
+            </a:r>
+          </a:p>
+        </p:txBody>
+      </p:sp>
+      <p:pic>
+        <p:nvPicPr>
+          <p:cNvPr id="6" name="Picture 5"/>
+          <p:cNvPicPr>
+            <a:picLocks noChangeAspect="1"/>
+          </p:cNvPicPr>
           <p:nvPr/>
-        </p:nvSpPr>
-        <p:spPr>
-          <a:xfrm>
-            <a:off x="4011" y="987552"/>
-            <a:ext cx="9139989" cy="5794248"/>
+        </p:nvPicPr>
+        <p:blipFill>
+          <a:blip r:embed="rId2"/>
+          <a:stretch>
+            <a:fillRect/>
+          </a:stretch>
+        </p:blipFill>
+        <p:spPr>
+          <a:xfrm>
+            <a:off x="107361" y="2514600"/>
+            <a:ext cx="4472600" cy="3581400"/>
           </a:xfrm>
           <a:prstGeom prst="rect">
             <a:avLst/>
           </a:prstGeom>
-          <a:solidFill>
-            <a:schemeClr val="bg1"/>
-          </a:solidFill>
+        </p:spPr>
+      </p:pic>
+      <p:sp>
+        <p:nvSpPr>
+          <p:cNvPr id="5" name="Oval 4"/>
+          <p:cNvSpPr/>
+          <p:nvPr/>
+        </p:nvSpPr>
+        <p:spPr>
+          <a:xfrm rot="20863118">
+            <a:off x="1277309" y="4225948"/>
+            <a:ext cx="1570167" cy="509379"/>
+          </a:xfrm>
+          <a:prstGeom prst="ellipse">
+            <a:avLst/>
+          </a:prstGeom>
+          <a:noFill/>
           <a:ln>
             <a:solidFill>
-              <a:schemeClr val="bg1"/>
+              <a:srgbClr val="00B0F0"/>
             </a:solidFill>
           </a:ln>
         </p:spPr>
@@ -6537,81 +6729,10 @@
           </a:p>
         </p:txBody>
       </p:sp>
-      <p:sp>
-        <p:nvSpPr>
-          <p:cNvPr id="2" name="Title 1"/>
-          <p:cNvSpPr>
-            <a:spLocks noGrp="1"/>
-          </p:cNvSpPr>
-          <p:nvPr>
-            <p:ph type="title"/>
-          </p:nvPr>
-        </p:nvSpPr>
-        <p:spPr/>
-        <p:txBody>
-          <a:bodyPr>
-            <a:normAutofit/>
-          </a:bodyPr>
-          <a:lstStyle/>
-          <a:p>
-            <a:r>
-              <a:rPr lang="en-US" dirty="0"/>
-              <a:t>MS Project </a:t>
-            </a:r>
-            <a:r>
-              <a:rPr lang="en-US" dirty="0" smtClean="0"/>
-              <a:t>Plan</a:t>
-            </a:r>
-            <a:endParaRPr lang="en-US" dirty="0"/>
-          </a:p>
-        </p:txBody>
-      </p:sp>
-      <p:sp>
-        <p:nvSpPr>
-          <p:cNvPr id="3" name="Content Placeholder 2"/>
-          <p:cNvSpPr>
-            <a:spLocks noGrp="1"/>
-          </p:cNvSpPr>
-          <p:nvPr>
-            <p:ph sz="quarter" idx="1"/>
-          </p:nvPr>
-        </p:nvSpPr>
-        <p:spPr/>
-        <p:txBody>
-          <a:bodyPr/>
-          <a:lstStyle/>
-          <a:p>
-            <a:endParaRPr lang="en-US"/>
-          </a:p>
-        </p:txBody>
-      </p:sp>
-      <p:pic>
-        <p:nvPicPr>
-          <p:cNvPr id="4" name="Picture 3"/>
-          <p:cNvPicPr>
-            <a:picLocks noChangeAspect="1"/>
-          </p:cNvPicPr>
-          <p:nvPr/>
-        </p:nvPicPr>
-        <p:blipFill rotWithShape="1">
-          <a:blip r:embed="rId2"/>
-          <a:srcRect l="44444" r="6667" b="15804"/>
-          <a:stretch/>
-        </p:blipFill>
-        <p:spPr>
-          <a:xfrm>
-            <a:off x="4010" y="987551"/>
-            <a:ext cx="9063789" cy="5550137"/>
-          </a:xfrm>
-          <a:prstGeom prst="rect">
-            <a:avLst/>
-          </a:prstGeom>
-        </p:spPr>
-      </p:pic>
     </p:spTree>
     <p:extLst>
       <p:ext uri="{BB962C8B-B14F-4D97-AF65-F5344CB8AC3E}">
-        <p14:creationId xmlns:p14="http://schemas.microsoft.com/office/powerpoint/2010/main" val="3267790372"/>
+        <p14:creationId xmlns:p14="http://schemas.microsoft.com/office/powerpoint/2010/main" val="3056314514"/>
       </p:ext>
     </p:extLst>
   </p:cSld>
@@ -6657,7 +6778,7 @@
         </p:nvSpPr>
         <p:spPr>
           <a:xfrm>
-            <a:off x="304800" y="0"/>
+            <a:off x="609600" y="-152400"/>
             <a:ext cx="8534400" cy="2054352"/>
           </a:xfrm>
         </p:spPr>
@@ -6668,11 +6789,11 @@
           <a:lstStyle/>
           <a:p>
             <a:r>
-              <a:rPr lang="en-US" sz="2800" b="1" dirty="0" smtClean="0"/>
+              <a:rPr lang="en-US" sz="2400" b="1" dirty="0" smtClean="0"/>
               <a:t>TEAM</a:t>
             </a:r>
             <a:r>
-              <a:rPr lang="en-US" sz="2800" b="1" dirty="0">
+              <a:rPr lang="en-US" sz="2400" b="1" dirty="0">
                 <a:solidFill>
                   <a:srgbClr val="FF0000"/>
                 </a:solidFill>
@@ -6680,11 +6801,11 @@
               <a:t>5</a:t>
             </a:r>
             <a:r>
-              <a:rPr lang="en-US" sz="2800" b="1" dirty="0" smtClean="0"/>
+              <a:rPr lang="en-US" sz="2400" b="1" dirty="0" smtClean="0"/>
               <a:t>O</a:t>
             </a:r>
             <a:r>
-              <a:rPr lang="en-US" sz="2800" b="1" dirty="0" smtClean="0">
+              <a:rPr lang="en-US" sz="2400" b="1" dirty="0" smtClean="0">
                 <a:solidFill>
                   <a:srgbClr val="FF0000"/>
                 </a:solidFill>
@@ -6692,26 +6813,26 @@
               <a:t>AR</a:t>
             </a:r>
             <a:r>
-              <a:rPr lang="en-US" sz="2800" b="1" dirty="0" smtClean="0"/>
+              <a:rPr lang="en-US" sz="2400" b="1" dirty="0" smtClean="0"/>
               <a:t>S</a:t>
             </a:r>
             <a:r>
-              <a:rPr lang="en-US" sz="2800" dirty="0"/>
+              <a:rPr lang="en-US" sz="2400" dirty="0"/>
               <a:t/>
             </a:r>
             <a:br>
-              <a:rPr lang="en-US" sz="2800" dirty="0"/>
+              <a:rPr lang="en-US" sz="2400" dirty="0"/>
             </a:br>
             <a:r>
-              <a:rPr lang="en-US" sz="2800" b="1" dirty="0"/>
+              <a:rPr lang="en-US" sz="2400" b="1" dirty="0"/>
               <a:t>O</a:t>
             </a:r>
             <a:r>
-              <a:rPr lang="en-US" sz="2800" dirty="0"/>
+              <a:rPr lang="en-US" sz="2400" dirty="0"/>
               <a:t>nline </a:t>
             </a:r>
             <a:r>
-              <a:rPr lang="en-US" sz="2800" b="1" dirty="0">
+              <a:rPr lang="en-US" sz="2400" b="1" dirty="0">
                 <a:solidFill>
                   <a:srgbClr val="FF0000"/>
                 </a:solidFill>
@@ -6719,11 +6840,11 @@
               <a:t>A</a:t>
             </a:r>
             <a:r>
-              <a:rPr lang="en-US" sz="2800" dirty="0"/>
+              <a:rPr lang="en-US" sz="2400" dirty="0"/>
               <a:t>partment </a:t>
             </a:r>
             <a:r>
-              <a:rPr lang="en-US" sz="2800" b="1" dirty="0">
+              <a:rPr lang="en-US" sz="2400" b="1" dirty="0">
                 <a:solidFill>
                   <a:srgbClr val="FF0000"/>
                 </a:solidFill>
@@ -6731,46 +6852,34 @@
               <a:t>R</a:t>
             </a:r>
             <a:r>
-              <a:rPr lang="en-US" sz="2800" dirty="0"/>
+              <a:rPr lang="en-US" sz="2400" dirty="0"/>
               <a:t>ental </a:t>
             </a:r>
             <a:r>
-              <a:rPr lang="en-US" sz="2800" b="1" dirty="0"/>
+              <a:rPr lang="en-US" sz="2400" b="1" dirty="0" smtClean="0"/>
               <a:t>S</a:t>
             </a:r>
             <a:r>
-              <a:rPr lang="en-US" sz="2800" dirty="0"/>
+              <a:rPr lang="en-US" sz="2400" dirty="0" smtClean="0"/>
               <a:t>ystem</a:t>
             </a:r>
             <a:r>
-              <a:rPr lang="en-US" sz="3600" dirty="0">
-                <a:solidFill>
-                  <a:srgbClr val="8CADAE">
-                    <a:shade val="75000"/>
-                  </a:srgbClr>
-                </a:solidFill>
-              </a:rPr>
+              <a:rPr lang="en-US" sz="2400" dirty="0"/>
               <a:t/>
             </a:r>
             <a:br>
-              <a:rPr lang="en-US" sz="3600" dirty="0">
-                <a:solidFill>
-                  <a:srgbClr val="8CADAE">
-                    <a:shade val="75000"/>
-                  </a:srgbClr>
-                </a:solidFill>
-              </a:rPr>
+              <a:rPr lang="en-US" sz="2400" dirty="0"/>
             </a:br>
             <a:r>
-              <a:rPr lang="en-US" sz="3600" dirty="0" smtClean="0"/>
+              <a:rPr lang="en-US" sz="2400" dirty="0"/>
               <a:t/>
             </a:r>
             <a:br>
-              <a:rPr lang="en-US" sz="3600" dirty="0" smtClean="0"/>
+              <a:rPr lang="en-US" sz="2400" dirty="0"/>
             </a:br>
             <a:r>
               <a:rPr lang="en-US" dirty="0" smtClean="0"/>
-              <a:t>Chat Demo</a:t>
+              <a:t>Data Design – Relational Model</a:t>
             </a:r>
             <a:endParaRPr lang="en-US" dirty="0"/>
           </a:p>
@@ -6788,55 +6897,108 @@
         </p:nvSpPr>
         <p:spPr>
           <a:xfrm>
-            <a:off x="30480" y="1981200"/>
-            <a:ext cx="9220200" cy="4572000"/>
+            <a:off x="320040" y="2261419"/>
+            <a:ext cx="8503920" cy="4572000"/>
           </a:xfrm>
         </p:spPr>
         <p:txBody>
           <a:bodyPr/>
           <a:lstStyle/>
           <a:p>
-            <a:r>
-              <a:rPr lang="en-US" dirty="0" smtClean="0">
-                <a:latin typeface="Arial" panose="020B0604020202020204" pitchFamily="34" charset="0"/>
-                <a:cs typeface="Arial" panose="020B0604020202020204" pitchFamily="34" charset="0"/>
-              </a:rPr>
-              <a:t>Go to purechat.com &gt; Sign up &gt; Copy snippet code &gt; paste before end of &lt;/body&gt;</a:t>
-            </a:r>
-            <a:r>
-              <a:rPr lang="en-US" sz="4400" dirty="0">
-                <a:solidFill>
-                  <a:srgbClr val="8CADAE">
-                    <a:shade val="75000"/>
-                  </a:srgbClr>
-                </a:solidFill>
-              </a:rPr>
-              <a:t/>
-            </a:r>
-            <a:br>
-              <a:rPr lang="en-US" sz="4400" dirty="0">
-                <a:solidFill>
-                  <a:srgbClr val="8CADAE">
-                    <a:shade val="75000"/>
-                  </a:srgbClr>
-                </a:solidFill>
-              </a:rPr>
-            </a:br>
-            <a:endParaRPr lang="en-US" dirty="0"/>
-          </a:p>
-          <a:p>
+            <a:pPr marL="0" indent="0">
+              <a:buNone/>
+            </a:pPr>
+            <a:endParaRPr lang="en-US" dirty="0" smtClean="0"/>
+          </a:p>
+          <a:p>
+            <a:pPr marL="0" indent="0">
+              <a:buNone/>
+            </a:pPr>
+            <a:r>
+              <a:rPr lang="en-US" dirty="0"/>
+              <a:t> </a:t>
+            </a:r>
             <a:r>
               <a:rPr lang="en-US" dirty="0" smtClean="0"/>
-              <a:t>Live Chat demo.</a:t>
-            </a:r>
-            <a:endParaRPr lang="en-US" dirty="0"/>
+              <a:t>   </a:t>
+            </a:r>
+          </a:p>
+        </p:txBody>
+      </p:sp>
+      <p:pic>
+        <p:nvPicPr>
+          <p:cNvPr id="7" name="Picture 6"/>
+          <p:cNvPicPr>
+            <a:picLocks noChangeAspect="1"/>
+          </p:cNvPicPr>
+          <p:nvPr/>
+        </p:nvPicPr>
+        <p:blipFill>
+          <a:blip r:embed="rId2"/>
+          <a:stretch>
+            <a:fillRect/>
+          </a:stretch>
+        </p:blipFill>
+        <p:spPr>
+          <a:xfrm>
+            <a:off x="320040" y="1901951"/>
+            <a:ext cx="2880360" cy="4063117"/>
+          </a:xfrm>
+          <a:prstGeom prst="rect">
+            <a:avLst/>
+          </a:prstGeom>
+        </p:spPr>
+      </p:pic>
+      <p:sp>
+        <p:nvSpPr>
+          <p:cNvPr id="5" name="Oval 4"/>
+          <p:cNvSpPr/>
+          <p:nvPr/>
+        </p:nvSpPr>
+        <p:spPr>
+          <a:xfrm rot="15613867">
+            <a:off x="966826" y="3556603"/>
+            <a:ext cx="1441740" cy="778782"/>
+          </a:xfrm>
+          <a:prstGeom prst="ellipse">
+            <a:avLst/>
+          </a:prstGeom>
+          <a:noFill/>
+          <a:ln>
+            <a:solidFill>
+              <a:srgbClr val="00B0F0"/>
+            </a:solidFill>
+          </a:ln>
+        </p:spPr>
+        <p:style>
+          <a:lnRef idx="2">
+            <a:schemeClr val="accent1">
+              <a:shade val="50000"/>
+            </a:schemeClr>
+          </a:lnRef>
+          <a:fillRef idx="1">
+            <a:schemeClr val="accent1"/>
+          </a:fillRef>
+          <a:effectRef idx="0">
+            <a:schemeClr val="accent1"/>
+          </a:effectRef>
+          <a:fontRef idx="minor">
+            <a:schemeClr val="lt1"/>
+          </a:fontRef>
+        </p:style>
+        <p:txBody>
+          <a:bodyPr rtlCol="0" anchor="ctr"/>
+          <a:lstStyle/>
+          <a:p>
+            <a:pPr algn="ctr"/>
+            <a:endParaRPr lang="en-US"/>
           </a:p>
         </p:txBody>
       </p:sp>
     </p:spTree>
     <p:extLst>
       <p:ext uri="{BB962C8B-B14F-4D97-AF65-F5344CB8AC3E}">
-        <p14:creationId xmlns:p14="http://schemas.microsoft.com/office/powerpoint/2010/main" val="2971098582"/>
+        <p14:creationId xmlns:p14="http://schemas.microsoft.com/office/powerpoint/2010/main" val="3949821554"/>
       </p:ext>
     </p:extLst>
   </p:cSld>
@@ -6853,7 +7015,7 @@
 </p:sld>
 </file>
 
-<file path=ppt/slides/slide2.xml><?xml version="1.0" encoding="utf-8"?>
+<file path=ppt/slides/slide12.xml><?xml version="1.0" encoding="utf-8"?>
 <p:sld xmlns:a="http://schemas.openxmlformats.org/drawingml/2006/main" xmlns:r="http://schemas.openxmlformats.org/officeDocument/2006/relationships" xmlns:p="http://schemas.openxmlformats.org/presentationml/2006/main">
   <p:cSld>
     <p:spTree>
@@ -6882,7 +7044,7 @@
         </p:nvSpPr>
         <p:spPr>
           <a:xfrm>
-            <a:off x="304800" y="0"/>
+            <a:off x="609600" y="-152400"/>
             <a:ext cx="8534400" cy="2054352"/>
           </a:xfrm>
         </p:spPr>
@@ -6893,11 +7055,11 @@
           <a:lstStyle/>
           <a:p>
             <a:r>
-              <a:rPr lang="en-US" sz="2800" b="1" dirty="0" smtClean="0"/>
+              <a:rPr lang="en-US" sz="2400" b="1" dirty="0" smtClean="0"/>
               <a:t>TEAM</a:t>
             </a:r>
             <a:r>
-              <a:rPr lang="en-US" sz="2800" b="1" dirty="0">
+              <a:rPr lang="en-US" sz="2400" b="1" dirty="0">
                 <a:solidFill>
                   <a:srgbClr val="FF0000"/>
                 </a:solidFill>
@@ -6905,11 +7067,11 @@
               <a:t>5</a:t>
             </a:r>
             <a:r>
-              <a:rPr lang="en-US" sz="2800" b="1" dirty="0" smtClean="0"/>
+              <a:rPr lang="en-US" sz="2400" b="1" dirty="0" smtClean="0"/>
               <a:t>O</a:t>
             </a:r>
             <a:r>
-              <a:rPr lang="en-US" sz="2800" b="1" dirty="0" smtClean="0">
+              <a:rPr lang="en-US" sz="2400" b="1" dirty="0" smtClean="0">
                 <a:solidFill>
                   <a:srgbClr val="FF0000"/>
                 </a:solidFill>
@@ -6917,26 +7079,26 @@
               <a:t>AR</a:t>
             </a:r>
             <a:r>
-              <a:rPr lang="en-US" sz="2800" b="1" dirty="0" smtClean="0"/>
+              <a:rPr lang="en-US" sz="2400" b="1" dirty="0" smtClean="0"/>
               <a:t>S</a:t>
             </a:r>
             <a:r>
-              <a:rPr lang="en-US" sz="2800" dirty="0"/>
+              <a:rPr lang="en-US" sz="2400" dirty="0"/>
               <a:t/>
             </a:r>
             <a:br>
-              <a:rPr lang="en-US" sz="2800" dirty="0"/>
+              <a:rPr lang="en-US" sz="2400" dirty="0"/>
             </a:br>
             <a:r>
-              <a:rPr lang="en-US" sz="2800" b="1" dirty="0"/>
+              <a:rPr lang="en-US" sz="2400" b="1" dirty="0"/>
               <a:t>O</a:t>
             </a:r>
             <a:r>
-              <a:rPr lang="en-US" sz="2800" dirty="0"/>
+              <a:rPr lang="en-US" sz="2400" dirty="0"/>
               <a:t>nline </a:t>
             </a:r>
             <a:r>
-              <a:rPr lang="en-US" sz="2800" b="1" dirty="0">
+              <a:rPr lang="en-US" sz="2400" b="1" dirty="0">
                 <a:solidFill>
                   <a:srgbClr val="FF0000"/>
                 </a:solidFill>
@@ -6944,11 +7106,11 @@
               <a:t>A</a:t>
             </a:r>
             <a:r>
-              <a:rPr lang="en-US" sz="2800" dirty="0"/>
+              <a:rPr lang="en-US" sz="2400" dirty="0"/>
               <a:t>partment </a:t>
             </a:r>
             <a:r>
-              <a:rPr lang="en-US" sz="2800" b="1" dirty="0">
+              <a:rPr lang="en-US" sz="2400" b="1" dirty="0">
                 <a:solidFill>
                   <a:srgbClr val="FF0000"/>
                 </a:solidFill>
@@ -6956,44 +7118,36 @@
               <a:t>R</a:t>
             </a:r>
             <a:r>
-              <a:rPr lang="en-US" sz="2800" dirty="0"/>
+              <a:rPr lang="en-US" sz="2400" dirty="0"/>
               <a:t>ental </a:t>
             </a:r>
             <a:r>
-              <a:rPr lang="en-US" sz="2800" b="1" dirty="0" smtClean="0"/>
+              <a:rPr lang="en-US" sz="2400" b="1" dirty="0" smtClean="0"/>
               <a:t>S</a:t>
             </a:r>
             <a:r>
-              <a:rPr lang="en-US" sz="2800" dirty="0" smtClean="0"/>
+              <a:rPr lang="en-US" sz="2400" dirty="0" smtClean="0"/>
               <a:t>ystem</a:t>
             </a:r>
             <a:r>
-              <a:rPr lang="en-US" sz="2000" dirty="0"/>
+              <a:rPr lang="en-US" sz="2400" dirty="0"/>
               <a:t/>
             </a:r>
             <a:br>
-              <a:rPr lang="en-US" sz="2000" dirty="0"/>
+              <a:rPr lang="en-US" sz="2400" dirty="0"/>
             </a:br>
             <a:r>
-              <a:rPr lang="en-US" sz="3600" dirty="0"/>
+              <a:rPr lang="en-US" sz="2400" dirty="0"/>
               <a:t/>
             </a:r>
             <a:br>
-              <a:rPr lang="en-US" sz="3600" dirty="0"/>
+              <a:rPr lang="en-US" sz="2400" dirty="0"/>
             </a:br>
             <a:r>
-              <a:rPr lang="en-US" dirty="0" smtClean="0">
-                <a:solidFill>
-                  <a:srgbClr val="FF0000"/>
-                </a:solidFill>
-              </a:rPr>
-              <a:t>DATABASE BACK END</a:t>
-            </a:r>
-            <a:endParaRPr lang="en-US" dirty="0">
-              <a:solidFill>
-                <a:srgbClr val="FF0000"/>
-              </a:solidFill>
-            </a:endParaRPr>
+              <a:rPr lang="en-US" dirty="0" smtClean="0"/>
+              <a:t>Data Design – Relational Model</a:t>
+            </a:r>
+            <a:endParaRPr lang="en-US" dirty="0"/>
           </a:p>
         </p:txBody>
       </p:sp>
@@ -7017,41 +7171,117 @@
           <a:bodyPr/>
           <a:lstStyle/>
           <a:p>
+            <a:pPr marL="0" indent="0">
+              <a:buNone/>
+            </a:pPr>
+            <a:endParaRPr lang="en-US" dirty="0" smtClean="0"/>
+          </a:p>
+          <a:p>
+            <a:pPr marL="0" indent="0">
+              <a:buNone/>
+            </a:pPr>
             <a:r>
               <a:rPr lang="en-US" dirty="0"/>
-              <a:t>Added by VH; Please discuss DB </a:t>
+              <a:t> </a:t>
             </a:r>
             <a:r>
               <a:rPr lang="en-US" dirty="0" smtClean="0"/>
-              <a:t>first</a:t>
-            </a:r>
-          </a:p>
-          <a:p>
-            <a:endParaRPr lang="en-US" dirty="0"/>
-          </a:p>
-          <a:p>
-            <a:r>
-              <a:rPr lang="en-US" dirty="0" smtClean="0"/>
-              <a:t>Please place these as dividers </a:t>
-            </a:r>
-            <a:endParaRPr lang="en-US" dirty="0"/>
+              <a:t>   </a:t>
+            </a:r>
+          </a:p>
+        </p:txBody>
+      </p:sp>
+      <p:pic>
+        <p:nvPicPr>
+          <p:cNvPr id="6" name="Picture 5"/>
+          <p:cNvPicPr>
+            <a:picLocks noChangeAspect="1"/>
+          </p:cNvPicPr>
+          <p:nvPr/>
+        </p:nvPicPr>
+        <p:blipFill>
+          <a:blip r:embed="rId2"/>
+          <a:stretch>
+            <a:fillRect/>
+          </a:stretch>
+        </p:blipFill>
+        <p:spPr>
+          <a:xfrm>
+            <a:off x="152400" y="2261419"/>
+            <a:ext cx="4039129" cy="2920181"/>
+          </a:xfrm>
+          <a:prstGeom prst="rect">
+            <a:avLst/>
+          </a:prstGeom>
+        </p:spPr>
+      </p:pic>
+      <p:sp>
+        <p:nvSpPr>
+          <p:cNvPr id="7" name="Oval 6"/>
+          <p:cNvSpPr/>
+          <p:nvPr/>
+        </p:nvSpPr>
+        <p:spPr>
+          <a:xfrm rot="2093738">
+            <a:off x="1284250" y="3290999"/>
+            <a:ext cx="1768412" cy="516825"/>
+          </a:xfrm>
+          <a:prstGeom prst="ellipse">
+            <a:avLst/>
+          </a:prstGeom>
+          <a:noFill/>
+          <a:ln>
+            <a:solidFill>
+              <a:srgbClr val="00B0F0"/>
+            </a:solidFill>
+          </a:ln>
+        </p:spPr>
+        <p:style>
+          <a:lnRef idx="2">
+            <a:schemeClr val="accent1">
+              <a:shade val="50000"/>
+            </a:schemeClr>
+          </a:lnRef>
+          <a:fillRef idx="1">
+            <a:schemeClr val="accent1"/>
+          </a:fillRef>
+          <a:effectRef idx="0">
+            <a:schemeClr val="accent1"/>
+          </a:effectRef>
+          <a:fontRef idx="minor">
+            <a:schemeClr val="lt1"/>
+          </a:fontRef>
+        </p:style>
+        <p:txBody>
+          <a:bodyPr rtlCol="0" anchor="ctr"/>
+          <a:lstStyle/>
+          <a:p>
+            <a:pPr algn="ctr"/>
+            <a:endParaRPr lang="en-US"/>
           </a:p>
         </p:txBody>
       </p:sp>
     </p:spTree>
     <p:extLst>
       <p:ext uri="{BB962C8B-B14F-4D97-AF65-F5344CB8AC3E}">
-        <p14:creationId xmlns:p14="http://schemas.microsoft.com/office/powerpoint/2010/main" val="4266379870"/>
+        <p14:creationId xmlns:p14="http://schemas.microsoft.com/office/powerpoint/2010/main" val="1195315492"/>
       </p:ext>
     </p:extLst>
   </p:cSld>
   <p:clrMapOvr>
     <a:masterClrMapping/>
   </p:clrMapOvr>
+  <p:timing>
+    <p:tnLst>
+      <p:par>
+        <p:cTn id="1" dur="indefinite" restart="never" nodeType="tmRoot"/>
+      </p:par>
+    </p:tnLst>
+  </p:timing>
 </p:sld>
 </file>
 
-<file path=ppt/slides/slide3.xml><?xml version="1.0" encoding="utf-8"?>
+<file path=ppt/slides/slide13.xml><?xml version="1.0" encoding="utf-8"?>
 <p:sld xmlns:a="http://schemas.openxmlformats.org/drawingml/2006/main" xmlns:r="http://schemas.openxmlformats.org/officeDocument/2006/relationships" xmlns:p="http://schemas.openxmlformats.org/presentationml/2006/main">
   <p:cSld>
     <p:spTree>
@@ -7080,7 +7310,7 @@
         </p:nvSpPr>
         <p:spPr>
           <a:xfrm>
-            <a:off x="381000" y="-10886"/>
+            <a:off x="609600" y="-152400"/>
             <a:ext cx="8534400" cy="2054352"/>
           </a:xfrm>
         </p:spPr>
@@ -7181,7 +7411,7 @@
             </a:br>
             <a:r>
               <a:rPr lang="en-US" dirty="0" smtClean="0"/>
-              <a:t>Data Analysis – ERD Model</a:t>
+              <a:t>Data Design – Relational Model</a:t>
             </a:r>
             <a:endParaRPr lang="en-US" dirty="0"/>
           </a:p>
@@ -7207,53 +7437,117 @@
           <a:bodyPr/>
           <a:lstStyle/>
           <a:p>
+            <a:pPr marL="0" indent="0">
+              <a:buNone/>
+            </a:pPr>
+            <a:endParaRPr lang="en-US" dirty="0" smtClean="0"/>
+          </a:p>
+          <a:p>
+            <a:pPr marL="0" indent="0">
+              <a:buNone/>
+            </a:pPr>
+            <a:r>
+              <a:rPr lang="en-US" dirty="0"/>
+              <a:t> </a:t>
+            </a:r>
             <a:r>
               <a:rPr lang="en-US" dirty="0" smtClean="0"/>
-              <a:t>Summary of #</a:t>
-            </a:r>
-            <a:r>
-              <a:rPr lang="en-US" dirty="0" err="1" smtClean="0"/>
-              <a:t>Es</a:t>
-            </a:r>
-            <a:r>
-              <a:rPr lang="en-US" dirty="0" smtClean="0"/>
-              <a:t>, #</a:t>
-            </a:r>
-            <a:r>
-              <a:rPr lang="en-US" dirty="0" err="1" smtClean="0"/>
-              <a:t>Rs</a:t>
-            </a:r>
-            <a:r>
-              <a:rPr lang="en-US" dirty="0" smtClean="0"/>
-              <a:t>, and #As.</a:t>
-            </a:r>
-          </a:p>
-          <a:p>
-            <a:endParaRPr lang="en-US" dirty="0"/>
-          </a:p>
-          <a:p>
-            <a:r>
-              <a:rPr lang="en-US" dirty="0" smtClean="0"/>
-              <a:t>ERD Model</a:t>
-            </a:r>
-            <a:endParaRPr lang="en-US" dirty="0"/>
+              <a:t>   </a:t>
+            </a:r>
+          </a:p>
+        </p:txBody>
+      </p:sp>
+      <p:pic>
+        <p:nvPicPr>
+          <p:cNvPr id="6" name="Picture 5"/>
+          <p:cNvPicPr>
+            <a:picLocks noChangeAspect="1"/>
+          </p:cNvPicPr>
+          <p:nvPr/>
+        </p:nvPicPr>
+        <p:blipFill>
+          <a:blip r:embed="rId2"/>
+          <a:stretch>
+            <a:fillRect/>
+          </a:stretch>
+        </p:blipFill>
+        <p:spPr>
+          <a:xfrm>
+            <a:off x="152400" y="2561195"/>
+            <a:ext cx="4191000" cy="3200661"/>
+          </a:xfrm>
+          <a:prstGeom prst="rect">
+            <a:avLst/>
+          </a:prstGeom>
+        </p:spPr>
+      </p:pic>
+      <p:sp>
+        <p:nvSpPr>
+          <p:cNvPr id="5" name="Oval 4"/>
+          <p:cNvSpPr/>
+          <p:nvPr/>
+        </p:nvSpPr>
+        <p:spPr>
+          <a:xfrm rot="16841186">
+            <a:off x="1641053" y="3490813"/>
+            <a:ext cx="1981200" cy="837793"/>
+          </a:xfrm>
+          <a:prstGeom prst="ellipse">
+            <a:avLst/>
+          </a:prstGeom>
+          <a:noFill/>
+          <a:ln>
+            <a:solidFill>
+              <a:srgbClr val="00B0F0"/>
+            </a:solidFill>
+          </a:ln>
+        </p:spPr>
+        <p:style>
+          <a:lnRef idx="2">
+            <a:schemeClr val="accent1">
+              <a:shade val="50000"/>
+            </a:schemeClr>
+          </a:lnRef>
+          <a:fillRef idx="1">
+            <a:schemeClr val="accent1"/>
+          </a:fillRef>
+          <a:effectRef idx="0">
+            <a:schemeClr val="accent1"/>
+          </a:effectRef>
+          <a:fontRef idx="minor">
+            <a:schemeClr val="lt1"/>
+          </a:fontRef>
+        </p:style>
+        <p:txBody>
+          <a:bodyPr rtlCol="0" anchor="ctr"/>
+          <a:lstStyle/>
+          <a:p>
+            <a:pPr algn="ctr"/>
+            <a:endParaRPr lang="en-US"/>
           </a:p>
         </p:txBody>
       </p:sp>
     </p:spTree>
     <p:extLst>
       <p:ext uri="{BB962C8B-B14F-4D97-AF65-F5344CB8AC3E}">
-        <p14:creationId xmlns:p14="http://schemas.microsoft.com/office/powerpoint/2010/main" val="2922699264"/>
+        <p14:creationId xmlns:p14="http://schemas.microsoft.com/office/powerpoint/2010/main" val="3516559076"/>
       </p:ext>
     </p:extLst>
   </p:cSld>
   <p:clrMapOvr>
     <a:masterClrMapping/>
   </p:clrMapOvr>
+  <p:timing>
+    <p:tnLst>
+      <p:par>
+        <p:cTn id="1" dur="indefinite" restart="never" nodeType="tmRoot"/>
+      </p:par>
+    </p:tnLst>
+  </p:timing>
 </p:sld>
 </file>
 
-<file path=ppt/slides/slide4.xml><?xml version="1.0" encoding="utf-8"?>
+<file path=ppt/slides/slide14.xml><?xml version="1.0" encoding="utf-8"?>
 <p:sld xmlns:a="http://schemas.openxmlformats.org/drawingml/2006/main" xmlns:r="http://schemas.openxmlformats.org/officeDocument/2006/relationships" xmlns:p="http://schemas.openxmlformats.org/presentationml/2006/main">
   <p:cSld>
     <p:spTree>
@@ -7282,7 +7576,7 @@
         </p:nvSpPr>
         <p:spPr>
           <a:xfrm>
-            <a:off x="304800" y="0"/>
+            <a:off x="609600" y="-152400"/>
             <a:ext cx="8534400" cy="2054352"/>
           </a:xfrm>
         </p:spPr>
@@ -7360,26 +7654,30 @@
               <a:t>ental </a:t>
             </a:r>
             <a:r>
-              <a:rPr lang="en-US" sz="2400" b="1" dirty="0"/>
+              <a:rPr lang="en-US" sz="2400" b="1" dirty="0" smtClean="0"/>
               <a:t>S</a:t>
             </a:r>
             <a:r>
-              <a:rPr lang="en-US" sz="2400" dirty="0"/>
+              <a:rPr lang="en-US" sz="2400" dirty="0" smtClean="0"/>
               <a:t>ystem</a:t>
             </a:r>
+            <a:r>
+              <a:rPr lang="en-US" sz="2400" dirty="0"/>
+              <a:t/>
+            </a:r>
             <a:br>
               <a:rPr lang="en-US" sz="2400" dirty="0"/>
             </a:br>
             <a:r>
-              <a:rPr lang="en-US" sz="3600" dirty="0"/>
+              <a:rPr lang="en-US" sz="2400" dirty="0"/>
               <a:t/>
             </a:r>
             <a:br>
-              <a:rPr lang="en-US" sz="3600" dirty="0"/>
+              <a:rPr lang="en-US" sz="2400" dirty="0"/>
             </a:br>
             <a:r>
               <a:rPr lang="en-US" dirty="0" smtClean="0"/>
-              <a:t>Contract – Data Requirements Specification</a:t>
+              <a:t>Data Design – Relational Model</a:t>
             </a:r>
             <a:endParaRPr lang="en-US" dirty="0"/>
           </a:p>
@@ -7405,59 +7703,383 @@
           <a:bodyPr/>
           <a:lstStyle/>
           <a:p>
+            <a:pPr marL="0" indent="0">
+              <a:buNone/>
+            </a:pPr>
+            <a:endParaRPr lang="en-US" dirty="0" smtClean="0"/>
+          </a:p>
+          <a:p>
+            <a:pPr marL="0" indent="0">
+              <a:buNone/>
+            </a:pPr>
+            <a:r>
+              <a:rPr lang="en-US" dirty="0"/>
+              <a:t> </a:t>
+            </a:r>
             <a:r>
               <a:rPr lang="en-US" dirty="0" smtClean="0"/>
-              <a:t>Summary of #</a:t>
-            </a:r>
-            <a:r>
-              <a:rPr lang="en-US" dirty="0" err="1" smtClean="0"/>
-              <a:t>Es</a:t>
-            </a:r>
-            <a:r>
-              <a:rPr lang="en-US" dirty="0" smtClean="0"/>
-              <a:t>, #</a:t>
-            </a:r>
-            <a:r>
-              <a:rPr lang="en-US" dirty="0" err="1" smtClean="0"/>
-              <a:t>Rs</a:t>
-            </a:r>
-            <a:r>
-              <a:rPr lang="en-US" dirty="0" smtClean="0"/>
-              <a:t>, and #As.</a:t>
-            </a:r>
-          </a:p>
-          <a:p>
-            <a:endParaRPr lang="en-US" dirty="0"/>
-          </a:p>
-          <a:p>
-            <a:r>
-              <a:rPr lang="en-US" dirty="0" smtClean="0"/>
-              <a:t>Table 1. Data Requirements</a:t>
-            </a:r>
-          </a:p>
-          <a:p>
-            <a:r>
-              <a:rPr lang="en-US" dirty="0" smtClean="0"/>
-              <a:t>Table 2. Constraints</a:t>
-            </a:r>
-            <a:endParaRPr lang="en-US" dirty="0"/>
+              <a:t>   </a:t>
+            </a:r>
+          </a:p>
+        </p:txBody>
+      </p:sp>
+      <p:pic>
+        <p:nvPicPr>
+          <p:cNvPr id="6" name="Picture 5"/>
+          <p:cNvPicPr>
+            <a:picLocks noChangeAspect="1"/>
+          </p:cNvPicPr>
+          <p:nvPr/>
+        </p:nvPicPr>
+        <p:blipFill>
+          <a:blip r:embed="rId2"/>
+          <a:stretch>
+            <a:fillRect/>
+          </a:stretch>
+        </p:blipFill>
+        <p:spPr>
+          <a:xfrm>
+            <a:off x="228600" y="2156644"/>
+            <a:ext cx="3657600" cy="3957145"/>
+          </a:xfrm>
+          <a:prstGeom prst="rect">
+            <a:avLst/>
+          </a:prstGeom>
+        </p:spPr>
+      </p:pic>
+      <p:sp>
+        <p:nvSpPr>
+          <p:cNvPr id="5" name="Oval 4"/>
+          <p:cNvSpPr/>
+          <p:nvPr/>
+        </p:nvSpPr>
+        <p:spPr>
+          <a:xfrm rot="15088727">
+            <a:off x="1001443" y="2877786"/>
+            <a:ext cx="2297651" cy="923976"/>
+          </a:xfrm>
+          <a:prstGeom prst="ellipse">
+            <a:avLst/>
+          </a:prstGeom>
+          <a:noFill/>
+          <a:ln>
+            <a:solidFill>
+              <a:srgbClr val="00B0F0"/>
+            </a:solidFill>
+          </a:ln>
+        </p:spPr>
+        <p:style>
+          <a:lnRef idx="2">
+            <a:schemeClr val="accent1">
+              <a:shade val="50000"/>
+            </a:schemeClr>
+          </a:lnRef>
+          <a:fillRef idx="1">
+            <a:schemeClr val="accent1"/>
+          </a:fillRef>
+          <a:effectRef idx="0">
+            <a:schemeClr val="accent1"/>
+          </a:effectRef>
+          <a:fontRef idx="minor">
+            <a:schemeClr val="lt1"/>
+          </a:fontRef>
+        </p:style>
+        <p:txBody>
+          <a:bodyPr rtlCol="0" anchor="ctr"/>
+          <a:lstStyle/>
+          <a:p>
+            <a:pPr algn="ctr"/>
+            <a:endParaRPr lang="en-US"/>
           </a:p>
         </p:txBody>
       </p:sp>
     </p:spTree>
     <p:extLst>
       <p:ext uri="{BB962C8B-B14F-4D97-AF65-F5344CB8AC3E}">
-        <p14:creationId xmlns:p14="http://schemas.microsoft.com/office/powerpoint/2010/main" val="1709730969"/>
+        <p14:creationId xmlns:p14="http://schemas.microsoft.com/office/powerpoint/2010/main" val="176884131"/>
       </p:ext>
     </p:extLst>
   </p:cSld>
   <p:clrMapOvr>
     <a:masterClrMapping/>
   </p:clrMapOvr>
+  <p:timing>
+    <p:tnLst>
+      <p:par>
+        <p:cTn id="1" dur="indefinite" restart="never" nodeType="tmRoot"/>
+      </p:par>
+    </p:tnLst>
+  </p:timing>
 </p:sld>
 </file>
 
-<file path=ppt/slides/slide5.xml><?xml version="1.0" encoding="utf-8"?>
+<file path=ppt/slides/slide15.xml><?xml version="1.0" encoding="utf-8"?>
+<p:sld xmlns:a="http://schemas.openxmlformats.org/drawingml/2006/main" xmlns:r="http://schemas.openxmlformats.org/officeDocument/2006/relationships" xmlns:p="http://schemas.openxmlformats.org/presentationml/2006/main">
+  <p:cSld>
+    <p:spTree>
+      <p:nvGrpSpPr>
+        <p:cNvPr id="1" name=""/>
+        <p:cNvGrpSpPr/>
+        <p:nvPr/>
+      </p:nvGrpSpPr>
+      <p:grpSpPr>
+        <a:xfrm>
+          <a:off x="0" y="0"/>
+          <a:ext cx="0" cy="0"/>
+          <a:chOff x="0" y="0"/>
+          <a:chExt cx="0" cy="0"/>
+        </a:xfrm>
+      </p:grpSpPr>
+      <p:sp>
+        <p:nvSpPr>
+          <p:cNvPr id="2" name="Title 1"/>
+          <p:cNvSpPr>
+            <a:spLocks noGrp="1"/>
+          </p:cNvSpPr>
+          <p:nvPr>
+            <p:ph type="title"/>
+          </p:nvPr>
+        </p:nvSpPr>
+        <p:spPr>
+          <a:xfrm>
+            <a:off x="609600" y="-152400"/>
+            <a:ext cx="8534400" cy="2054352"/>
+          </a:xfrm>
+        </p:spPr>
+        <p:txBody>
+          <a:bodyPr>
+            <a:normAutofit/>
+          </a:bodyPr>
+          <a:lstStyle/>
+          <a:p>
+            <a:r>
+              <a:rPr lang="en-US" sz="2400" b="1" dirty="0" smtClean="0"/>
+              <a:t>TEAM</a:t>
+            </a:r>
+            <a:r>
+              <a:rPr lang="en-US" sz="2400" b="1" dirty="0">
+                <a:solidFill>
+                  <a:srgbClr val="FF0000"/>
+                </a:solidFill>
+              </a:rPr>
+              <a:t>5</a:t>
+            </a:r>
+            <a:r>
+              <a:rPr lang="en-US" sz="2400" b="1" dirty="0" smtClean="0"/>
+              <a:t>O</a:t>
+            </a:r>
+            <a:r>
+              <a:rPr lang="en-US" sz="2400" b="1" dirty="0" smtClean="0">
+                <a:solidFill>
+                  <a:srgbClr val="FF0000"/>
+                </a:solidFill>
+              </a:rPr>
+              <a:t>AR</a:t>
+            </a:r>
+            <a:r>
+              <a:rPr lang="en-US" sz="2400" b="1" dirty="0" smtClean="0"/>
+              <a:t>S</a:t>
+            </a:r>
+            <a:r>
+              <a:rPr lang="en-US" sz="2400" dirty="0"/>
+              <a:t/>
+            </a:r>
+            <a:br>
+              <a:rPr lang="en-US" sz="2400" dirty="0"/>
+            </a:br>
+            <a:r>
+              <a:rPr lang="en-US" sz="2400" b="1" dirty="0"/>
+              <a:t>O</a:t>
+            </a:r>
+            <a:r>
+              <a:rPr lang="en-US" sz="2400" dirty="0"/>
+              <a:t>nline </a:t>
+            </a:r>
+            <a:r>
+              <a:rPr lang="en-US" sz="2400" b="1" dirty="0">
+                <a:solidFill>
+                  <a:srgbClr val="FF0000"/>
+                </a:solidFill>
+              </a:rPr>
+              <a:t>A</a:t>
+            </a:r>
+            <a:r>
+              <a:rPr lang="en-US" sz="2400" dirty="0"/>
+              <a:t>partment </a:t>
+            </a:r>
+            <a:r>
+              <a:rPr lang="en-US" sz="2400" b="1" dirty="0">
+                <a:solidFill>
+                  <a:srgbClr val="FF0000"/>
+                </a:solidFill>
+              </a:rPr>
+              <a:t>R</a:t>
+            </a:r>
+            <a:r>
+              <a:rPr lang="en-US" sz="2400" dirty="0"/>
+              <a:t>ental </a:t>
+            </a:r>
+            <a:r>
+              <a:rPr lang="en-US" sz="2400" b="1" dirty="0" smtClean="0"/>
+              <a:t>S</a:t>
+            </a:r>
+            <a:r>
+              <a:rPr lang="en-US" sz="2400" dirty="0" smtClean="0"/>
+              <a:t>ystem</a:t>
+            </a:r>
+            <a:r>
+              <a:rPr lang="en-US" sz="2400" dirty="0"/>
+              <a:t/>
+            </a:r>
+            <a:br>
+              <a:rPr lang="en-US" sz="2400" dirty="0"/>
+            </a:br>
+            <a:r>
+              <a:rPr lang="en-US" sz="2400" dirty="0"/>
+              <a:t/>
+            </a:r>
+            <a:br>
+              <a:rPr lang="en-US" sz="2400" dirty="0"/>
+            </a:br>
+            <a:r>
+              <a:rPr lang="en-US" dirty="0" smtClean="0"/>
+              <a:t>Data Design – Relational Model</a:t>
+            </a:r>
+            <a:endParaRPr lang="en-US" dirty="0"/>
+          </a:p>
+        </p:txBody>
+      </p:sp>
+      <p:sp>
+        <p:nvSpPr>
+          <p:cNvPr id="3" name="Content Placeholder 2"/>
+          <p:cNvSpPr>
+            <a:spLocks noGrp="1"/>
+          </p:cNvSpPr>
+          <p:nvPr>
+            <p:ph sz="quarter" idx="1"/>
+          </p:nvPr>
+        </p:nvSpPr>
+        <p:spPr>
+          <a:xfrm>
+            <a:off x="320040" y="2261419"/>
+            <a:ext cx="8503920" cy="4572000"/>
+          </a:xfrm>
+        </p:spPr>
+        <p:txBody>
+          <a:bodyPr/>
+          <a:lstStyle/>
+          <a:p>
+            <a:pPr marL="0" indent="0">
+              <a:buNone/>
+            </a:pPr>
+            <a:endParaRPr lang="en-US" dirty="0" smtClean="0"/>
+          </a:p>
+          <a:p>
+            <a:pPr marL="0" indent="0">
+              <a:buNone/>
+            </a:pPr>
+            <a:r>
+              <a:rPr lang="en-US" dirty="0"/>
+              <a:t> </a:t>
+            </a:r>
+            <a:r>
+              <a:rPr lang="en-US" dirty="0" smtClean="0"/>
+              <a:t>   </a:t>
+            </a:r>
+          </a:p>
+        </p:txBody>
+      </p:sp>
+      <p:pic>
+        <p:nvPicPr>
+          <p:cNvPr id="6" name="Picture 5"/>
+          <p:cNvPicPr>
+            <a:picLocks noChangeAspect="1"/>
+          </p:cNvPicPr>
+          <p:nvPr/>
+        </p:nvPicPr>
+        <p:blipFill>
+          <a:blip r:embed="rId2"/>
+          <a:stretch>
+            <a:fillRect/>
+          </a:stretch>
+        </p:blipFill>
+        <p:spPr>
+          <a:xfrm>
+            <a:off x="320040" y="1752600"/>
+            <a:ext cx="2423160" cy="4794022"/>
+          </a:xfrm>
+          <a:prstGeom prst="rect">
+            <a:avLst/>
+          </a:prstGeom>
+        </p:spPr>
+      </p:pic>
+      <p:sp>
+        <p:nvSpPr>
+          <p:cNvPr id="5" name="Oval 4"/>
+          <p:cNvSpPr/>
+          <p:nvPr/>
+        </p:nvSpPr>
+        <p:spPr>
+          <a:xfrm rot="19868541">
+            <a:off x="145513" y="2598436"/>
+            <a:ext cx="1981200" cy="538287"/>
+          </a:xfrm>
+          <a:prstGeom prst="ellipse">
+            <a:avLst/>
+          </a:prstGeom>
+          <a:noFill/>
+          <a:ln>
+            <a:solidFill>
+              <a:srgbClr val="00B0F0"/>
+            </a:solidFill>
+          </a:ln>
+        </p:spPr>
+        <p:style>
+          <a:lnRef idx="2">
+            <a:schemeClr val="accent1">
+              <a:shade val="50000"/>
+            </a:schemeClr>
+          </a:lnRef>
+          <a:fillRef idx="1">
+            <a:schemeClr val="accent1"/>
+          </a:fillRef>
+          <a:effectRef idx="0">
+            <a:schemeClr val="accent1"/>
+          </a:effectRef>
+          <a:fontRef idx="minor">
+            <a:schemeClr val="lt1"/>
+          </a:fontRef>
+        </p:style>
+        <p:txBody>
+          <a:bodyPr rtlCol="0" anchor="ctr"/>
+          <a:lstStyle/>
+          <a:p>
+            <a:pPr algn="ctr"/>
+            <a:endParaRPr lang="en-US"/>
+          </a:p>
+        </p:txBody>
+      </p:sp>
+    </p:spTree>
+    <p:extLst>
+      <p:ext uri="{BB962C8B-B14F-4D97-AF65-F5344CB8AC3E}">
+        <p14:creationId xmlns:p14="http://schemas.microsoft.com/office/powerpoint/2010/main" val="119406860"/>
+      </p:ext>
+    </p:extLst>
+  </p:cSld>
+  <p:clrMapOvr>
+    <a:masterClrMapping/>
+  </p:clrMapOvr>
+  <p:timing>
+    <p:tnLst>
+      <p:par>
+        <p:cTn id="1" dur="indefinite" restart="never" nodeType="tmRoot"/>
+      </p:par>
+    </p:tnLst>
+  </p:timing>
+</p:sld>
+</file>
+
+<file path=ppt/slides/slide16.xml><?xml version="1.0" encoding="utf-8"?>
 <p:sld xmlns:a="http://schemas.openxmlformats.org/drawingml/2006/main" xmlns:r="http://schemas.openxmlformats.org/officeDocument/2006/relationships" xmlns:p="http://schemas.openxmlformats.org/presentationml/2006/main">
   <p:cSld>
     <p:spTree>
@@ -7715,8 +8337,8 @@
         </p:blipFill>
         <p:spPr bwMode="auto">
           <a:xfrm>
-            <a:off x="2321168" y="4824075"/>
-            <a:ext cx="2936631" cy="1425179"/>
+            <a:off x="4495800" y="4419600"/>
+            <a:ext cx="4420392" cy="2145265"/>
           </a:xfrm>
           <a:prstGeom prst="rect">
             <a:avLst/>
@@ -7759,13 +8381,2004 @@
     </p:spTree>
     <p:extLst>
       <p:ext uri="{BB962C8B-B14F-4D97-AF65-F5344CB8AC3E}">
-        <p14:creationId xmlns:p14="http://schemas.microsoft.com/office/powerpoint/2010/main" val="2876414311"/>
+        <p14:creationId xmlns:p14="http://schemas.microsoft.com/office/powerpoint/2010/main" val="3210348186"/>
       </p:ext>
     </p:extLst>
   </p:cSld>
   <p:clrMapOvr>
     <a:masterClrMapping/>
   </p:clrMapOvr>
+  <p:timing>
+    <p:tnLst>
+      <p:par>
+        <p:cTn id="1" dur="indefinite" restart="never" nodeType="tmRoot"/>
+      </p:par>
+    </p:tnLst>
+  </p:timing>
+</p:sld>
+</file>
+
+<file path=ppt/slides/slide17.xml><?xml version="1.0" encoding="utf-8"?>
+<p:sld xmlns:a="http://schemas.openxmlformats.org/drawingml/2006/main" xmlns:r="http://schemas.openxmlformats.org/officeDocument/2006/relationships" xmlns:p="http://schemas.openxmlformats.org/presentationml/2006/main">
+  <p:cSld>
+    <p:spTree>
+      <p:nvGrpSpPr>
+        <p:cNvPr id="1" name=""/>
+        <p:cNvGrpSpPr/>
+        <p:nvPr/>
+      </p:nvGrpSpPr>
+      <p:grpSpPr>
+        <a:xfrm>
+          <a:off x="0" y="0"/>
+          <a:ext cx="0" cy="0"/>
+          <a:chOff x="0" y="0"/>
+          <a:chExt cx="0" cy="0"/>
+        </a:xfrm>
+      </p:grpSpPr>
+      <p:sp>
+        <p:nvSpPr>
+          <p:cNvPr id="2" name="Title 1"/>
+          <p:cNvSpPr>
+            <a:spLocks noGrp="1"/>
+          </p:cNvSpPr>
+          <p:nvPr>
+            <p:ph type="title"/>
+          </p:nvPr>
+        </p:nvSpPr>
+        <p:spPr>
+          <a:xfrm>
+            <a:off x="304800" y="0"/>
+            <a:ext cx="8534400" cy="2054352"/>
+          </a:xfrm>
+        </p:spPr>
+        <p:txBody>
+          <a:bodyPr>
+            <a:normAutofit/>
+          </a:bodyPr>
+          <a:lstStyle/>
+          <a:p>
+            <a:r>
+              <a:rPr lang="en-US" sz="2400" b="1" dirty="0" smtClean="0"/>
+              <a:t>TEAMO</a:t>
+            </a:r>
+            <a:r>
+              <a:rPr lang="en-US" sz="2400" b="1" dirty="0" smtClean="0">
+                <a:solidFill>
+                  <a:srgbClr val="FF0000"/>
+                </a:solidFill>
+              </a:rPr>
+              <a:t>AR</a:t>
+            </a:r>
+            <a:r>
+              <a:rPr lang="en-US" sz="2400" b="1" dirty="0" smtClean="0"/>
+              <a:t>S</a:t>
+            </a:r>
+            <a:r>
+              <a:rPr lang="en-US" sz="2400" dirty="0"/>
+              <a:t/>
+            </a:r>
+            <a:br>
+              <a:rPr lang="en-US" sz="2400" dirty="0"/>
+            </a:br>
+            <a:r>
+              <a:rPr lang="en-US" sz="2400" b="1" dirty="0"/>
+              <a:t>O</a:t>
+            </a:r>
+            <a:r>
+              <a:rPr lang="en-US" sz="2400" dirty="0"/>
+              <a:t>nline </a:t>
+            </a:r>
+            <a:r>
+              <a:rPr lang="en-US" sz="2400" b="1" dirty="0">
+                <a:solidFill>
+                  <a:srgbClr val="FF0000"/>
+                </a:solidFill>
+              </a:rPr>
+              <a:t>A</a:t>
+            </a:r>
+            <a:r>
+              <a:rPr lang="en-US" sz="2400" dirty="0"/>
+              <a:t>partment </a:t>
+            </a:r>
+            <a:r>
+              <a:rPr lang="en-US" sz="2400" b="1" dirty="0">
+                <a:solidFill>
+                  <a:srgbClr val="FF0000"/>
+                </a:solidFill>
+              </a:rPr>
+              <a:t>R</a:t>
+            </a:r>
+            <a:r>
+              <a:rPr lang="en-US" sz="2400" dirty="0"/>
+              <a:t>ental </a:t>
+            </a:r>
+            <a:r>
+              <a:rPr lang="en-US" sz="2400" b="1" dirty="0" smtClean="0"/>
+              <a:t>S</a:t>
+            </a:r>
+            <a:r>
+              <a:rPr lang="en-US" sz="2400" dirty="0" smtClean="0"/>
+              <a:t>ystem</a:t>
+            </a:r>
+            <a:r>
+              <a:rPr lang="en-US" sz="3600" dirty="0">
+                <a:solidFill>
+                  <a:srgbClr val="8CADAE">
+                    <a:shade val="75000"/>
+                  </a:srgbClr>
+                </a:solidFill>
+              </a:rPr>
+              <a:t/>
+            </a:r>
+            <a:br>
+              <a:rPr lang="en-US" sz="3600" dirty="0">
+                <a:solidFill>
+                  <a:srgbClr val="8CADAE">
+                    <a:shade val="75000"/>
+                  </a:srgbClr>
+                </a:solidFill>
+              </a:rPr>
+            </a:br>
+            <a:r>
+              <a:rPr lang="en-US" sz="3600" dirty="0" smtClean="0"/>
+              <a:t/>
+            </a:r>
+            <a:br>
+              <a:rPr lang="en-US" sz="3600" dirty="0" smtClean="0"/>
+            </a:br>
+            <a:r>
+              <a:rPr lang="en-US" dirty="0" smtClean="0">
+                <a:solidFill>
+                  <a:srgbClr val="FF0000"/>
+                </a:solidFill>
+              </a:rPr>
+              <a:t>FRONT END</a:t>
+            </a:r>
+            <a:endParaRPr lang="en-US" dirty="0">
+              <a:solidFill>
+                <a:srgbClr val="FF0000"/>
+              </a:solidFill>
+            </a:endParaRPr>
+          </a:p>
+        </p:txBody>
+      </p:sp>
+      <p:sp>
+        <p:nvSpPr>
+          <p:cNvPr id="3" name="Content Placeholder 2"/>
+          <p:cNvSpPr>
+            <a:spLocks noGrp="1"/>
+          </p:cNvSpPr>
+          <p:nvPr>
+            <p:ph sz="quarter" idx="1"/>
+          </p:nvPr>
+        </p:nvSpPr>
+        <p:spPr>
+          <a:xfrm>
+            <a:off x="320040" y="1981200"/>
+            <a:ext cx="8503920" cy="4572000"/>
+          </a:xfrm>
+        </p:spPr>
+        <p:txBody>
+          <a:bodyPr/>
+          <a:lstStyle/>
+          <a:p>
+            <a:r>
+              <a:rPr lang="en-US" dirty="0" smtClean="0"/>
+              <a:t>Added by VH;</a:t>
+            </a:r>
+            <a:endParaRPr lang="en-US" dirty="0"/>
+          </a:p>
+          <a:p>
+            <a:r>
+              <a:rPr lang="en-US" dirty="0"/>
+              <a:t>Please place these as dividers </a:t>
+            </a:r>
+          </a:p>
+          <a:p>
+            <a:endParaRPr lang="en-US" dirty="0"/>
+          </a:p>
+        </p:txBody>
+      </p:sp>
+    </p:spTree>
+    <p:extLst>
+      <p:ext uri="{BB962C8B-B14F-4D97-AF65-F5344CB8AC3E}">
+        <p14:creationId xmlns:p14="http://schemas.microsoft.com/office/powerpoint/2010/main" val="3428671890"/>
+      </p:ext>
+    </p:extLst>
+  </p:cSld>
+  <p:clrMapOvr>
+    <a:masterClrMapping/>
+  </p:clrMapOvr>
+  <p:timing>
+    <p:tnLst>
+      <p:par>
+        <p:cTn id="1" dur="indefinite" restart="never" nodeType="tmRoot"/>
+      </p:par>
+    </p:tnLst>
+  </p:timing>
+</p:sld>
+</file>
+
+<file path=ppt/slides/slide18.xml><?xml version="1.0" encoding="utf-8"?>
+<p:sld xmlns:a="http://schemas.openxmlformats.org/drawingml/2006/main" xmlns:r="http://schemas.openxmlformats.org/officeDocument/2006/relationships" xmlns:p="http://schemas.openxmlformats.org/presentationml/2006/main">
+  <p:cSld>
+    <p:spTree>
+      <p:nvGrpSpPr>
+        <p:cNvPr id="1" name=""/>
+        <p:cNvGrpSpPr/>
+        <p:nvPr/>
+      </p:nvGrpSpPr>
+      <p:grpSpPr>
+        <a:xfrm>
+          <a:off x="0" y="0"/>
+          <a:ext cx="0" cy="0"/>
+          <a:chOff x="0" y="0"/>
+          <a:chExt cx="0" cy="0"/>
+        </a:xfrm>
+      </p:grpSpPr>
+      <p:sp>
+        <p:nvSpPr>
+          <p:cNvPr id="2" name="Title 1"/>
+          <p:cNvSpPr>
+            <a:spLocks noGrp="1"/>
+          </p:cNvSpPr>
+          <p:nvPr>
+            <p:ph type="title"/>
+          </p:nvPr>
+        </p:nvSpPr>
+        <p:spPr>
+          <a:xfrm>
+            <a:off x="304800" y="0"/>
+            <a:ext cx="8534400" cy="2054352"/>
+          </a:xfrm>
+        </p:spPr>
+        <p:txBody>
+          <a:bodyPr>
+            <a:normAutofit fontScale="90000"/>
+          </a:bodyPr>
+          <a:lstStyle/>
+          <a:p>
+            <a:r>
+              <a:rPr lang="en-US" sz="2400" b="1" dirty="0" smtClean="0"/>
+              <a:t>TEAM</a:t>
+            </a:r>
+            <a:r>
+              <a:rPr lang="en-US" sz="2400" b="1" dirty="0">
+                <a:solidFill>
+                  <a:srgbClr val="FF0000"/>
+                </a:solidFill>
+              </a:rPr>
+              <a:t>5</a:t>
+            </a:r>
+            <a:r>
+              <a:rPr lang="en-US" sz="2400" b="1" dirty="0" smtClean="0"/>
+              <a:t>O</a:t>
+            </a:r>
+            <a:r>
+              <a:rPr lang="en-US" sz="2400" b="1" dirty="0" smtClean="0">
+                <a:solidFill>
+                  <a:srgbClr val="FF0000"/>
+                </a:solidFill>
+              </a:rPr>
+              <a:t>AR</a:t>
+            </a:r>
+            <a:r>
+              <a:rPr lang="en-US" sz="2400" b="1" dirty="0" smtClean="0"/>
+              <a:t>S</a:t>
+            </a:r>
+            <a:r>
+              <a:rPr lang="en-US" sz="2400" dirty="0"/>
+              <a:t/>
+            </a:r>
+            <a:br>
+              <a:rPr lang="en-US" sz="2400" dirty="0"/>
+            </a:br>
+            <a:r>
+              <a:rPr lang="en-US" sz="2400" b="1" dirty="0"/>
+              <a:t>O</a:t>
+            </a:r>
+            <a:r>
+              <a:rPr lang="en-US" sz="2400" dirty="0"/>
+              <a:t>nline </a:t>
+            </a:r>
+            <a:r>
+              <a:rPr lang="en-US" sz="2400" b="1" dirty="0">
+                <a:solidFill>
+                  <a:srgbClr val="FF0000"/>
+                </a:solidFill>
+              </a:rPr>
+              <a:t>A</a:t>
+            </a:r>
+            <a:r>
+              <a:rPr lang="en-US" sz="2400" dirty="0"/>
+              <a:t>partment </a:t>
+            </a:r>
+            <a:r>
+              <a:rPr lang="en-US" sz="2400" b="1" dirty="0">
+                <a:solidFill>
+                  <a:srgbClr val="FF0000"/>
+                </a:solidFill>
+              </a:rPr>
+              <a:t>R</a:t>
+            </a:r>
+            <a:r>
+              <a:rPr lang="en-US" sz="2400" dirty="0"/>
+              <a:t>ental </a:t>
+            </a:r>
+            <a:r>
+              <a:rPr lang="en-US" sz="2400" b="1" dirty="0"/>
+              <a:t>S</a:t>
+            </a:r>
+            <a:r>
+              <a:rPr lang="en-US" sz="2400" dirty="0"/>
+              <a:t>ystem</a:t>
+            </a:r>
+            <a:br>
+              <a:rPr lang="en-US" sz="2400" dirty="0"/>
+            </a:br>
+            <a:r>
+              <a:rPr lang="en-US" sz="3600" dirty="0" smtClean="0"/>
+              <a:t/>
+            </a:r>
+            <a:br>
+              <a:rPr lang="en-US" sz="3600" dirty="0" smtClean="0"/>
+            </a:br>
+            <a:r>
+              <a:rPr lang="en-US" sz="3600" dirty="0" smtClean="0"/>
+              <a:t>Business Modeling: </a:t>
+            </a:r>
+            <a:r>
+              <a:rPr lang="en-US" dirty="0" smtClean="0"/>
+              <a:t>UML USE CASE Model</a:t>
+            </a:r>
+            <a:endParaRPr lang="en-US" dirty="0"/>
+          </a:p>
+        </p:txBody>
+      </p:sp>
+      <p:sp>
+        <p:nvSpPr>
+          <p:cNvPr id="3" name="Content Placeholder 2"/>
+          <p:cNvSpPr>
+            <a:spLocks noGrp="1"/>
+          </p:cNvSpPr>
+          <p:nvPr>
+            <p:ph sz="quarter" idx="1"/>
+          </p:nvPr>
+        </p:nvSpPr>
+        <p:spPr>
+          <a:xfrm>
+            <a:off x="320040" y="1981200"/>
+            <a:ext cx="8503920" cy="4572000"/>
+          </a:xfrm>
+        </p:spPr>
+        <p:txBody>
+          <a:bodyPr/>
+          <a:lstStyle/>
+          <a:p>
+            <a:r>
+              <a:rPr lang="en-US" dirty="0" smtClean="0"/>
+              <a:t>Actors;</a:t>
+            </a:r>
+            <a:endParaRPr lang="en-US" dirty="0"/>
+          </a:p>
+          <a:p>
+            <a:r>
+              <a:rPr lang="en-US" dirty="0" smtClean="0"/>
+              <a:t>UML USE CASE Model</a:t>
+            </a:r>
+            <a:endParaRPr lang="en-US" dirty="0"/>
+          </a:p>
+          <a:p>
+            <a:endParaRPr lang="en-US" dirty="0"/>
+          </a:p>
+        </p:txBody>
+      </p:sp>
+    </p:spTree>
+    <p:extLst>
+      <p:ext uri="{BB962C8B-B14F-4D97-AF65-F5344CB8AC3E}">
+        <p14:creationId xmlns:p14="http://schemas.microsoft.com/office/powerpoint/2010/main" val="3145259814"/>
+      </p:ext>
+    </p:extLst>
+  </p:cSld>
+  <p:clrMapOvr>
+    <a:masterClrMapping/>
+  </p:clrMapOvr>
+  <p:timing>
+    <p:tnLst>
+      <p:par>
+        <p:cTn id="1" dur="indefinite" restart="never" nodeType="tmRoot"/>
+      </p:par>
+    </p:tnLst>
+  </p:timing>
+</p:sld>
+</file>
+
+<file path=ppt/slides/slide19.xml><?xml version="1.0" encoding="utf-8"?>
+<p:sld xmlns:a="http://schemas.openxmlformats.org/drawingml/2006/main" xmlns:r="http://schemas.openxmlformats.org/officeDocument/2006/relationships" xmlns:p="http://schemas.openxmlformats.org/presentationml/2006/main">
+  <p:cSld>
+    <p:spTree>
+      <p:nvGrpSpPr>
+        <p:cNvPr id="1" name=""/>
+        <p:cNvGrpSpPr/>
+        <p:nvPr/>
+      </p:nvGrpSpPr>
+      <p:grpSpPr>
+        <a:xfrm>
+          <a:off x="0" y="0"/>
+          <a:ext cx="0" cy="0"/>
+          <a:chOff x="0" y="0"/>
+          <a:chExt cx="0" cy="0"/>
+        </a:xfrm>
+      </p:grpSpPr>
+      <p:sp>
+        <p:nvSpPr>
+          <p:cNvPr id="2" name="Title 1"/>
+          <p:cNvSpPr>
+            <a:spLocks noGrp="1"/>
+          </p:cNvSpPr>
+          <p:nvPr>
+            <p:ph type="title"/>
+          </p:nvPr>
+        </p:nvSpPr>
+        <p:spPr>
+          <a:xfrm>
+            <a:off x="304800" y="0"/>
+            <a:ext cx="8534400" cy="2054352"/>
+          </a:xfrm>
+        </p:spPr>
+        <p:txBody>
+          <a:bodyPr>
+            <a:normAutofit fontScale="90000"/>
+          </a:bodyPr>
+          <a:lstStyle/>
+          <a:p>
+            <a:r>
+              <a:rPr lang="en-US" sz="2800" b="1" dirty="0" smtClean="0"/>
+              <a:t>TEAM</a:t>
+            </a:r>
+            <a:r>
+              <a:rPr lang="en-US" sz="2800" b="1" dirty="0">
+                <a:solidFill>
+                  <a:srgbClr val="FF0000"/>
+                </a:solidFill>
+              </a:rPr>
+              <a:t>5</a:t>
+            </a:r>
+            <a:r>
+              <a:rPr lang="en-US" sz="2800" b="1" dirty="0" smtClean="0"/>
+              <a:t>O</a:t>
+            </a:r>
+            <a:r>
+              <a:rPr lang="en-US" sz="2800" b="1" dirty="0" smtClean="0">
+                <a:solidFill>
+                  <a:srgbClr val="FF0000"/>
+                </a:solidFill>
+              </a:rPr>
+              <a:t>AR</a:t>
+            </a:r>
+            <a:r>
+              <a:rPr lang="en-US" sz="2800" b="1" dirty="0" smtClean="0"/>
+              <a:t>S</a:t>
+            </a:r>
+            <a:r>
+              <a:rPr lang="en-US" sz="2800" dirty="0"/>
+              <a:t/>
+            </a:r>
+            <a:br>
+              <a:rPr lang="en-US" sz="2800" dirty="0"/>
+            </a:br>
+            <a:r>
+              <a:rPr lang="en-US" sz="2800" b="1" dirty="0"/>
+              <a:t>O</a:t>
+            </a:r>
+            <a:r>
+              <a:rPr lang="en-US" sz="2800" dirty="0"/>
+              <a:t>nline </a:t>
+            </a:r>
+            <a:r>
+              <a:rPr lang="en-US" sz="2800" b="1" dirty="0">
+                <a:solidFill>
+                  <a:srgbClr val="FF0000"/>
+                </a:solidFill>
+              </a:rPr>
+              <a:t>A</a:t>
+            </a:r>
+            <a:r>
+              <a:rPr lang="en-US" sz="2800" dirty="0"/>
+              <a:t>partment </a:t>
+            </a:r>
+            <a:r>
+              <a:rPr lang="en-US" sz="2800" b="1" dirty="0">
+                <a:solidFill>
+                  <a:srgbClr val="FF0000"/>
+                </a:solidFill>
+              </a:rPr>
+              <a:t>R</a:t>
+            </a:r>
+            <a:r>
+              <a:rPr lang="en-US" sz="2800" dirty="0"/>
+              <a:t>ental </a:t>
+            </a:r>
+            <a:r>
+              <a:rPr lang="en-US" sz="2800" b="1" dirty="0" smtClean="0"/>
+              <a:t>S</a:t>
+            </a:r>
+            <a:r>
+              <a:rPr lang="en-US" sz="2800" dirty="0" smtClean="0"/>
+              <a:t>ystem</a:t>
+            </a:r>
+            <a:br>
+              <a:rPr lang="en-US" sz="2800" dirty="0" smtClean="0"/>
+            </a:br>
+            <a:r>
+              <a:rPr lang="en-US" sz="3600" dirty="0" smtClean="0"/>
+              <a:t/>
+            </a:r>
+            <a:br>
+              <a:rPr lang="en-US" sz="3600" dirty="0" smtClean="0"/>
+            </a:br>
+            <a:r>
+              <a:rPr lang="en-US" sz="3600" dirty="0" smtClean="0"/>
+              <a:t>Contract: </a:t>
+            </a:r>
+            <a:r>
+              <a:rPr lang="en-US" dirty="0" smtClean="0"/>
+              <a:t>Software Requirements Specification</a:t>
+            </a:r>
+            <a:endParaRPr lang="en-US" dirty="0"/>
+          </a:p>
+        </p:txBody>
+      </p:sp>
+      <p:sp>
+        <p:nvSpPr>
+          <p:cNvPr id="3" name="Content Placeholder 2"/>
+          <p:cNvSpPr>
+            <a:spLocks noGrp="1"/>
+          </p:cNvSpPr>
+          <p:nvPr>
+            <p:ph sz="quarter" idx="1"/>
+          </p:nvPr>
+        </p:nvSpPr>
+        <p:spPr>
+          <a:xfrm>
+            <a:off x="-76200" y="1981200"/>
+            <a:ext cx="9220200" cy="4572000"/>
+          </a:xfrm>
+        </p:spPr>
+        <p:txBody>
+          <a:bodyPr/>
+          <a:lstStyle/>
+          <a:p>
+            <a:r>
+              <a:rPr lang="en-US" dirty="0" smtClean="0"/>
+              <a:t>Summary of </a:t>
+            </a:r>
+            <a:r>
+              <a:rPr lang="en-US" dirty="0" err="1" smtClean="0"/>
+              <a:t>Ucs</a:t>
+            </a:r>
+            <a:r>
+              <a:rPr lang="en-US" dirty="0" smtClean="0"/>
+              <a:t>;</a:t>
+            </a:r>
+          </a:p>
+          <a:p>
+            <a:r>
+              <a:rPr lang="en-US" dirty="0" smtClean="0"/>
+              <a:t>Table 3.2 Functional &amp; Non-Functional Requirements;</a:t>
+            </a:r>
+            <a:endParaRPr lang="en-US" dirty="0"/>
+          </a:p>
+          <a:p>
+            <a:r>
+              <a:rPr lang="en-US" dirty="0" smtClean="0"/>
+              <a:t>Appendix with Actors and UML USE CASE Diagram.</a:t>
+            </a:r>
+            <a:endParaRPr lang="en-US" dirty="0"/>
+          </a:p>
+          <a:p>
+            <a:endParaRPr lang="en-US" dirty="0"/>
+          </a:p>
+        </p:txBody>
+      </p:sp>
+    </p:spTree>
+    <p:extLst>
+      <p:ext uri="{BB962C8B-B14F-4D97-AF65-F5344CB8AC3E}">
+        <p14:creationId xmlns:p14="http://schemas.microsoft.com/office/powerpoint/2010/main" val="3552573354"/>
+      </p:ext>
+    </p:extLst>
+  </p:cSld>
+  <p:clrMapOvr>
+    <a:masterClrMapping/>
+  </p:clrMapOvr>
+</p:sld>
+</file>
+
+<file path=ppt/slides/slide2.xml><?xml version="1.0" encoding="utf-8"?>
+<p:sld xmlns:a="http://schemas.openxmlformats.org/drawingml/2006/main" xmlns:r="http://schemas.openxmlformats.org/officeDocument/2006/relationships" xmlns:p="http://schemas.openxmlformats.org/presentationml/2006/main">
+  <p:cSld>
+    <p:spTree>
+      <p:nvGrpSpPr>
+        <p:cNvPr id="1" name=""/>
+        <p:cNvGrpSpPr/>
+        <p:nvPr/>
+      </p:nvGrpSpPr>
+      <p:grpSpPr>
+        <a:xfrm>
+          <a:off x="0" y="0"/>
+          <a:ext cx="0" cy="0"/>
+          <a:chOff x="0" y="0"/>
+          <a:chExt cx="0" cy="0"/>
+        </a:xfrm>
+      </p:grpSpPr>
+      <p:sp>
+        <p:nvSpPr>
+          <p:cNvPr id="2" name="Title 1"/>
+          <p:cNvSpPr>
+            <a:spLocks noGrp="1"/>
+          </p:cNvSpPr>
+          <p:nvPr>
+            <p:ph type="title"/>
+          </p:nvPr>
+        </p:nvSpPr>
+        <p:spPr>
+          <a:xfrm>
+            <a:off x="304800" y="0"/>
+            <a:ext cx="8534400" cy="2054352"/>
+          </a:xfrm>
+        </p:spPr>
+        <p:txBody>
+          <a:bodyPr>
+            <a:normAutofit/>
+          </a:bodyPr>
+          <a:lstStyle/>
+          <a:p>
+            <a:r>
+              <a:rPr lang="en-US" sz="2800" b="1" dirty="0" smtClean="0"/>
+              <a:t>TEAM</a:t>
+            </a:r>
+            <a:r>
+              <a:rPr lang="en-US" sz="2800" b="1" dirty="0">
+                <a:solidFill>
+                  <a:srgbClr val="FF0000"/>
+                </a:solidFill>
+              </a:rPr>
+              <a:t>5</a:t>
+            </a:r>
+            <a:r>
+              <a:rPr lang="en-US" sz="2800" b="1" dirty="0" smtClean="0"/>
+              <a:t>O</a:t>
+            </a:r>
+            <a:r>
+              <a:rPr lang="en-US" sz="2800" b="1" dirty="0" smtClean="0">
+                <a:solidFill>
+                  <a:srgbClr val="FF0000"/>
+                </a:solidFill>
+              </a:rPr>
+              <a:t>AR</a:t>
+            </a:r>
+            <a:r>
+              <a:rPr lang="en-US" sz="2800" b="1" dirty="0" smtClean="0"/>
+              <a:t>S</a:t>
+            </a:r>
+            <a:r>
+              <a:rPr lang="en-US" sz="2800" dirty="0"/>
+              <a:t/>
+            </a:r>
+            <a:br>
+              <a:rPr lang="en-US" sz="2800" dirty="0"/>
+            </a:br>
+            <a:r>
+              <a:rPr lang="en-US" sz="2800" b="1" dirty="0"/>
+              <a:t>O</a:t>
+            </a:r>
+            <a:r>
+              <a:rPr lang="en-US" sz="2800" dirty="0"/>
+              <a:t>nline </a:t>
+            </a:r>
+            <a:r>
+              <a:rPr lang="en-US" sz="2800" b="1" dirty="0">
+                <a:solidFill>
+                  <a:srgbClr val="FF0000"/>
+                </a:solidFill>
+              </a:rPr>
+              <a:t>A</a:t>
+            </a:r>
+            <a:r>
+              <a:rPr lang="en-US" sz="2800" dirty="0"/>
+              <a:t>partment </a:t>
+            </a:r>
+            <a:r>
+              <a:rPr lang="en-US" sz="2800" b="1" dirty="0">
+                <a:solidFill>
+                  <a:srgbClr val="FF0000"/>
+                </a:solidFill>
+              </a:rPr>
+              <a:t>R</a:t>
+            </a:r>
+            <a:r>
+              <a:rPr lang="en-US" sz="2800" dirty="0"/>
+              <a:t>ental </a:t>
+            </a:r>
+            <a:r>
+              <a:rPr lang="en-US" sz="2800" b="1" dirty="0" smtClean="0"/>
+              <a:t>S</a:t>
+            </a:r>
+            <a:r>
+              <a:rPr lang="en-US" sz="2800" dirty="0" smtClean="0"/>
+              <a:t>ystem</a:t>
+            </a:r>
+            <a:r>
+              <a:rPr lang="en-US" sz="2000" dirty="0"/>
+              <a:t/>
+            </a:r>
+            <a:br>
+              <a:rPr lang="en-US" sz="2000" dirty="0"/>
+            </a:br>
+            <a:r>
+              <a:rPr lang="en-US" sz="3600" dirty="0"/>
+              <a:t/>
+            </a:r>
+            <a:br>
+              <a:rPr lang="en-US" sz="3600" dirty="0"/>
+            </a:br>
+            <a:r>
+              <a:rPr lang="en-US" dirty="0" smtClean="0">
+                <a:solidFill>
+                  <a:srgbClr val="FF0000"/>
+                </a:solidFill>
+              </a:rPr>
+              <a:t>DATABASE BACK END</a:t>
+            </a:r>
+            <a:endParaRPr lang="en-US" dirty="0">
+              <a:solidFill>
+                <a:srgbClr val="FF0000"/>
+              </a:solidFill>
+            </a:endParaRPr>
+          </a:p>
+        </p:txBody>
+      </p:sp>
+      <p:sp>
+        <p:nvSpPr>
+          <p:cNvPr id="3" name="Content Placeholder 2"/>
+          <p:cNvSpPr>
+            <a:spLocks noGrp="1"/>
+          </p:cNvSpPr>
+          <p:nvPr>
+            <p:ph sz="quarter" idx="1"/>
+          </p:nvPr>
+        </p:nvSpPr>
+        <p:spPr>
+          <a:xfrm>
+            <a:off x="320040" y="2261419"/>
+            <a:ext cx="8503920" cy="4572000"/>
+          </a:xfrm>
+        </p:spPr>
+        <p:txBody>
+          <a:bodyPr/>
+          <a:lstStyle/>
+          <a:p>
+            <a:r>
+              <a:rPr lang="en-US" dirty="0"/>
+              <a:t>Added by VH; Please discuss DB </a:t>
+            </a:r>
+            <a:r>
+              <a:rPr lang="en-US" dirty="0" smtClean="0"/>
+              <a:t>first</a:t>
+            </a:r>
+          </a:p>
+          <a:p>
+            <a:endParaRPr lang="en-US" dirty="0"/>
+          </a:p>
+          <a:p>
+            <a:r>
+              <a:rPr lang="en-US" dirty="0" smtClean="0"/>
+              <a:t>Please place these as dividers </a:t>
+            </a:r>
+            <a:endParaRPr lang="en-US" dirty="0"/>
+          </a:p>
+        </p:txBody>
+      </p:sp>
+    </p:spTree>
+    <p:extLst>
+      <p:ext uri="{BB962C8B-B14F-4D97-AF65-F5344CB8AC3E}">
+        <p14:creationId xmlns:p14="http://schemas.microsoft.com/office/powerpoint/2010/main" val="4266379870"/>
+      </p:ext>
+    </p:extLst>
+  </p:cSld>
+  <p:clrMapOvr>
+    <a:masterClrMapping/>
+  </p:clrMapOvr>
+  <p:timing>
+    <p:tnLst>
+      <p:par>
+        <p:cTn id="1" dur="indefinite" restart="never" nodeType="tmRoot"/>
+      </p:par>
+    </p:tnLst>
+  </p:timing>
+</p:sld>
+</file>
+
+<file path=ppt/slides/slide20.xml><?xml version="1.0" encoding="utf-8"?>
+<p:sld xmlns:a="http://schemas.openxmlformats.org/drawingml/2006/main" xmlns:r="http://schemas.openxmlformats.org/officeDocument/2006/relationships" xmlns:p="http://schemas.openxmlformats.org/presentationml/2006/main">
+  <p:cSld>
+    <p:spTree>
+      <p:nvGrpSpPr>
+        <p:cNvPr id="1" name=""/>
+        <p:cNvGrpSpPr/>
+        <p:nvPr/>
+      </p:nvGrpSpPr>
+      <p:grpSpPr>
+        <a:xfrm>
+          <a:off x="0" y="0"/>
+          <a:ext cx="0" cy="0"/>
+          <a:chOff x="0" y="0"/>
+          <a:chExt cx="0" cy="0"/>
+        </a:xfrm>
+      </p:grpSpPr>
+      <p:sp>
+        <p:nvSpPr>
+          <p:cNvPr id="2" name="Title 1"/>
+          <p:cNvSpPr>
+            <a:spLocks noGrp="1"/>
+          </p:cNvSpPr>
+          <p:nvPr>
+            <p:ph type="title"/>
+          </p:nvPr>
+        </p:nvSpPr>
+        <p:spPr>
+          <a:xfrm>
+            <a:off x="609600" y="-152400"/>
+            <a:ext cx="8534400" cy="2054352"/>
+          </a:xfrm>
+        </p:spPr>
+        <p:txBody>
+          <a:bodyPr>
+            <a:normAutofit/>
+          </a:bodyPr>
+          <a:lstStyle/>
+          <a:p>
+            <a:r>
+              <a:rPr lang="en-US" sz="2800" b="1" dirty="0" smtClean="0"/>
+              <a:t>TEAM</a:t>
+            </a:r>
+            <a:r>
+              <a:rPr lang="en-US" sz="2800" b="1" dirty="0">
+                <a:solidFill>
+                  <a:srgbClr val="FF0000"/>
+                </a:solidFill>
+              </a:rPr>
+              <a:t>5</a:t>
+            </a:r>
+            <a:r>
+              <a:rPr lang="en-US" sz="2800" b="1" dirty="0" smtClean="0"/>
+              <a:t>O</a:t>
+            </a:r>
+            <a:r>
+              <a:rPr lang="en-US" sz="2800" b="1" dirty="0" smtClean="0">
+                <a:solidFill>
+                  <a:srgbClr val="FF0000"/>
+                </a:solidFill>
+              </a:rPr>
+              <a:t>AR</a:t>
+            </a:r>
+            <a:r>
+              <a:rPr lang="en-US" sz="2800" b="1" dirty="0" smtClean="0"/>
+              <a:t>S</a:t>
+            </a:r>
+            <a:r>
+              <a:rPr lang="en-US" sz="2800" dirty="0"/>
+              <a:t/>
+            </a:r>
+            <a:br>
+              <a:rPr lang="en-US" sz="2800" dirty="0"/>
+            </a:br>
+            <a:r>
+              <a:rPr lang="en-US" sz="2800" b="1" dirty="0"/>
+              <a:t>O</a:t>
+            </a:r>
+            <a:r>
+              <a:rPr lang="en-US" sz="2800" dirty="0"/>
+              <a:t>nline </a:t>
+            </a:r>
+            <a:r>
+              <a:rPr lang="en-US" sz="2800" b="1" dirty="0">
+                <a:solidFill>
+                  <a:srgbClr val="FF0000"/>
+                </a:solidFill>
+              </a:rPr>
+              <a:t>A</a:t>
+            </a:r>
+            <a:r>
+              <a:rPr lang="en-US" sz="2800" dirty="0"/>
+              <a:t>partment </a:t>
+            </a:r>
+            <a:r>
+              <a:rPr lang="en-US" sz="2800" b="1" dirty="0">
+                <a:solidFill>
+                  <a:srgbClr val="FF0000"/>
+                </a:solidFill>
+              </a:rPr>
+              <a:t>R</a:t>
+            </a:r>
+            <a:r>
+              <a:rPr lang="en-US" sz="2800" dirty="0"/>
+              <a:t>ental </a:t>
+            </a:r>
+            <a:r>
+              <a:rPr lang="en-US" sz="2800" b="1" dirty="0"/>
+              <a:t>S</a:t>
+            </a:r>
+            <a:r>
+              <a:rPr lang="en-US" sz="2800" dirty="0"/>
+              <a:t>ystem </a:t>
+            </a:r>
+            <a:r>
+              <a:rPr lang="en-US" sz="2800" dirty="0" smtClean="0"/>
+              <a:t/>
+            </a:r>
+            <a:br>
+              <a:rPr lang="en-US" sz="2800" dirty="0" smtClean="0"/>
+            </a:br>
+            <a:r>
+              <a:rPr lang="en-US" sz="2800" dirty="0" smtClean="0"/>
+              <a:t/>
+            </a:r>
+            <a:br>
+              <a:rPr lang="en-US" sz="2800" dirty="0" smtClean="0"/>
+            </a:br>
+            <a:r>
+              <a:rPr lang="en-US" dirty="0" smtClean="0"/>
+              <a:t>Software Project Management Plan</a:t>
+            </a:r>
+            <a:endParaRPr lang="en-US" dirty="0"/>
+          </a:p>
+        </p:txBody>
+      </p:sp>
+      <p:sp>
+        <p:nvSpPr>
+          <p:cNvPr id="3" name="Content Placeholder 2"/>
+          <p:cNvSpPr>
+            <a:spLocks noGrp="1"/>
+          </p:cNvSpPr>
+          <p:nvPr>
+            <p:ph sz="quarter" idx="1"/>
+          </p:nvPr>
+        </p:nvSpPr>
+        <p:spPr>
+          <a:xfrm>
+            <a:off x="-76200" y="1981200"/>
+            <a:ext cx="9220200" cy="4572000"/>
+          </a:xfrm>
+        </p:spPr>
+        <p:txBody>
+          <a:bodyPr/>
+          <a:lstStyle/>
+          <a:p>
+            <a:r>
+              <a:rPr lang="en-US" dirty="0" smtClean="0"/>
+              <a:t>COCOMO II Estimates, screenshot of the CASE TOOL;</a:t>
+            </a:r>
+          </a:p>
+          <a:p>
+            <a:pPr marL="0" indent="0">
+              <a:buNone/>
+            </a:pPr>
+            <a:endParaRPr lang="en-US" dirty="0"/>
+          </a:p>
+        </p:txBody>
+      </p:sp>
+    </p:spTree>
+    <p:extLst>
+      <p:ext uri="{BB962C8B-B14F-4D97-AF65-F5344CB8AC3E}">
+        <p14:creationId xmlns:p14="http://schemas.microsoft.com/office/powerpoint/2010/main" val="1863565787"/>
+      </p:ext>
+    </p:extLst>
+  </p:cSld>
+  <p:clrMapOvr>
+    <a:masterClrMapping/>
+  </p:clrMapOvr>
+</p:sld>
+</file>
+
+<file path=ppt/slides/slide21.xml><?xml version="1.0" encoding="utf-8"?>
+<p:sld xmlns:a="http://schemas.openxmlformats.org/drawingml/2006/main" xmlns:r="http://schemas.openxmlformats.org/officeDocument/2006/relationships" xmlns:p="http://schemas.openxmlformats.org/presentationml/2006/main">
+  <p:cSld>
+    <p:spTree>
+      <p:nvGrpSpPr>
+        <p:cNvPr id="1" name=""/>
+        <p:cNvGrpSpPr/>
+        <p:nvPr/>
+      </p:nvGrpSpPr>
+      <p:grpSpPr>
+        <a:xfrm>
+          <a:off x="0" y="0"/>
+          <a:ext cx="0" cy="0"/>
+          <a:chOff x="0" y="0"/>
+          <a:chExt cx="0" cy="0"/>
+        </a:xfrm>
+      </p:grpSpPr>
+      <p:sp>
+        <p:nvSpPr>
+          <p:cNvPr id="5" name="Rectangle 4"/>
+          <p:cNvSpPr/>
+          <p:nvPr/>
+        </p:nvSpPr>
+        <p:spPr>
+          <a:xfrm>
+            <a:off x="4011" y="987552"/>
+            <a:ext cx="9139989" cy="5794248"/>
+          </a:xfrm>
+          <a:prstGeom prst="rect">
+            <a:avLst/>
+          </a:prstGeom>
+          <a:solidFill>
+            <a:schemeClr val="bg1"/>
+          </a:solidFill>
+          <a:ln>
+            <a:solidFill>
+              <a:schemeClr val="bg1"/>
+            </a:solidFill>
+          </a:ln>
+        </p:spPr>
+        <p:style>
+          <a:lnRef idx="2">
+            <a:schemeClr val="accent1">
+              <a:shade val="50000"/>
+            </a:schemeClr>
+          </a:lnRef>
+          <a:fillRef idx="1">
+            <a:schemeClr val="accent1"/>
+          </a:fillRef>
+          <a:effectRef idx="0">
+            <a:schemeClr val="accent1"/>
+          </a:effectRef>
+          <a:fontRef idx="minor">
+            <a:schemeClr val="lt1"/>
+          </a:fontRef>
+        </p:style>
+        <p:txBody>
+          <a:bodyPr rtlCol="0" anchor="ctr"/>
+          <a:lstStyle/>
+          <a:p>
+            <a:pPr algn="ctr"/>
+            <a:endParaRPr lang="en-US"/>
+          </a:p>
+        </p:txBody>
+      </p:sp>
+      <p:sp>
+        <p:nvSpPr>
+          <p:cNvPr id="2" name="Title 1"/>
+          <p:cNvSpPr>
+            <a:spLocks noGrp="1"/>
+          </p:cNvSpPr>
+          <p:nvPr>
+            <p:ph type="title"/>
+          </p:nvPr>
+        </p:nvSpPr>
+        <p:spPr/>
+        <p:txBody>
+          <a:bodyPr>
+            <a:normAutofit/>
+          </a:bodyPr>
+          <a:lstStyle/>
+          <a:p>
+            <a:r>
+              <a:rPr lang="en-US" dirty="0"/>
+              <a:t>MS Project </a:t>
+            </a:r>
+            <a:r>
+              <a:rPr lang="en-US" dirty="0" smtClean="0"/>
+              <a:t>Plan</a:t>
+            </a:r>
+            <a:endParaRPr lang="en-US" dirty="0"/>
+          </a:p>
+        </p:txBody>
+      </p:sp>
+      <p:sp>
+        <p:nvSpPr>
+          <p:cNvPr id="3" name="Content Placeholder 2"/>
+          <p:cNvSpPr>
+            <a:spLocks noGrp="1"/>
+          </p:cNvSpPr>
+          <p:nvPr>
+            <p:ph sz="quarter" idx="1"/>
+          </p:nvPr>
+        </p:nvSpPr>
+        <p:spPr/>
+        <p:txBody>
+          <a:bodyPr/>
+          <a:lstStyle/>
+          <a:p>
+            <a:endParaRPr lang="en-US"/>
+          </a:p>
+        </p:txBody>
+      </p:sp>
+      <p:pic>
+        <p:nvPicPr>
+          <p:cNvPr id="4" name="Picture 3"/>
+          <p:cNvPicPr>
+            <a:picLocks noChangeAspect="1"/>
+          </p:cNvPicPr>
+          <p:nvPr/>
+        </p:nvPicPr>
+        <p:blipFill rotWithShape="1">
+          <a:blip r:embed="rId2"/>
+          <a:srcRect l="44444" r="6667" b="15804"/>
+          <a:stretch/>
+        </p:blipFill>
+        <p:spPr>
+          <a:xfrm>
+            <a:off x="4010" y="987551"/>
+            <a:ext cx="9063789" cy="5550137"/>
+          </a:xfrm>
+          <a:prstGeom prst="rect">
+            <a:avLst/>
+          </a:prstGeom>
+        </p:spPr>
+      </p:pic>
+    </p:spTree>
+    <p:extLst>
+      <p:ext uri="{BB962C8B-B14F-4D97-AF65-F5344CB8AC3E}">
+        <p14:creationId xmlns:p14="http://schemas.microsoft.com/office/powerpoint/2010/main" val="3267790372"/>
+      </p:ext>
+    </p:extLst>
+  </p:cSld>
+  <p:clrMapOvr>
+    <a:masterClrMapping/>
+  </p:clrMapOvr>
+  <p:timing>
+    <p:tnLst>
+      <p:par>
+        <p:cTn id="1" dur="indefinite" restart="never" nodeType="tmRoot"/>
+      </p:par>
+    </p:tnLst>
+  </p:timing>
+</p:sld>
+</file>
+
+<file path=ppt/slides/slide22.xml><?xml version="1.0" encoding="utf-8"?>
+<p:sld xmlns:a="http://schemas.openxmlformats.org/drawingml/2006/main" xmlns:r="http://schemas.openxmlformats.org/officeDocument/2006/relationships" xmlns:p="http://schemas.openxmlformats.org/presentationml/2006/main">
+  <p:cSld>
+    <p:spTree>
+      <p:nvGrpSpPr>
+        <p:cNvPr id="1" name=""/>
+        <p:cNvGrpSpPr/>
+        <p:nvPr/>
+      </p:nvGrpSpPr>
+      <p:grpSpPr>
+        <a:xfrm>
+          <a:off x="0" y="0"/>
+          <a:ext cx="0" cy="0"/>
+          <a:chOff x="0" y="0"/>
+          <a:chExt cx="0" cy="0"/>
+        </a:xfrm>
+      </p:grpSpPr>
+      <p:sp>
+        <p:nvSpPr>
+          <p:cNvPr id="2" name="Title 1"/>
+          <p:cNvSpPr>
+            <a:spLocks noGrp="1"/>
+          </p:cNvSpPr>
+          <p:nvPr>
+            <p:ph type="title"/>
+          </p:nvPr>
+        </p:nvSpPr>
+        <p:spPr>
+          <a:xfrm>
+            <a:off x="304800" y="0"/>
+            <a:ext cx="8534400" cy="2054352"/>
+          </a:xfrm>
+        </p:spPr>
+        <p:txBody>
+          <a:bodyPr>
+            <a:normAutofit/>
+          </a:bodyPr>
+          <a:lstStyle/>
+          <a:p>
+            <a:r>
+              <a:rPr lang="en-US" sz="2800" b="1" dirty="0" smtClean="0"/>
+              <a:t>TEAM</a:t>
+            </a:r>
+            <a:r>
+              <a:rPr lang="en-US" sz="2800" b="1" dirty="0">
+                <a:solidFill>
+                  <a:srgbClr val="FF0000"/>
+                </a:solidFill>
+              </a:rPr>
+              <a:t>5</a:t>
+            </a:r>
+            <a:r>
+              <a:rPr lang="en-US" sz="2800" b="1" dirty="0" smtClean="0"/>
+              <a:t>O</a:t>
+            </a:r>
+            <a:r>
+              <a:rPr lang="en-US" sz="2800" b="1" dirty="0" smtClean="0">
+                <a:solidFill>
+                  <a:srgbClr val="FF0000"/>
+                </a:solidFill>
+              </a:rPr>
+              <a:t>AR</a:t>
+            </a:r>
+            <a:r>
+              <a:rPr lang="en-US" sz="2800" b="1" dirty="0" smtClean="0"/>
+              <a:t>S</a:t>
+            </a:r>
+            <a:r>
+              <a:rPr lang="en-US" sz="2800" dirty="0"/>
+              <a:t/>
+            </a:r>
+            <a:br>
+              <a:rPr lang="en-US" sz="2800" dirty="0"/>
+            </a:br>
+            <a:r>
+              <a:rPr lang="en-US" sz="2800" b="1" dirty="0"/>
+              <a:t>O</a:t>
+            </a:r>
+            <a:r>
+              <a:rPr lang="en-US" sz="2800" dirty="0"/>
+              <a:t>nline </a:t>
+            </a:r>
+            <a:r>
+              <a:rPr lang="en-US" sz="2800" b="1" dirty="0">
+                <a:solidFill>
+                  <a:srgbClr val="FF0000"/>
+                </a:solidFill>
+              </a:rPr>
+              <a:t>A</a:t>
+            </a:r>
+            <a:r>
+              <a:rPr lang="en-US" sz="2800" dirty="0"/>
+              <a:t>partment </a:t>
+            </a:r>
+            <a:r>
+              <a:rPr lang="en-US" sz="2800" b="1" dirty="0">
+                <a:solidFill>
+                  <a:srgbClr val="FF0000"/>
+                </a:solidFill>
+              </a:rPr>
+              <a:t>R</a:t>
+            </a:r>
+            <a:r>
+              <a:rPr lang="en-US" sz="2800" dirty="0"/>
+              <a:t>ental </a:t>
+            </a:r>
+            <a:r>
+              <a:rPr lang="en-US" sz="2800" b="1" dirty="0"/>
+              <a:t>S</a:t>
+            </a:r>
+            <a:r>
+              <a:rPr lang="en-US" sz="2800" dirty="0"/>
+              <a:t>ystem</a:t>
+            </a:r>
+            <a:r>
+              <a:rPr lang="en-US" sz="3600" dirty="0">
+                <a:solidFill>
+                  <a:srgbClr val="8CADAE">
+                    <a:shade val="75000"/>
+                  </a:srgbClr>
+                </a:solidFill>
+              </a:rPr>
+              <a:t/>
+            </a:r>
+            <a:br>
+              <a:rPr lang="en-US" sz="3600" dirty="0">
+                <a:solidFill>
+                  <a:srgbClr val="8CADAE">
+                    <a:shade val="75000"/>
+                  </a:srgbClr>
+                </a:solidFill>
+              </a:rPr>
+            </a:br>
+            <a:r>
+              <a:rPr lang="en-US" sz="3600" dirty="0" smtClean="0"/>
+              <a:t/>
+            </a:r>
+            <a:br>
+              <a:rPr lang="en-US" sz="3600" dirty="0" smtClean="0"/>
+            </a:br>
+            <a:r>
+              <a:rPr lang="en-US" dirty="0" smtClean="0"/>
+              <a:t>Chat Demo</a:t>
+            </a:r>
+            <a:endParaRPr lang="en-US" dirty="0"/>
+          </a:p>
+        </p:txBody>
+      </p:sp>
+      <p:sp>
+        <p:nvSpPr>
+          <p:cNvPr id="3" name="Content Placeholder 2"/>
+          <p:cNvSpPr>
+            <a:spLocks noGrp="1"/>
+          </p:cNvSpPr>
+          <p:nvPr>
+            <p:ph sz="quarter" idx="1"/>
+          </p:nvPr>
+        </p:nvSpPr>
+        <p:spPr>
+          <a:xfrm>
+            <a:off x="30480" y="1981200"/>
+            <a:ext cx="9220200" cy="4572000"/>
+          </a:xfrm>
+        </p:spPr>
+        <p:txBody>
+          <a:bodyPr/>
+          <a:lstStyle/>
+          <a:p>
+            <a:r>
+              <a:rPr lang="en-US" dirty="0" smtClean="0">
+                <a:latin typeface="Arial" panose="020B0604020202020204" pitchFamily="34" charset="0"/>
+                <a:cs typeface="Arial" panose="020B0604020202020204" pitchFamily="34" charset="0"/>
+              </a:rPr>
+              <a:t>Go to purechat.com &gt; Sign up &gt; Copy snippet code &gt; paste before end of &lt;/body&gt;</a:t>
+            </a:r>
+            <a:r>
+              <a:rPr lang="en-US" sz="4400" dirty="0">
+                <a:solidFill>
+                  <a:srgbClr val="8CADAE">
+                    <a:shade val="75000"/>
+                  </a:srgbClr>
+                </a:solidFill>
+              </a:rPr>
+              <a:t/>
+            </a:r>
+            <a:br>
+              <a:rPr lang="en-US" sz="4400" dirty="0">
+                <a:solidFill>
+                  <a:srgbClr val="8CADAE">
+                    <a:shade val="75000"/>
+                  </a:srgbClr>
+                </a:solidFill>
+              </a:rPr>
+            </a:br>
+            <a:endParaRPr lang="en-US" dirty="0"/>
+          </a:p>
+          <a:p>
+            <a:r>
+              <a:rPr lang="en-US" dirty="0" smtClean="0"/>
+              <a:t>Live Chat demo.</a:t>
+            </a:r>
+            <a:endParaRPr lang="en-US" dirty="0"/>
+          </a:p>
+        </p:txBody>
+      </p:sp>
+    </p:spTree>
+    <p:extLst>
+      <p:ext uri="{BB962C8B-B14F-4D97-AF65-F5344CB8AC3E}">
+        <p14:creationId xmlns:p14="http://schemas.microsoft.com/office/powerpoint/2010/main" val="2971098582"/>
+      </p:ext>
+    </p:extLst>
+  </p:cSld>
+  <p:clrMapOvr>
+    <a:masterClrMapping/>
+  </p:clrMapOvr>
+  <p:timing>
+    <p:tnLst>
+      <p:par>
+        <p:cTn id="1" dur="indefinite" restart="never" nodeType="tmRoot"/>
+      </p:par>
+    </p:tnLst>
+  </p:timing>
+</p:sld>
+</file>
+
+<file path=ppt/slides/slide3.xml><?xml version="1.0" encoding="utf-8"?>
+<p:sld xmlns:a="http://schemas.openxmlformats.org/drawingml/2006/main" xmlns:r="http://schemas.openxmlformats.org/officeDocument/2006/relationships" xmlns:p="http://schemas.openxmlformats.org/presentationml/2006/main">
+  <p:cSld>
+    <p:spTree>
+      <p:nvGrpSpPr>
+        <p:cNvPr id="1" name=""/>
+        <p:cNvGrpSpPr/>
+        <p:nvPr/>
+      </p:nvGrpSpPr>
+      <p:grpSpPr>
+        <a:xfrm>
+          <a:off x="0" y="0"/>
+          <a:ext cx="0" cy="0"/>
+          <a:chOff x="0" y="0"/>
+          <a:chExt cx="0" cy="0"/>
+        </a:xfrm>
+      </p:grpSpPr>
+      <p:sp>
+        <p:nvSpPr>
+          <p:cNvPr id="2" name="Title 1"/>
+          <p:cNvSpPr>
+            <a:spLocks noGrp="1"/>
+          </p:cNvSpPr>
+          <p:nvPr>
+            <p:ph type="title"/>
+          </p:nvPr>
+        </p:nvSpPr>
+        <p:spPr>
+          <a:xfrm>
+            <a:off x="381000" y="-301752"/>
+            <a:ext cx="8534400" cy="2054352"/>
+          </a:xfrm>
+        </p:spPr>
+        <p:txBody>
+          <a:bodyPr>
+            <a:normAutofit/>
+          </a:bodyPr>
+          <a:lstStyle/>
+          <a:p>
+            <a:r>
+              <a:rPr lang="en-US" sz="2400" b="1" dirty="0" smtClean="0"/>
+              <a:t>TEAM</a:t>
+            </a:r>
+            <a:r>
+              <a:rPr lang="en-US" sz="2400" b="1" dirty="0">
+                <a:solidFill>
+                  <a:srgbClr val="FF0000"/>
+                </a:solidFill>
+              </a:rPr>
+              <a:t>5</a:t>
+            </a:r>
+            <a:r>
+              <a:rPr lang="en-US" sz="2400" b="1" dirty="0" smtClean="0"/>
+              <a:t>O</a:t>
+            </a:r>
+            <a:r>
+              <a:rPr lang="en-US" sz="2400" b="1" dirty="0" smtClean="0">
+                <a:solidFill>
+                  <a:srgbClr val="FF0000"/>
+                </a:solidFill>
+              </a:rPr>
+              <a:t>AR</a:t>
+            </a:r>
+            <a:r>
+              <a:rPr lang="en-US" sz="2400" b="1" dirty="0" smtClean="0"/>
+              <a:t>S</a:t>
+            </a:r>
+            <a:r>
+              <a:rPr lang="en-US" sz="2400" dirty="0"/>
+              <a:t/>
+            </a:r>
+            <a:br>
+              <a:rPr lang="en-US" sz="2400" dirty="0"/>
+            </a:br>
+            <a:r>
+              <a:rPr lang="en-US" sz="2400" b="1" dirty="0"/>
+              <a:t>O</a:t>
+            </a:r>
+            <a:r>
+              <a:rPr lang="en-US" sz="2400" dirty="0"/>
+              <a:t>nline </a:t>
+            </a:r>
+            <a:r>
+              <a:rPr lang="en-US" sz="2400" b="1" dirty="0">
+                <a:solidFill>
+                  <a:srgbClr val="FF0000"/>
+                </a:solidFill>
+              </a:rPr>
+              <a:t>A</a:t>
+            </a:r>
+            <a:r>
+              <a:rPr lang="en-US" sz="2400" dirty="0"/>
+              <a:t>partment </a:t>
+            </a:r>
+            <a:r>
+              <a:rPr lang="en-US" sz="2400" b="1" dirty="0">
+                <a:solidFill>
+                  <a:srgbClr val="FF0000"/>
+                </a:solidFill>
+              </a:rPr>
+              <a:t>R</a:t>
+            </a:r>
+            <a:r>
+              <a:rPr lang="en-US" sz="2400" dirty="0"/>
+              <a:t>ental </a:t>
+            </a:r>
+            <a:r>
+              <a:rPr lang="en-US" sz="2400" b="1" dirty="0" smtClean="0"/>
+              <a:t>S</a:t>
+            </a:r>
+            <a:r>
+              <a:rPr lang="en-US" sz="2400" dirty="0" smtClean="0"/>
+              <a:t>ystem</a:t>
+            </a:r>
+            <a:r>
+              <a:rPr lang="en-US" sz="2400" dirty="0"/>
+              <a:t/>
+            </a:r>
+            <a:br>
+              <a:rPr lang="en-US" sz="2400" dirty="0"/>
+            </a:br>
+            <a:r>
+              <a:rPr lang="en-US" sz="2400" dirty="0"/>
+              <a:t/>
+            </a:r>
+            <a:br>
+              <a:rPr lang="en-US" sz="2400" dirty="0"/>
+            </a:br>
+            <a:r>
+              <a:rPr lang="en-US" dirty="0" smtClean="0"/>
+              <a:t>Data Analysis – ERD Model</a:t>
+            </a:r>
+            <a:endParaRPr lang="en-US" dirty="0"/>
+          </a:p>
+        </p:txBody>
+      </p:sp>
+      <p:pic>
+        <p:nvPicPr>
+          <p:cNvPr id="4" name="Picture 3"/>
+          <p:cNvPicPr>
+            <a:picLocks noChangeAspect="1"/>
+          </p:cNvPicPr>
+          <p:nvPr/>
+        </p:nvPicPr>
+        <p:blipFill>
+          <a:blip r:embed="rId2"/>
+          <a:stretch>
+            <a:fillRect/>
+          </a:stretch>
+        </p:blipFill>
+        <p:spPr>
+          <a:xfrm>
+            <a:off x="413982" y="1686602"/>
+            <a:ext cx="4234218" cy="4969254"/>
+          </a:xfrm>
+          <a:prstGeom prst="rect">
+            <a:avLst/>
+          </a:prstGeom>
+        </p:spPr>
+      </p:pic>
+    </p:spTree>
+    <p:extLst>
+      <p:ext uri="{BB962C8B-B14F-4D97-AF65-F5344CB8AC3E}">
+        <p14:creationId xmlns:p14="http://schemas.microsoft.com/office/powerpoint/2010/main" val="2922699264"/>
+      </p:ext>
+    </p:extLst>
+  </p:cSld>
+  <p:clrMapOvr>
+    <a:masterClrMapping/>
+  </p:clrMapOvr>
+  <p:timing>
+    <p:tnLst>
+      <p:par>
+        <p:cTn id="1" dur="indefinite" restart="never" nodeType="tmRoot"/>
+      </p:par>
+    </p:tnLst>
+  </p:timing>
+</p:sld>
+</file>
+
+<file path=ppt/slides/slide4.xml><?xml version="1.0" encoding="utf-8"?>
+<p:sld xmlns:a="http://schemas.openxmlformats.org/drawingml/2006/main" xmlns:r="http://schemas.openxmlformats.org/officeDocument/2006/relationships" xmlns:p="http://schemas.openxmlformats.org/presentationml/2006/main">
+  <p:cSld>
+    <p:spTree>
+      <p:nvGrpSpPr>
+        <p:cNvPr id="1" name=""/>
+        <p:cNvGrpSpPr/>
+        <p:nvPr/>
+      </p:nvGrpSpPr>
+      <p:grpSpPr>
+        <a:xfrm>
+          <a:off x="0" y="0"/>
+          <a:ext cx="0" cy="0"/>
+          <a:chOff x="0" y="0"/>
+          <a:chExt cx="0" cy="0"/>
+        </a:xfrm>
+      </p:grpSpPr>
+      <p:sp>
+        <p:nvSpPr>
+          <p:cNvPr id="2" name="Title 1"/>
+          <p:cNvSpPr>
+            <a:spLocks noGrp="1"/>
+          </p:cNvSpPr>
+          <p:nvPr>
+            <p:ph type="title"/>
+          </p:nvPr>
+        </p:nvSpPr>
+        <p:spPr>
+          <a:xfrm>
+            <a:off x="304800" y="-225552"/>
+            <a:ext cx="8534400" cy="2054352"/>
+          </a:xfrm>
+        </p:spPr>
+        <p:txBody>
+          <a:bodyPr>
+            <a:normAutofit/>
+          </a:bodyPr>
+          <a:lstStyle/>
+          <a:p>
+            <a:r>
+              <a:rPr lang="en-US" sz="2400" b="1" dirty="0" smtClean="0"/>
+              <a:t>TEAM</a:t>
+            </a:r>
+            <a:r>
+              <a:rPr lang="en-US" sz="2400" b="1" dirty="0">
+                <a:solidFill>
+                  <a:srgbClr val="FF0000"/>
+                </a:solidFill>
+              </a:rPr>
+              <a:t>5</a:t>
+            </a:r>
+            <a:r>
+              <a:rPr lang="en-US" sz="2400" b="1" dirty="0" smtClean="0"/>
+              <a:t>O</a:t>
+            </a:r>
+            <a:r>
+              <a:rPr lang="en-US" sz="2400" b="1" dirty="0" smtClean="0">
+                <a:solidFill>
+                  <a:srgbClr val="FF0000"/>
+                </a:solidFill>
+              </a:rPr>
+              <a:t>AR</a:t>
+            </a:r>
+            <a:r>
+              <a:rPr lang="en-US" sz="2400" b="1" dirty="0" smtClean="0"/>
+              <a:t>S</a:t>
+            </a:r>
+            <a:r>
+              <a:rPr lang="en-US" sz="2400" dirty="0"/>
+              <a:t/>
+            </a:r>
+            <a:br>
+              <a:rPr lang="en-US" sz="2400" dirty="0"/>
+            </a:br>
+            <a:r>
+              <a:rPr lang="en-US" sz="2400" b="1" dirty="0"/>
+              <a:t>O</a:t>
+            </a:r>
+            <a:r>
+              <a:rPr lang="en-US" sz="2400" dirty="0"/>
+              <a:t>nline </a:t>
+            </a:r>
+            <a:r>
+              <a:rPr lang="en-US" sz="2400" b="1" dirty="0">
+                <a:solidFill>
+                  <a:srgbClr val="FF0000"/>
+                </a:solidFill>
+              </a:rPr>
+              <a:t>A</a:t>
+            </a:r>
+            <a:r>
+              <a:rPr lang="en-US" sz="2400" dirty="0"/>
+              <a:t>partment </a:t>
+            </a:r>
+            <a:r>
+              <a:rPr lang="en-US" sz="2400" b="1" dirty="0">
+                <a:solidFill>
+                  <a:srgbClr val="FF0000"/>
+                </a:solidFill>
+              </a:rPr>
+              <a:t>R</a:t>
+            </a:r>
+            <a:r>
+              <a:rPr lang="en-US" sz="2400" dirty="0"/>
+              <a:t>ental </a:t>
+            </a:r>
+            <a:r>
+              <a:rPr lang="en-US" sz="2400" b="1" dirty="0"/>
+              <a:t>S</a:t>
+            </a:r>
+            <a:r>
+              <a:rPr lang="en-US" sz="2400" dirty="0"/>
+              <a:t>ystem</a:t>
+            </a:r>
+            <a:br>
+              <a:rPr lang="en-US" sz="2400" dirty="0"/>
+            </a:br>
+            <a:r>
+              <a:rPr lang="en-US" sz="3600" dirty="0"/>
+              <a:t/>
+            </a:r>
+            <a:br>
+              <a:rPr lang="en-US" sz="3600" dirty="0"/>
+            </a:br>
+            <a:r>
+              <a:rPr lang="en-US" dirty="0" smtClean="0"/>
+              <a:t>Contract – Data Requirements Specification</a:t>
+            </a:r>
+            <a:endParaRPr lang="en-US" dirty="0"/>
+          </a:p>
+        </p:txBody>
+      </p:sp>
+      <p:pic>
+        <p:nvPicPr>
+          <p:cNvPr id="4" name="Content Placeholder 3"/>
+          <p:cNvPicPr>
+            <a:picLocks noGrp="1" noChangeAspect="1"/>
+          </p:cNvPicPr>
+          <p:nvPr>
+            <p:ph sz="quarter" idx="1"/>
+          </p:nvPr>
+        </p:nvPicPr>
+        <p:blipFill>
+          <a:blip r:embed="rId2"/>
+          <a:stretch>
+            <a:fillRect/>
+          </a:stretch>
+        </p:blipFill>
+        <p:spPr>
+          <a:xfrm>
+            <a:off x="299113" y="2612488"/>
+            <a:ext cx="4048092" cy="3733800"/>
+          </a:xfrm>
+          <a:prstGeom prst="rect">
+            <a:avLst/>
+          </a:prstGeom>
+        </p:spPr>
+      </p:pic>
+      <p:pic>
+        <p:nvPicPr>
+          <p:cNvPr id="5" name="Picture 4"/>
+          <p:cNvPicPr>
+            <a:picLocks noChangeAspect="1"/>
+          </p:cNvPicPr>
+          <p:nvPr/>
+        </p:nvPicPr>
+        <p:blipFill>
+          <a:blip r:embed="rId3"/>
+          <a:stretch>
+            <a:fillRect/>
+          </a:stretch>
+        </p:blipFill>
+        <p:spPr>
+          <a:xfrm>
+            <a:off x="4724400" y="1704059"/>
+            <a:ext cx="3733800" cy="4667250"/>
+          </a:xfrm>
+          <a:prstGeom prst="rect">
+            <a:avLst/>
+          </a:prstGeom>
+        </p:spPr>
+      </p:pic>
+      <p:sp>
+        <p:nvSpPr>
+          <p:cNvPr id="6" name="TextBox 5"/>
+          <p:cNvSpPr txBox="1"/>
+          <p:nvPr/>
+        </p:nvSpPr>
+        <p:spPr>
+          <a:xfrm>
+            <a:off x="299113" y="1851312"/>
+            <a:ext cx="3895692" cy="369332"/>
+          </a:xfrm>
+          <a:prstGeom prst="rect">
+            <a:avLst/>
+          </a:prstGeom>
+          <a:noFill/>
+        </p:spPr>
+        <p:txBody>
+          <a:bodyPr wrap="square" rtlCol="0">
+            <a:spAutoFit/>
+          </a:bodyPr>
+          <a:lstStyle/>
+          <a:p>
+            <a:r>
+              <a:rPr lang="en-US" dirty="0" smtClean="0"/>
+              <a:t>Table 1 Data Requirements</a:t>
+            </a:r>
+            <a:endParaRPr lang="en-US" dirty="0"/>
+          </a:p>
+        </p:txBody>
+      </p:sp>
+    </p:spTree>
+    <p:extLst>
+      <p:ext uri="{BB962C8B-B14F-4D97-AF65-F5344CB8AC3E}">
+        <p14:creationId xmlns:p14="http://schemas.microsoft.com/office/powerpoint/2010/main" val="3418980167"/>
+      </p:ext>
+    </p:extLst>
+  </p:cSld>
+  <p:clrMapOvr>
+    <a:masterClrMapping/>
+  </p:clrMapOvr>
+  <p:timing>
+    <p:tnLst>
+      <p:par>
+        <p:cTn id="1" dur="indefinite" restart="never" nodeType="tmRoot"/>
+      </p:par>
+    </p:tnLst>
+  </p:timing>
+</p:sld>
+</file>
+
+<file path=ppt/slides/slide5.xml><?xml version="1.0" encoding="utf-8"?>
+<p:sld xmlns:a="http://schemas.openxmlformats.org/drawingml/2006/main" xmlns:r="http://schemas.openxmlformats.org/officeDocument/2006/relationships" xmlns:p="http://schemas.openxmlformats.org/presentationml/2006/main">
+  <p:cSld>
+    <p:spTree>
+      <p:nvGrpSpPr>
+        <p:cNvPr id="1" name=""/>
+        <p:cNvGrpSpPr/>
+        <p:nvPr/>
+      </p:nvGrpSpPr>
+      <p:grpSpPr>
+        <a:xfrm>
+          <a:off x="0" y="0"/>
+          <a:ext cx="0" cy="0"/>
+          <a:chOff x="0" y="0"/>
+          <a:chExt cx="0" cy="0"/>
+        </a:xfrm>
+      </p:grpSpPr>
+      <p:sp>
+        <p:nvSpPr>
+          <p:cNvPr id="2" name="Title 1"/>
+          <p:cNvSpPr>
+            <a:spLocks noGrp="1"/>
+          </p:cNvSpPr>
+          <p:nvPr>
+            <p:ph type="title"/>
+          </p:nvPr>
+        </p:nvSpPr>
+        <p:spPr>
+          <a:xfrm>
+            <a:off x="304800" y="0"/>
+            <a:ext cx="8534400" cy="2054352"/>
+          </a:xfrm>
+        </p:spPr>
+        <p:txBody>
+          <a:bodyPr>
+            <a:normAutofit/>
+          </a:bodyPr>
+          <a:lstStyle/>
+          <a:p>
+            <a:r>
+              <a:rPr lang="en-US" sz="2400" b="1" dirty="0" smtClean="0"/>
+              <a:t>TEAM</a:t>
+            </a:r>
+            <a:r>
+              <a:rPr lang="en-US" sz="2400" b="1" dirty="0">
+                <a:solidFill>
+                  <a:srgbClr val="FF0000"/>
+                </a:solidFill>
+              </a:rPr>
+              <a:t>5</a:t>
+            </a:r>
+            <a:r>
+              <a:rPr lang="en-US" sz="2400" b="1" dirty="0" smtClean="0"/>
+              <a:t>O</a:t>
+            </a:r>
+            <a:r>
+              <a:rPr lang="en-US" sz="2400" b="1" dirty="0" smtClean="0">
+                <a:solidFill>
+                  <a:srgbClr val="FF0000"/>
+                </a:solidFill>
+              </a:rPr>
+              <a:t>AR</a:t>
+            </a:r>
+            <a:r>
+              <a:rPr lang="en-US" sz="2400" b="1" dirty="0" smtClean="0"/>
+              <a:t>S</a:t>
+            </a:r>
+            <a:r>
+              <a:rPr lang="en-US" sz="2400" dirty="0"/>
+              <a:t/>
+            </a:r>
+            <a:br>
+              <a:rPr lang="en-US" sz="2400" dirty="0"/>
+            </a:br>
+            <a:r>
+              <a:rPr lang="en-US" sz="2400" b="1" dirty="0"/>
+              <a:t>O</a:t>
+            </a:r>
+            <a:r>
+              <a:rPr lang="en-US" sz="2400" dirty="0"/>
+              <a:t>nline </a:t>
+            </a:r>
+            <a:r>
+              <a:rPr lang="en-US" sz="2400" b="1" dirty="0">
+                <a:solidFill>
+                  <a:srgbClr val="FF0000"/>
+                </a:solidFill>
+              </a:rPr>
+              <a:t>A</a:t>
+            </a:r>
+            <a:r>
+              <a:rPr lang="en-US" sz="2400" dirty="0"/>
+              <a:t>partment </a:t>
+            </a:r>
+            <a:r>
+              <a:rPr lang="en-US" sz="2400" b="1" dirty="0">
+                <a:solidFill>
+                  <a:srgbClr val="FF0000"/>
+                </a:solidFill>
+              </a:rPr>
+              <a:t>R</a:t>
+            </a:r>
+            <a:r>
+              <a:rPr lang="en-US" sz="2400" dirty="0"/>
+              <a:t>ental </a:t>
+            </a:r>
+            <a:r>
+              <a:rPr lang="en-US" sz="2400" b="1" dirty="0"/>
+              <a:t>S</a:t>
+            </a:r>
+            <a:r>
+              <a:rPr lang="en-US" sz="2400" dirty="0"/>
+              <a:t>ystem</a:t>
+            </a:r>
+            <a:br>
+              <a:rPr lang="en-US" sz="2400" dirty="0"/>
+            </a:br>
+            <a:r>
+              <a:rPr lang="en-US" sz="3600" dirty="0"/>
+              <a:t/>
+            </a:r>
+            <a:br>
+              <a:rPr lang="en-US" sz="3600" dirty="0"/>
+            </a:br>
+            <a:r>
+              <a:rPr lang="en-US" dirty="0" smtClean="0"/>
+              <a:t>Contract – Data Requirements Specification</a:t>
+            </a:r>
+            <a:endParaRPr lang="en-US" dirty="0"/>
+          </a:p>
+        </p:txBody>
+      </p:sp>
+      <p:pic>
+        <p:nvPicPr>
+          <p:cNvPr id="4" name="Content Placeholder 3"/>
+          <p:cNvPicPr>
+            <a:picLocks noGrp="1" noChangeAspect="1"/>
+          </p:cNvPicPr>
+          <p:nvPr>
+            <p:ph sz="quarter" idx="1"/>
+          </p:nvPr>
+        </p:nvPicPr>
+        <p:blipFill>
+          <a:blip r:embed="rId2"/>
+          <a:stretch>
+            <a:fillRect/>
+          </a:stretch>
+        </p:blipFill>
+        <p:spPr>
+          <a:xfrm>
+            <a:off x="3657600" y="1999516"/>
+            <a:ext cx="3886200" cy="4624232"/>
+          </a:xfrm>
+          <a:prstGeom prst="rect">
+            <a:avLst/>
+          </a:prstGeom>
+        </p:spPr>
+      </p:pic>
+      <p:sp>
+        <p:nvSpPr>
+          <p:cNvPr id="5" name="TextBox 4"/>
+          <p:cNvSpPr txBox="1"/>
+          <p:nvPr/>
+        </p:nvSpPr>
+        <p:spPr>
+          <a:xfrm>
+            <a:off x="609600" y="2209800"/>
+            <a:ext cx="2819400" cy="369332"/>
+          </a:xfrm>
+          <a:prstGeom prst="rect">
+            <a:avLst/>
+          </a:prstGeom>
+          <a:noFill/>
+        </p:spPr>
+        <p:txBody>
+          <a:bodyPr wrap="square" rtlCol="0">
+            <a:spAutoFit/>
+          </a:bodyPr>
+          <a:lstStyle/>
+          <a:p>
+            <a:r>
+              <a:rPr lang="en-US" dirty="0" smtClean="0"/>
+              <a:t>Table 1 – Continued </a:t>
+            </a:r>
+            <a:endParaRPr lang="en-US" dirty="0"/>
+          </a:p>
+        </p:txBody>
+      </p:sp>
+    </p:spTree>
+    <p:extLst>
+      <p:ext uri="{BB962C8B-B14F-4D97-AF65-F5344CB8AC3E}">
+        <p14:creationId xmlns:p14="http://schemas.microsoft.com/office/powerpoint/2010/main" val="1709730969"/>
+      </p:ext>
+    </p:extLst>
+  </p:cSld>
+  <p:clrMapOvr>
+    <a:masterClrMapping/>
+  </p:clrMapOvr>
+  <p:timing>
+    <p:tnLst>
+      <p:par>
+        <p:cTn id="1" dur="indefinite" restart="never" nodeType="tmRoot"/>
+      </p:par>
+    </p:tnLst>
+  </p:timing>
 </p:sld>
 </file>
 
@@ -7798,7 +10411,7 @@
         </p:nvSpPr>
         <p:spPr>
           <a:xfrm>
-            <a:off x="304800" y="0"/>
+            <a:off x="304800" y="-225552"/>
             <a:ext cx="8534400" cy="2054352"/>
           </a:xfrm>
         </p:spPr>
@@ -7810,7 +10423,19 @@
           <a:p>
             <a:r>
               <a:rPr lang="en-US" sz="2400" b="1" dirty="0" smtClean="0"/>
-              <a:t>TEAMO</a:t>
+              <a:t>TEAM</a:t>
+            </a:r>
+            <a:r>
+              <a:rPr lang="en-US" sz="2400" b="1" dirty="0">
+                <a:solidFill>
+                  <a:srgbClr val="FF0000"/>
+                </a:solidFill>
+              </a:rPr>
+              <a:t>5</a:t>
+            </a:r>
+            <a:r>
+              <a:rPr lang="en-US" sz="2400" b="1" dirty="0" smtClean="0"/>
+              <a:t>O</a:t>
             </a:r>
             <a:r>
               <a:rPr lang="en-US" sz="2400" b="1" dirty="0" smtClean="0">
@@ -7864,88 +10489,107 @@
               <a:t>ental </a:t>
             </a:r>
             <a:r>
-              <a:rPr lang="en-US" sz="2400" b="1" dirty="0" smtClean="0"/>
+              <a:rPr lang="en-US" sz="2400" b="1" dirty="0"/>
               <a:t>S</a:t>
             </a:r>
             <a:r>
-              <a:rPr lang="en-US" sz="2400" dirty="0" smtClean="0"/>
+              <a:rPr lang="en-US" sz="2400" dirty="0"/>
               <a:t>ystem</a:t>
             </a:r>
-            <a:r>
-              <a:rPr lang="en-US" sz="3600" dirty="0">
-                <a:solidFill>
-                  <a:srgbClr val="8CADAE">
-                    <a:shade val="75000"/>
-                  </a:srgbClr>
-                </a:solidFill>
-              </a:rPr>
+            <a:br>
+              <a:rPr lang="en-US" sz="2400" dirty="0"/>
+            </a:br>
+            <a:r>
+              <a:rPr lang="en-US" sz="3600" dirty="0"/>
               <a:t/>
             </a:r>
             <a:br>
-              <a:rPr lang="en-US" sz="3600" dirty="0">
-                <a:solidFill>
-                  <a:srgbClr val="8CADAE">
-                    <a:shade val="75000"/>
-                  </a:srgbClr>
-                </a:solidFill>
-              </a:rPr>
+              <a:rPr lang="en-US" sz="3600" dirty="0"/>
             </a:br>
             <a:r>
-              <a:rPr lang="en-US" sz="3600" dirty="0" smtClean="0"/>
-              <a:t/>
-            </a:r>
-            <a:br>
-              <a:rPr lang="en-US" sz="3600" dirty="0" smtClean="0"/>
-            </a:br>
-            <a:r>
-              <a:rPr lang="en-US" dirty="0" smtClean="0">
-                <a:solidFill>
-                  <a:srgbClr val="FF0000"/>
-                </a:solidFill>
-              </a:rPr>
-              <a:t>FRONT END</a:t>
-            </a:r>
-            <a:endParaRPr lang="en-US" dirty="0">
-              <a:solidFill>
-                <a:srgbClr val="FF0000"/>
-              </a:solidFill>
-            </a:endParaRPr>
-          </a:p>
-        </p:txBody>
-      </p:sp>
-      <p:sp>
-        <p:nvSpPr>
-          <p:cNvPr id="3" name="Content Placeholder 2"/>
-          <p:cNvSpPr>
-            <a:spLocks noGrp="1"/>
-          </p:cNvSpPr>
+              <a:rPr lang="en-US" dirty="0" smtClean="0"/>
+              <a:t>Contract – Data Requirements Specification</a:t>
+            </a:r>
+            <a:endParaRPr lang="en-US" dirty="0"/>
+          </a:p>
+        </p:txBody>
+      </p:sp>
+      <p:pic>
+        <p:nvPicPr>
+          <p:cNvPr id="5" name="Content Placeholder 4"/>
+          <p:cNvPicPr>
+            <a:picLocks noGrp="1" noChangeAspect="1"/>
+          </p:cNvPicPr>
           <p:nvPr>
             <p:ph sz="quarter" idx="1"/>
           </p:nvPr>
-        </p:nvSpPr>
-        <p:spPr>
-          <a:xfrm>
-            <a:off x="320040" y="1981200"/>
-            <a:ext cx="8503920" cy="4572000"/>
-          </a:xfrm>
-        </p:spPr>
-        <p:txBody>
-          <a:bodyPr/>
+        </p:nvPicPr>
+        <p:blipFill>
+          <a:blip r:embed="rId2"/>
+          <a:stretch>
+            <a:fillRect/>
+          </a:stretch>
+        </p:blipFill>
+        <p:spPr>
+          <a:xfrm>
+            <a:off x="304800" y="2653381"/>
+            <a:ext cx="3733800" cy="3928395"/>
+          </a:xfrm>
+          <a:prstGeom prst="rect">
+            <a:avLst/>
+          </a:prstGeom>
+        </p:spPr>
+      </p:pic>
+      <p:pic>
+        <p:nvPicPr>
+          <p:cNvPr id="6" name="Picture 5"/>
+          <p:cNvPicPr>
+            <a:picLocks noChangeAspect="1"/>
+          </p:cNvPicPr>
+          <p:nvPr/>
+        </p:nvPicPr>
+        <p:blipFill>
+          <a:blip r:embed="rId3"/>
+          <a:stretch>
+            <a:fillRect/>
+          </a:stretch>
+        </p:blipFill>
+        <p:spPr>
+          <a:xfrm>
+            <a:off x="4419600" y="1837347"/>
+            <a:ext cx="3733800" cy="4921309"/>
+          </a:xfrm>
+          <a:prstGeom prst="rect">
+            <a:avLst/>
+          </a:prstGeom>
+        </p:spPr>
+      </p:pic>
+      <p:sp>
+        <p:nvSpPr>
+          <p:cNvPr id="7" name="TextBox 6"/>
+          <p:cNvSpPr txBox="1"/>
+          <p:nvPr/>
+        </p:nvSpPr>
+        <p:spPr>
+          <a:xfrm>
+            <a:off x="304800" y="1837347"/>
+            <a:ext cx="3733800" cy="369332"/>
+          </a:xfrm>
+          <a:prstGeom prst="rect">
+            <a:avLst/>
+          </a:prstGeom>
+          <a:noFill/>
+        </p:spPr>
+        <p:txBody>
+          <a:bodyPr wrap="square" rtlCol="0">
+            <a:spAutoFit/>
+          </a:bodyPr>
           <a:lstStyle/>
           <a:p>
             <a:r>
               <a:rPr lang="en-US" dirty="0" smtClean="0"/>
-              <a:t>Added by VH;</a:t>
-            </a:r>
-            <a:endParaRPr lang="en-US" dirty="0"/>
-          </a:p>
-          <a:p>
-            <a:r>
-              <a:rPr lang="en-US" dirty="0"/>
-              <a:t>Please place these as dividers </a:t>
-            </a:r>
-          </a:p>
-          <a:p>
+              <a:t>Table 2 - Constraints</a:t>
+            </a:r>
             <a:endParaRPr lang="en-US" dirty="0"/>
           </a:p>
         </p:txBody>
@@ -7953,13 +10597,20 @@
     </p:spTree>
     <p:extLst>
       <p:ext uri="{BB962C8B-B14F-4D97-AF65-F5344CB8AC3E}">
-        <p14:creationId xmlns:p14="http://schemas.microsoft.com/office/powerpoint/2010/main" val="3428671890"/>
+        <p14:creationId xmlns:p14="http://schemas.microsoft.com/office/powerpoint/2010/main" val="1003792876"/>
       </p:ext>
     </p:extLst>
   </p:cSld>
   <p:clrMapOvr>
     <a:masterClrMapping/>
   </p:clrMapOvr>
+  <p:timing>
+    <p:tnLst>
+      <p:par>
+        <p:cTn id="1" dur="indefinite" restart="never" nodeType="tmRoot"/>
+      </p:par>
+    </p:tnLst>
+  </p:timing>
 </p:sld>
 </file>
 
@@ -7992,13 +10643,13 @@
         </p:nvSpPr>
         <p:spPr>
           <a:xfrm>
-            <a:off x="304800" y="0"/>
+            <a:off x="609600" y="-152400"/>
             <a:ext cx="8534400" cy="2054352"/>
           </a:xfrm>
         </p:spPr>
         <p:txBody>
           <a:bodyPr>
-            <a:normAutofit fontScale="90000"/>
+            <a:normAutofit/>
           </a:bodyPr>
           <a:lstStyle/>
           <a:p>
@@ -8070,30 +10721,30 @@
               <a:t>ental </a:t>
             </a:r>
             <a:r>
-              <a:rPr lang="en-US" sz="2400" b="1" dirty="0"/>
+              <a:rPr lang="en-US" sz="2400" b="1" dirty="0" smtClean="0"/>
               <a:t>S</a:t>
             </a:r>
             <a:r>
-              <a:rPr lang="en-US" sz="2400" dirty="0"/>
+              <a:rPr lang="en-US" sz="2400" dirty="0" smtClean="0"/>
               <a:t>ystem</a:t>
             </a:r>
+            <a:r>
+              <a:rPr lang="en-US" sz="2400" dirty="0"/>
+              <a:t/>
+            </a:r>
             <a:br>
               <a:rPr lang="en-US" sz="2400" dirty="0"/>
             </a:br>
             <a:r>
-              <a:rPr lang="en-US" sz="3600" dirty="0" smtClean="0"/>
+              <a:rPr lang="en-US" sz="2400" dirty="0"/>
               <a:t/>
             </a:r>
             <a:br>
-              <a:rPr lang="en-US" sz="3600" dirty="0" smtClean="0"/>
+              <a:rPr lang="en-US" sz="2400" dirty="0"/>
             </a:br>
             <a:r>
-              <a:rPr lang="en-US" sz="3600" dirty="0" smtClean="0"/>
-              <a:t>Business Modeling: </a:t>
-            </a:r>
-            <a:r>
               <a:rPr lang="en-US" dirty="0" smtClean="0"/>
-              <a:t>UML USE CASE Model</a:t>
+              <a:t>Data Design – Relational Model</a:t>
             </a:r>
             <a:endParaRPr lang="en-US" dirty="0"/>
           </a:p>
@@ -8111,7 +10762,7 @@
         </p:nvSpPr>
         <p:spPr>
           <a:xfrm>
-            <a:off x="320040" y="1981200"/>
+            <a:off x="320040" y="2261419"/>
             <a:ext cx="8503920" cy="4572000"/>
           </a:xfrm>
         </p:spPr>
@@ -8119,34 +10770,113 @@
           <a:bodyPr/>
           <a:lstStyle/>
           <a:p>
+            <a:pPr marL="0" indent="0">
+              <a:buNone/>
+            </a:pPr>
+            <a:endParaRPr lang="en-US" dirty="0" smtClean="0"/>
+          </a:p>
+          <a:p>
+            <a:pPr marL="0" indent="0">
+              <a:buNone/>
+            </a:pPr>
+            <a:r>
+              <a:rPr lang="en-US" dirty="0"/>
+              <a:t> </a:t>
+            </a:r>
             <a:r>
               <a:rPr lang="en-US" dirty="0" smtClean="0"/>
-              <a:t>Actors;</a:t>
-            </a:r>
-            <a:endParaRPr lang="en-US" dirty="0"/>
-          </a:p>
-          <a:p>
-            <a:r>
-              <a:rPr lang="en-US" dirty="0" smtClean="0"/>
-              <a:t>UML USE CASE Model</a:t>
-            </a:r>
-            <a:endParaRPr lang="en-US" dirty="0"/>
-          </a:p>
-          <a:p>
-            <a:endParaRPr lang="en-US" dirty="0"/>
+              <a:t>   </a:t>
+            </a:r>
+          </a:p>
+        </p:txBody>
+      </p:sp>
+      <p:pic>
+        <p:nvPicPr>
+          <p:cNvPr id="4" name="Picture 3"/>
+          <p:cNvPicPr>
+            <a:picLocks noChangeAspect="1"/>
+          </p:cNvPicPr>
+          <p:nvPr/>
+        </p:nvPicPr>
+        <p:blipFill>
+          <a:blip r:embed="rId2"/>
+          <a:stretch>
+            <a:fillRect/>
+          </a:stretch>
+        </p:blipFill>
+        <p:spPr>
+          <a:xfrm>
+            <a:off x="457200" y="1901952"/>
+            <a:ext cx="5496936" cy="1765213"/>
+          </a:xfrm>
+          <a:prstGeom prst="rect">
+            <a:avLst/>
+          </a:prstGeom>
+        </p:spPr>
+      </p:pic>
+      <p:sp>
+        <p:nvSpPr>
+          <p:cNvPr id="5" name="Oval 4"/>
+          <p:cNvSpPr/>
+          <p:nvPr/>
+        </p:nvSpPr>
+        <p:spPr>
+          <a:xfrm>
+            <a:off x="1371600" y="2819400"/>
+            <a:ext cx="1981200" cy="381000"/>
+          </a:xfrm>
+          <a:prstGeom prst="ellipse">
+            <a:avLst/>
+          </a:prstGeom>
+          <a:noFill/>
+          <a:ln>
+            <a:solidFill>
+              <a:srgbClr val="00B0F0"/>
+            </a:solidFill>
+          </a:ln>
+        </p:spPr>
+        <p:style>
+          <a:lnRef idx="2">
+            <a:schemeClr val="accent1">
+              <a:shade val="50000"/>
+            </a:schemeClr>
+          </a:lnRef>
+          <a:fillRef idx="1">
+            <a:schemeClr val="accent1"/>
+          </a:fillRef>
+          <a:effectRef idx="0">
+            <a:schemeClr val="accent1"/>
+          </a:effectRef>
+          <a:fontRef idx="minor">
+            <a:schemeClr val="lt1"/>
+          </a:fontRef>
+        </p:style>
+        <p:txBody>
+          <a:bodyPr rtlCol="0" anchor="ctr"/>
+          <a:lstStyle/>
+          <a:p>
+            <a:pPr algn="ctr"/>
+            <a:endParaRPr lang="en-US"/>
           </a:p>
         </p:txBody>
       </p:sp>
     </p:spTree>
     <p:extLst>
       <p:ext uri="{BB962C8B-B14F-4D97-AF65-F5344CB8AC3E}">
-        <p14:creationId xmlns:p14="http://schemas.microsoft.com/office/powerpoint/2010/main" val="3145259814"/>
+        <p14:creationId xmlns:p14="http://schemas.microsoft.com/office/powerpoint/2010/main" val="2876414311"/>
       </p:ext>
     </p:extLst>
   </p:cSld>
   <p:clrMapOvr>
     <a:masterClrMapping/>
   </p:clrMapOvr>
+  <p:timing>
+    <p:tnLst>
+      <p:par>
+        <p:cTn id="1" dur="indefinite" restart="never" nodeType="tmRoot"/>
+      </p:par>
+    </p:tnLst>
+  </p:timing>
 </p:sld>
 </file>
 
@@ -8179,22 +10909,22 @@
         </p:nvSpPr>
         <p:spPr>
           <a:xfrm>
-            <a:off x="304800" y="0"/>
+            <a:off x="609600" y="-152400"/>
             <a:ext cx="8534400" cy="2054352"/>
           </a:xfrm>
         </p:spPr>
         <p:txBody>
           <a:bodyPr>
-            <a:normAutofit fontScale="90000"/>
+            <a:normAutofit/>
           </a:bodyPr>
           <a:lstStyle/>
           <a:p>
             <a:r>
-              <a:rPr lang="en-US" sz="2800" b="1" dirty="0" smtClean="0"/>
+              <a:rPr lang="en-US" sz="2400" b="1" dirty="0" smtClean="0"/>
               <a:t>TEAM</a:t>
             </a:r>
             <a:r>
-              <a:rPr lang="en-US" sz="2800" b="1" dirty="0">
+              <a:rPr lang="en-US" sz="2400" b="1" dirty="0">
                 <a:solidFill>
                   <a:srgbClr val="FF0000"/>
                 </a:solidFill>
@@ -8202,11 +10932,11 @@
               <a:t>5</a:t>
             </a:r>
             <a:r>
-              <a:rPr lang="en-US" sz="2800" b="1" dirty="0" smtClean="0"/>
+              <a:rPr lang="en-US" sz="2400" b="1" dirty="0" smtClean="0"/>
               <a:t>O</a:t>
             </a:r>
             <a:r>
-              <a:rPr lang="en-US" sz="2800" b="1" dirty="0" smtClean="0">
+              <a:rPr lang="en-US" sz="2400" b="1" dirty="0" smtClean="0">
                 <a:solidFill>
                   <a:srgbClr val="FF0000"/>
                 </a:solidFill>
@@ -8214,26 +10944,26 @@
               <a:t>AR</a:t>
             </a:r>
             <a:r>
-              <a:rPr lang="en-US" sz="2800" b="1" dirty="0" smtClean="0"/>
+              <a:rPr lang="en-US" sz="2400" b="1" dirty="0" smtClean="0"/>
               <a:t>S</a:t>
             </a:r>
             <a:r>
-              <a:rPr lang="en-US" sz="2800" dirty="0"/>
+              <a:rPr lang="en-US" sz="2400" dirty="0"/>
               <a:t/>
             </a:r>
             <a:br>
-              <a:rPr lang="en-US" sz="2800" dirty="0"/>
+              <a:rPr lang="en-US" sz="2400" dirty="0"/>
             </a:br>
             <a:r>
-              <a:rPr lang="en-US" sz="2800" b="1" dirty="0"/>
+              <a:rPr lang="en-US" sz="2400" b="1" dirty="0"/>
               <a:t>O</a:t>
             </a:r>
             <a:r>
-              <a:rPr lang="en-US" sz="2800" dirty="0"/>
+              <a:rPr lang="en-US" sz="2400" dirty="0"/>
               <a:t>nline </a:t>
             </a:r>
             <a:r>
-              <a:rPr lang="en-US" sz="2800" b="1" dirty="0">
+              <a:rPr lang="en-US" sz="2400" b="1" dirty="0">
                 <a:solidFill>
                   <a:srgbClr val="FF0000"/>
                 </a:solidFill>
@@ -8241,11 +10971,11 @@
               <a:t>A</a:t>
             </a:r>
             <a:r>
-              <a:rPr lang="en-US" sz="2800" dirty="0"/>
+              <a:rPr lang="en-US" sz="2400" dirty="0"/>
               <a:t>partment </a:t>
             </a:r>
             <a:r>
-              <a:rPr lang="en-US" sz="2800" b="1" dirty="0">
+              <a:rPr lang="en-US" sz="2400" b="1" dirty="0">
                 <a:solidFill>
                   <a:srgbClr val="FF0000"/>
                 </a:solidFill>
@@ -8253,34 +10983,34 @@
               <a:t>R</a:t>
             </a:r>
             <a:r>
-              <a:rPr lang="en-US" sz="2800" dirty="0"/>
+              <a:rPr lang="en-US" sz="2400" dirty="0"/>
               <a:t>ental </a:t>
             </a:r>
             <a:r>
-              <a:rPr lang="en-US" sz="2800" b="1" dirty="0" smtClean="0"/>
+              <a:rPr lang="en-US" sz="2400" b="1" dirty="0" smtClean="0"/>
               <a:t>S</a:t>
             </a:r>
             <a:r>
-              <a:rPr lang="en-US" sz="2800" dirty="0" smtClean="0"/>
+              <a:rPr lang="en-US" sz="2400" dirty="0" smtClean="0"/>
               <a:t>ystem</a:t>
             </a:r>
+            <a:r>
+              <a:rPr lang="en-US" sz="2400" dirty="0"/>
+              <a:t/>
+            </a:r>
             <a:br>
-              <a:rPr lang="en-US" sz="2800" dirty="0" smtClean="0"/>
+              <a:rPr lang="en-US" sz="2400" dirty="0"/>
             </a:br>
             <a:r>
-              <a:rPr lang="en-US" sz="3600" dirty="0" smtClean="0"/>
+              <a:rPr lang="en-US" sz="2400" dirty="0"/>
               <a:t/>
             </a:r>
             <a:br>
-              <a:rPr lang="en-US" sz="3600" dirty="0" smtClean="0"/>
+              <a:rPr lang="en-US" sz="2400" dirty="0"/>
             </a:br>
             <a:r>
-              <a:rPr lang="en-US" sz="3600" dirty="0" smtClean="0"/>
-              <a:t>Contract: </a:t>
-            </a:r>
-            <a:r>
               <a:rPr lang="en-US" dirty="0" smtClean="0"/>
-              <a:t>Software Requirements Specification</a:t>
+              <a:t>Data Design – Relational Model</a:t>
             </a:r>
             <a:endParaRPr lang="en-US" dirty="0"/>
           </a:p>
@@ -8298,56 +11028,121 @@
         </p:nvSpPr>
         <p:spPr>
           <a:xfrm>
-            <a:off x="-76200" y="1981200"/>
-            <a:ext cx="9220200" cy="4572000"/>
+            <a:off x="320040" y="2261419"/>
+            <a:ext cx="8503920" cy="4572000"/>
           </a:xfrm>
         </p:spPr>
         <p:txBody>
           <a:bodyPr/>
           <a:lstStyle/>
           <a:p>
+            <a:pPr marL="0" indent="0">
+              <a:buNone/>
+            </a:pPr>
+            <a:endParaRPr lang="en-US" dirty="0" smtClean="0"/>
+          </a:p>
+          <a:p>
+            <a:pPr marL="0" indent="0">
+              <a:buNone/>
+            </a:pPr>
+            <a:r>
+              <a:rPr lang="en-US" dirty="0"/>
+              <a:t> </a:t>
+            </a:r>
             <a:r>
               <a:rPr lang="en-US" dirty="0" smtClean="0"/>
-              <a:t>Summary of </a:t>
-            </a:r>
-            <a:r>
-              <a:rPr lang="en-US" dirty="0" err="1" smtClean="0"/>
-              <a:t>Ucs</a:t>
-            </a:r>
-            <a:r>
-              <a:rPr lang="en-US" dirty="0" smtClean="0"/>
-              <a:t>;</a:t>
-            </a:r>
-          </a:p>
-          <a:p>
-            <a:r>
-              <a:rPr lang="en-US" dirty="0" smtClean="0"/>
-              <a:t>Table 3.2 Functional &amp; Non-Functional Requirements;</a:t>
-            </a:r>
-            <a:endParaRPr lang="en-US" dirty="0"/>
-          </a:p>
-          <a:p>
-            <a:r>
-              <a:rPr lang="en-US" dirty="0" smtClean="0"/>
-              <a:t>Appendix with Actors and UML USE CASE Diagram.</a:t>
-            </a:r>
-            <a:endParaRPr lang="en-US" dirty="0"/>
-          </a:p>
-          <a:p>
-            <a:endParaRPr lang="en-US" dirty="0"/>
+              <a:t>   </a:t>
+            </a:r>
+          </a:p>
+        </p:txBody>
+      </p:sp>
+      <p:pic>
+        <p:nvPicPr>
+          <p:cNvPr id="6" name="Picture 5"/>
+          <p:cNvPicPr>
+            <a:picLocks noChangeAspect="1"/>
+          </p:cNvPicPr>
+          <p:nvPr/>
+        </p:nvPicPr>
+        <p:blipFill>
+          <a:blip r:embed="rId2"/>
+          <a:stretch>
+            <a:fillRect/>
+          </a:stretch>
+        </p:blipFill>
+        <p:spPr>
+          <a:xfrm>
+            <a:off x="400050" y="1828800"/>
+            <a:ext cx="4171950" cy="4488807"/>
+          </a:xfrm>
+          <a:prstGeom prst="rect">
+            <a:avLst/>
+          </a:prstGeom>
+        </p:spPr>
+      </p:pic>
+      <p:sp>
+        <p:nvSpPr>
+          <p:cNvPr id="5" name="Oval 4"/>
+          <p:cNvSpPr/>
+          <p:nvPr/>
+        </p:nvSpPr>
+        <p:spPr>
+          <a:xfrm rot="1567006">
+            <a:off x="1727643" y="3160181"/>
+            <a:ext cx="1098363" cy="1973847"/>
+          </a:xfrm>
+          <a:prstGeom prst="ellipse">
+            <a:avLst/>
+          </a:prstGeom>
+          <a:noFill/>
+          <a:ln>
+            <a:solidFill>
+              <a:srgbClr val="00B0F0"/>
+            </a:solidFill>
+          </a:ln>
+        </p:spPr>
+        <p:style>
+          <a:lnRef idx="2">
+            <a:schemeClr val="accent1">
+              <a:shade val="50000"/>
+            </a:schemeClr>
+          </a:lnRef>
+          <a:fillRef idx="1">
+            <a:schemeClr val="accent1"/>
+          </a:fillRef>
+          <a:effectRef idx="0">
+            <a:schemeClr val="accent1"/>
+          </a:effectRef>
+          <a:fontRef idx="minor">
+            <a:schemeClr val="lt1"/>
+          </a:fontRef>
+        </p:style>
+        <p:txBody>
+          <a:bodyPr rtlCol="0" anchor="ctr"/>
+          <a:lstStyle/>
+          <a:p>
+            <a:pPr algn="ctr"/>
+            <a:endParaRPr lang="en-US"/>
           </a:p>
         </p:txBody>
       </p:sp>
     </p:spTree>
     <p:extLst>
       <p:ext uri="{BB962C8B-B14F-4D97-AF65-F5344CB8AC3E}">
-        <p14:creationId xmlns:p14="http://schemas.microsoft.com/office/powerpoint/2010/main" val="3552573354"/>
+        <p14:creationId xmlns:p14="http://schemas.microsoft.com/office/powerpoint/2010/main" val="1912827510"/>
       </p:ext>
     </p:extLst>
   </p:cSld>
   <p:clrMapOvr>
     <a:masterClrMapping/>
   </p:clrMapOvr>
+  <p:timing>
+    <p:tnLst>
+      <p:par>
+        <p:cTn id="1" dur="indefinite" restart="never" nodeType="tmRoot"/>
+      </p:par>
+    </p:tnLst>
+  </p:timing>
 </p:sld>
 </file>
 
@@ -8391,11 +11186,11 @@
           <a:lstStyle/>
           <a:p>
             <a:r>
-              <a:rPr lang="en-US" sz="2800" b="1" dirty="0" smtClean="0"/>
+              <a:rPr lang="en-US" sz="2400" b="1" dirty="0" smtClean="0"/>
               <a:t>TEAM</a:t>
             </a:r>
             <a:r>
-              <a:rPr lang="en-US" sz="2800" b="1" dirty="0">
+              <a:rPr lang="en-US" sz="2400" b="1" dirty="0">
                 <a:solidFill>
                   <a:srgbClr val="FF0000"/>
                 </a:solidFill>
@@ -8403,11 +11198,11 @@
               <a:t>5</a:t>
             </a:r>
             <a:r>
-              <a:rPr lang="en-US" sz="2800" b="1" dirty="0" smtClean="0"/>
+              <a:rPr lang="en-US" sz="2400" b="1" dirty="0" smtClean="0"/>
               <a:t>O</a:t>
             </a:r>
             <a:r>
-              <a:rPr lang="en-US" sz="2800" b="1" dirty="0" smtClean="0">
+              <a:rPr lang="en-US" sz="2400" b="1" dirty="0" smtClean="0">
                 <a:solidFill>
                   <a:srgbClr val="FF0000"/>
                 </a:solidFill>
@@ -8415,26 +11210,26 @@
               <a:t>AR</a:t>
             </a:r>
             <a:r>
-              <a:rPr lang="en-US" sz="2800" b="1" dirty="0" smtClean="0"/>
+              <a:rPr lang="en-US" sz="2400" b="1" dirty="0" smtClean="0"/>
               <a:t>S</a:t>
             </a:r>
             <a:r>
-              <a:rPr lang="en-US" sz="2800" dirty="0"/>
+              <a:rPr lang="en-US" sz="2400" dirty="0"/>
               <a:t/>
             </a:r>
             <a:br>
-              <a:rPr lang="en-US" sz="2800" dirty="0"/>
+              <a:rPr lang="en-US" sz="2400" dirty="0"/>
             </a:br>
             <a:r>
-              <a:rPr lang="en-US" sz="2800" b="1" dirty="0"/>
+              <a:rPr lang="en-US" sz="2400" b="1" dirty="0"/>
               <a:t>O</a:t>
             </a:r>
             <a:r>
-              <a:rPr lang="en-US" sz="2800" dirty="0"/>
+              <a:rPr lang="en-US" sz="2400" dirty="0"/>
               <a:t>nline </a:t>
             </a:r>
             <a:r>
-              <a:rPr lang="en-US" sz="2800" b="1" dirty="0">
+              <a:rPr lang="en-US" sz="2400" b="1" dirty="0">
                 <a:solidFill>
                   <a:srgbClr val="FF0000"/>
                 </a:solidFill>
@@ -8442,11 +11237,11 @@
               <a:t>A</a:t>
             </a:r>
             <a:r>
-              <a:rPr lang="en-US" sz="2800" dirty="0"/>
+              <a:rPr lang="en-US" sz="2400" dirty="0"/>
               <a:t>partment </a:t>
             </a:r>
             <a:r>
-              <a:rPr lang="en-US" sz="2800" b="1" dirty="0">
+              <a:rPr lang="en-US" sz="2400" b="1" dirty="0">
                 <a:solidFill>
                   <a:srgbClr val="FF0000"/>
                 </a:solidFill>
@@ -8454,34 +11249,34 @@
               <a:t>R</a:t>
             </a:r>
             <a:r>
-              <a:rPr lang="en-US" sz="2800" dirty="0"/>
+              <a:rPr lang="en-US" sz="2400" dirty="0"/>
               <a:t>ental </a:t>
             </a:r>
             <a:r>
-              <a:rPr lang="en-US" sz="2800" b="1" dirty="0"/>
+              <a:rPr lang="en-US" sz="2400" b="1" dirty="0" smtClean="0"/>
               <a:t>S</a:t>
             </a:r>
             <a:r>
-              <a:rPr lang="en-US" sz="2800" dirty="0"/>
-              <a:t>ystem </a:t>
-            </a:r>
-            <a:r>
-              <a:rPr lang="en-US" sz="2800" dirty="0" smtClean="0"/>
+              <a:rPr lang="en-US" sz="2400" dirty="0" smtClean="0"/>
+              <a:t>ystem</a:t>
+            </a:r>
+            <a:r>
+              <a:rPr lang="en-US" sz="2400" dirty="0"/>
               <a:t/>
             </a:r>
             <a:br>
-              <a:rPr lang="en-US" sz="2800" dirty="0" smtClean="0"/>
+              <a:rPr lang="en-US" sz="2400" dirty="0"/>
             </a:br>
             <a:r>
-              <a:rPr lang="en-US" sz="2800" dirty="0" smtClean="0"/>
+              <a:rPr lang="en-US" sz="2400" dirty="0"/>
               <a:t/>
             </a:r>
             <a:br>
-              <a:rPr lang="en-US" sz="2800" dirty="0" smtClean="0"/>
+              <a:rPr lang="en-US" sz="2400" dirty="0"/>
             </a:br>
             <a:r>
               <a:rPr lang="en-US" dirty="0" smtClean="0"/>
-              <a:t>Software Project Management Plan</a:t>
+              <a:t>Data Design – Relational Model</a:t>
             </a:r>
             <a:endParaRPr lang="en-US" dirty="0"/>
           </a:p>
@@ -8499,37 +11294,121 @@
         </p:nvSpPr>
         <p:spPr>
           <a:xfrm>
-            <a:off x="-76200" y="1981200"/>
-            <a:ext cx="9220200" cy="4572000"/>
+            <a:off x="320040" y="2261419"/>
+            <a:ext cx="8503920" cy="4572000"/>
           </a:xfrm>
         </p:spPr>
         <p:txBody>
           <a:bodyPr/>
           <a:lstStyle/>
-          <a:p>
-            <a:r>
-              <a:rPr lang="en-US" dirty="0" smtClean="0"/>
-              <a:t>COCOMO II Estimates, screenshot of the CASE TOOL;</a:t>
-            </a:r>
-          </a:p>
           <a:p>
             <a:pPr marL="0" indent="0">
               <a:buNone/>
             </a:pPr>
-            <a:endParaRPr lang="en-US" dirty="0"/>
+            <a:endParaRPr lang="en-US" dirty="0" smtClean="0"/>
+          </a:p>
+          <a:p>
+            <a:pPr marL="0" indent="0">
+              <a:buNone/>
+            </a:pPr>
+            <a:r>
+              <a:rPr lang="en-US" dirty="0"/>
+              <a:t> </a:t>
+            </a:r>
+            <a:r>
+              <a:rPr lang="en-US" dirty="0" smtClean="0"/>
+              <a:t>   </a:t>
+            </a:r>
+          </a:p>
+        </p:txBody>
+      </p:sp>
+      <p:pic>
+        <p:nvPicPr>
+          <p:cNvPr id="6" name="Picture 5"/>
+          <p:cNvPicPr>
+            <a:picLocks noChangeAspect="1"/>
+          </p:cNvPicPr>
+          <p:nvPr/>
+        </p:nvPicPr>
+        <p:blipFill>
+          <a:blip r:embed="rId2"/>
+          <a:stretch>
+            <a:fillRect/>
+          </a:stretch>
+        </p:blipFill>
+        <p:spPr>
+          <a:xfrm>
+            <a:off x="152400" y="2133600"/>
+            <a:ext cx="4419600" cy="3324256"/>
+          </a:xfrm>
+          <a:prstGeom prst="rect">
+            <a:avLst/>
+          </a:prstGeom>
+        </p:spPr>
+      </p:pic>
+      <p:sp>
+        <p:nvSpPr>
+          <p:cNvPr id="5" name="Oval 4"/>
+          <p:cNvSpPr/>
+          <p:nvPr/>
+        </p:nvSpPr>
+        <p:spPr>
+          <a:xfrm rot="2505232">
+            <a:off x="999191" y="2585266"/>
+            <a:ext cx="1971033" cy="579463"/>
+          </a:xfrm>
+          <a:prstGeom prst="ellipse">
+            <a:avLst/>
+          </a:prstGeom>
+          <a:noFill/>
+          <a:ln>
+            <a:solidFill>
+              <a:srgbClr val="00B0F0"/>
+            </a:solidFill>
+          </a:ln>
+        </p:spPr>
+        <p:style>
+          <a:lnRef idx="2">
+            <a:schemeClr val="accent1">
+              <a:shade val="50000"/>
+            </a:schemeClr>
+          </a:lnRef>
+          <a:fillRef idx="1">
+            <a:schemeClr val="accent1"/>
+          </a:fillRef>
+          <a:effectRef idx="0">
+            <a:schemeClr val="accent1"/>
+          </a:effectRef>
+          <a:fontRef idx="minor">
+            <a:schemeClr val="lt1"/>
+          </a:fontRef>
+        </p:style>
+        <p:txBody>
+          <a:bodyPr rtlCol="0" anchor="ctr"/>
+          <a:lstStyle/>
+          <a:p>
+            <a:pPr algn="ctr"/>
+            <a:endParaRPr lang="en-US"/>
           </a:p>
         </p:txBody>
       </p:sp>
     </p:spTree>
     <p:extLst>
       <p:ext uri="{BB962C8B-B14F-4D97-AF65-F5344CB8AC3E}">
-        <p14:creationId xmlns:p14="http://schemas.microsoft.com/office/powerpoint/2010/main" val="1863565787"/>
+        <p14:creationId xmlns:p14="http://schemas.microsoft.com/office/powerpoint/2010/main" val="1423670454"/>
       </p:ext>
     </p:extLst>
   </p:cSld>
   <p:clrMapOvr>
     <a:masterClrMapping/>
   </p:clrMapOvr>
+  <p:timing>
+    <p:tnLst>
+      <p:par>
+        <p:cTn id="1" dur="indefinite" restart="never" nodeType="tmRoot"/>
+      </p:par>
+    </p:tnLst>
+  </p:timing>
 </p:sld>
 </file>
 

--- a/TEAM PROJECT DELIVERABLES/TEAM5OARS.pptx
+++ b/TEAM PROJECT DELIVERABLES/TEAM5OARS.pptx
@@ -130,7 +130,7 @@
   </p:defaultTextStyle>
   <p:extLst>
     <p:ext uri="{EFAFB233-063F-42B5-8137-9DF3F51BA10A}">
-      <p15:sldGuideLst xmlns:p15="http://schemas.microsoft.com/office/powerpoint/2012/main">
+      <p15:sldGuideLst xmlns="" xmlns:p15="http://schemas.microsoft.com/office/powerpoint/2012/main">
         <p15:guide id="1" orient="horz" pos="2160">
           <p15:clr>
             <a:srgbClr val="A4A3A4"/>
@@ -6729,6 +6729,60 @@
           </a:p>
         </p:txBody>
       </p:sp>
+      <p:pic>
+        <p:nvPicPr>
+          <p:cNvPr id="7" name="Picture 2"/>
+          <p:cNvPicPr>
+            <a:picLocks noChangeAspect="1" noChangeArrowheads="1"/>
+          </p:cNvPicPr>
+          <p:nvPr/>
+        </p:nvPicPr>
+        <p:blipFill>
+          <a:blip r:embed="rId3">
+            <a:extLst>
+              <a:ext uri="{28A0092B-C50C-407E-A947-70E740481C1C}">
+                <a14:useLocalDpi xmlns:a14="http://schemas.microsoft.com/office/drawing/2010/main" val="0"/>
+              </a:ext>
+            </a:extLst>
+          </a:blip>
+          <a:srcRect/>
+          <a:stretch>
+            <a:fillRect/>
+          </a:stretch>
+        </p:blipFill>
+        <p:spPr bwMode="auto">
+          <a:xfrm>
+            <a:off x="4679402" y="2025328"/>
+            <a:ext cx="4235998" cy="3994472"/>
+          </a:xfrm>
+          <a:prstGeom prst="rect">
+            <a:avLst/>
+          </a:prstGeom>
+          <a:noFill/>
+          <a:ln>
+            <a:noFill/>
+          </a:ln>
+          <a:extLst>
+            <a:ext uri="{909E8E84-426E-40DD-AFC4-6F175D3DCCD1}">
+              <a14:hiddenFill xmlns:a14="http://schemas.microsoft.com/office/drawing/2010/main">
+                <a:solidFill>
+                  <a:schemeClr val="accent1"/>
+                </a:solidFill>
+              </a14:hiddenFill>
+            </a:ext>
+            <a:ext uri="{91240B29-F687-4F45-9708-019B960494DF}">
+              <a14:hiddenLine xmlns:a14="http://schemas.microsoft.com/office/drawing/2010/main" w="9525">
+                <a:solidFill>
+                  <a:schemeClr val="tx1"/>
+                </a:solidFill>
+                <a:miter lim="800000"/>
+                <a:headEnd/>
+                <a:tailEnd/>
+              </a14:hiddenLine>
+            </a:ext>
+          </a:extLst>
+        </p:spPr>
+      </p:pic>
     </p:spTree>
     <p:extLst>
       <p:ext uri="{BB962C8B-B14F-4D97-AF65-F5344CB8AC3E}">
@@ -6995,6 +7049,60 @@
           </a:p>
         </p:txBody>
       </p:sp>
+      <p:pic>
+        <p:nvPicPr>
+          <p:cNvPr id="6" name="Picture 2"/>
+          <p:cNvPicPr>
+            <a:picLocks noChangeAspect="1" noChangeArrowheads="1"/>
+          </p:cNvPicPr>
+          <p:nvPr/>
+        </p:nvPicPr>
+        <p:blipFill>
+          <a:blip r:embed="rId3">
+            <a:extLst>
+              <a:ext uri="{28A0092B-C50C-407E-A947-70E740481C1C}">
+                <a14:useLocalDpi xmlns:a14="http://schemas.microsoft.com/office/drawing/2010/main" val="0"/>
+              </a:ext>
+            </a:extLst>
+          </a:blip>
+          <a:srcRect/>
+          <a:stretch>
+            <a:fillRect/>
+          </a:stretch>
+        </p:blipFill>
+        <p:spPr bwMode="auto">
+          <a:xfrm>
+            <a:off x="4679402" y="2025328"/>
+            <a:ext cx="4235998" cy="3994472"/>
+          </a:xfrm>
+          <a:prstGeom prst="rect">
+            <a:avLst/>
+          </a:prstGeom>
+          <a:noFill/>
+          <a:ln>
+            <a:noFill/>
+          </a:ln>
+          <a:extLst>
+            <a:ext uri="{909E8E84-426E-40DD-AFC4-6F175D3DCCD1}">
+              <a14:hiddenFill xmlns:a14="http://schemas.microsoft.com/office/drawing/2010/main">
+                <a:solidFill>
+                  <a:schemeClr val="accent1"/>
+                </a:solidFill>
+              </a14:hiddenFill>
+            </a:ext>
+            <a:ext uri="{91240B29-F687-4F45-9708-019B960494DF}">
+              <a14:hiddenLine xmlns:a14="http://schemas.microsoft.com/office/drawing/2010/main" w="9525">
+                <a:solidFill>
+                  <a:schemeClr val="tx1"/>
+                </a:solidFill>
+                <a:miter lim="800000"/>
+                <a:headEnd/>
+                <a:tailEnd/>
+              </a14:hiddenLine>
+            </a:ext>
+          </a:extLst>
+        </p:spPr>
+      </p:pic>
     </p:spTree>
     <p:extLst>
       <p:ext uri="{BB962C8B-B14F-4D97-AF65-F5344CB8AC3E}">
@@ -7261,6 +7369,60 @@
           </a:p>
         </p:txBody>
       </p:sp>
+      <p:pic>
+        <p:nvPicPr>
+          <p:cNvPr id="8" name="Picture 2"/>
+          <p:cNvPicPr>
+            <a:picLocks noChangeAspect="1" noChangeArrowheads="1"/>
+          </p:cNvPicPr>
+          <p:nvPr/>
+        </p:nvPicPr>
+        <p:blipFill>
+          <a:blip r:embed="rId3">
+            <a:extLst>
+              <a:ext uri="{28A0092B-C50C-407E-A947-70E740481C1C}">
+                <a14:useLocalDpi xmlns:a14="http://schemas.microsoft.com/office/drawing/2010/main" val="0"/>
+              </a:ext>
+            </a:extLst>
+          </a:blip>
+          <a:srcRect/>
+          <a:stretch>
+            <a:fillRect/>
+          </a:stretch>
+        </p:blipFill>
+        <p:spPr bwMode="auto">
+          <a:xfrm>
+            <a:off x="4419600" y="2076880"/>
+            <a:ext cx="4235998" cy="3994472"/>
+          </a:xfrm>
+          <a:prstGeom prst="rect">
+            <a:avLst/>
+          </a:prstGeom>
+          <a:noFill/>
+          <a:ln>
+            <a:noFill/>
+          </a:ln>
+          <a:extLst>
+            <a:ext uri="{909E8E84-426E-40DD-AFC4-6F175D3DCCD1}">
+              <a14:hiddenFill xmlns:a14="http://schemas.microsoft.com/office/drawing/2010/main">
+                <a:solidFill>
+                  <a:schemeClr val="accent1"/>
+                </a:solidFill>
+              </a14:hiddenFill>
+            </a:ext>
+            <a:ext uri="{91240B29-F687-4F45-9708-019B960494DF}">
+              <a14:hiddenLine xmlns:a14="http://schemas.microsoft.com/office/drawing/2010/main" w="9525">
+                <a:solidFill>
+                  <a:schemeClr val="tx1"/>
+                </a:solidFill>
+                <a:miter lim="800000"/>
+                <a:headEnd/>
+                <a:tailEnd/>
+              </a14:hiddenLine>
+            </a:ext>
+          </a:extLst>
+        </p:spPr>
+      </p:pic>
     </p:spTree>
     <p:extLst>
       <p:ext uri="{BB962C8B-B14F-4D97-AF65-F5344CB8AC3E}">
@@ -7527,6 +7689,60 @@
           </a:p>
         </p:txBody>
       </p:sp>
+      <p:pic>
+        <p:nvPicPr>
+          <p:cNvPr id="7" name="Picture 2"/>
+          <p:cNvPicPr>
+            <a:picLocks noChangeAspect="1" noChangeArrowheads="1"/>
+          </p:cNvPicPr>
+          <p:nvPr/>
+        </p:nvPicPr>
+        <p:blipFill>
+          <a:blip r:embed="rId3">
+            <a:extLst>
+              <a:ext uri="{28A0092B-C50C-407E-A947-70E740481C1C}">
+                <a14:useLocalDpi xmlns:a14="http://schemas.microsoft.com/office/drawing/2010/main" val="0"/>
+              </a:ext>
+            </a:extLst>
+          </a:blip>
+          <a:srcRect/>
+          <a:stretch>
+            <a:fillRect/>
+          </a:stretch>
+        </p:blipFill>
+        <p:spPr bwMode="auto">
+          <a:xfrm>
+            <a:off x="4572000" y="2025328"/>
+            <a:ext cx="4235998" cy="3994472"/>
+          </a:xfrm>
+          <a:prstGeom prst="rect">
+            <a:avLst/>
+          </a:prstGeom>
+          <a:noFill/>
+          <a:ln>
+            <a:noFill/>
+          </a:ln>
+          <a:extLst>
+            <a:ext uri="{909E8E84-426E-40DD-AFC4-6F175D3DCCD1}">
+              <a14:hiddenFill xmlns:a14="http://schemas.microsoft.com/office/drawing/2010/main">
+                <a:solidFill>
+                  <a:schemeClr val="accent1"/>
+                </a:solidFill>
+              </a14:hiddenFill>
+            </a:ext>
+            <a:ext uri="{91240B29-F687-4F45-9708-019B960494DF}">
+              <a14:hiddenLine xmlns:a14="http://schemas.microsoft.com/office/drawing/2010/main" w="9525">
+                <a:solidFill>
+                  <a:schemeClr val="tx1"/>
+                </a:solidFill>
+                <a:miter lim="800000"/>
+                <a:headEnd/>
+                <a:tailEnd/>
+              </a14:hiddenLine>
+            </a:ext>
+          </a:extLst>
+        </p:spPr>
+      </p:pic>
     </p:spTree>
     <p:extLst>
       <p:ext uri="{BB962C8B-B14F-4D97-AF65-F5344CB8AC3E}">
@@ -7793,6 +8009,60 @@
           </a:p>
         </p:txBody>
       </p:sp>
+      <p:pic>
+        <p:nvPicPr>
+          <p:cNvPr id="7" name="Picture 2"/>
+          <p:cNvPicPr>
+            <a:picLocks noChangeAspect="1" noChangeArrowheads="1"/>
+          </p:cNvPicPr>
+          <p:nvPr/>
+        </p:nvPicPr>
+        <p:blipFill>
+          <a:blip r:embed="rId3">
+            <a:extLst>
+              <a:ext uri="{28A0092B-C50C-407E-A947-70E740481C1C}">
+                <a14:useLocalDpi xmlns:a14="http://schemas.microsoft.com/office/drawing/2010/main" val="0"/>
+              </a:ext>
+            </a:extLst>
+          </a:blip>
+          <a:srcRect/>
+          <a:stretch>
+            <a:fillRect/>
+          </a:stretch>
+        </p:blipFill>
+        <p:spPr bwMode="auto">
+          <a:xfrm>
+            <a:off x="4419600" y="2025328"/>
+            <a:ext cx="4235998" cy="3994472"/>
+          </a:xfrm>
+          <a:prstGeom prst="rect">
+            <a:avLst/>
+          </a:prstGeom>
+          <a:noFill/>
+          <a:ln>
+            <a:noFill/>
+          </a:ln>
+          <a:extLst>
+            <a:ext uri="{909E8E84-426E-40DD-AFC4-6F175D3DCCD1}">
+              <a14:hiddenFill xmlns:a14="http://schemas.microsoft.com/office/drawing/2010/main">
+                <a:solidFill>
+                  <a:schemeClr val="accent1"/>
+                </a:solidFill>
+              </a14:hiddenFill>
+            </a:ext>
+            <a:ext uri="{91240B29-F687-4F45-9708-019B960494DF}">
+              <a14:hiddenLine xmlns:a14="http://schemas.microsoft.com/office/drawing/2010/main" w="9525">
+                <a:solidFill>
+                  <a:schemeClr val="tx1"/>
+                </a:solidFill>
+                <a:miter lim="800000"/>
+                <a:headEnd/>
+                <a:tailEnd/>
+              </a14:hiddenLine>
+            </a:ext>
+          </a:extLst>
+        </p:spPr>
+      </p:pic>
     </p:spTree>
     <p:extLst>
       <p:ext uri="{BB962C8B-B14F-4D97-AF65-F5344CB8AC3E}">
@@ -8059,6 +8329,60 @@
           </a:p>
         </p:txBody>
       </p:sp>
+      <p:pic>
+        <p:nvPicPr>
+          <p:cNvPr id="7" name="Picture 2"/>
+          <p:cNvPicPr>
+            <a:picLocks noChangeAspect="1" noChangeArrowheads="1"/>
+          </p:cNvPicPr>
+          <p:nvPr/>
+        </p:nvPicPr>
+        <p:blipFill>
+          <a:blip r:embed="rId3">
+            <a:extLst>
+              <a:ext uri="{28A0092B-C50C-407E-A947-70E740481C1C}">
+                <a14:useLocalDpi xmlns:a14="http://schemas.microsoft.com/office/drawing/2010/main" val="0"/>
+              </a:ext>
+            </a:extLst>
+          </a:blip>
+          <a:srcRect/>
+          <a:stretch>
+            <a:fillRect/>
+          </a:stretch>
+        </p:blipFill>
+        <p:spPr bwMode="auto">
+          <a:xfrm>
+            <a:off x="4267200" y="3352800"/>
+            <a:ext cx="4343400" cy="2419350"/>
+          </a:xfrm>
+          <a:prstGeom prst="rect">
+            <a:avLst/>
+          </a:prstGeom>
+          <a:noFill/>
+          <a:ln>
+            <a:noFill/>
+          </a:ln>
+          <a:extLst>
+            <a:ext uri="{909E8E84-426E-40DD-AFC4-6F175D3DCCD1}">
+              <a14:hiddenFill xmlns:a14="http://schemas.microsoft.com/office/drawing/2010/main">
+                <a:solidFill>
+                  <a:schemeClr val="accent1"/>
+                </a:solidFill>
+              </a14:hiddenFill>
+            </a:ext>
+            <a:ext uri="{91240B29-F687-4F45-9708-019B960494DF}">
+              <a14:hiddenLine xmlns:a14="http://schemas.microsoft.com/office/drawing/2010/main" w="9525">
+                <a:solidFill>
+                  <a:schemeClr val="tx1"/>
+                </a:solidFill>
+                <a:miter lim="800000"/>
+                <a:headEnd/>
+                <a:tailEnd/>
+              </a14:hiddenLine>
+            </a:ext>
+          </a:extLst>
+        </p:spPr>
+      </p:pic>
     </p:spTree>
     <p:extLst>
       <p:ext uri="{BB962C8B-B14F-4D97-AF65-F5344CB8AC3E}">
@@ -8232,7 +8556,9 @@
           </a:xfrm>
         </p:spPr>
         <p:txBody>
-          <a:bodyPr/>
+          <a:bodyPr>
+            <a:normAutofit lnSpcReduction="10000"/>
+          </a:bodyPr>
           <a:lstStyle/>
           <a:p>
             <a:r>
@@ -8279,7 +8605,32 @@
             <a:pPr marL="0" indent="0">
               <a:buNone/>
             </a:pPr>
-            <a:endParaRPr lang="en-US" dirty="0"/>
+            <a:r>
+              <a:rPr lang="en-US" dirty="0" smtClean="0">
+                <a:solidFill>
+                  <a:srgbClr val="FF0000"/>
+                </a:solidFill>
+              </a:rPr>
+              <a:t>SOMEONE DELETE THIS</a:t>
+            </a:r>
+          </a:p>
+          <a:p>
+            <a:pPr marL="0" indent="0">
+              <a:buNone/>
+            </a:pPr>
+            <a:r>
+              <a:rPr lang="en-US" dirty="0" smtClean="0">
+                <a:solidFill>
+                  <a:srgbClr val="FF0000"/>
+                </a:solidFill>
+              </a:rPr>
+              <a:t> SLIDE</a:t>
+            </a:r>
+            <a:endParaRPr lang="en-US" dirty="0">
+              <a:solidFill>
+                <a:srgbClr val="FF0000"/>
+              </a:solidFill>
+            </a:endParaRPr>
           </a:p>
           <a:p>
             <a:pPr marL="0" indent="0">
@@ -10860,6 +11211,60 @@
           </a:p>
         </p:txBody>
       </p:sp>
+      <p:pic>
+        <p:nvPicPr>
+          <p:cNvPr id="6" name="Picture 2"/>
+          <p:cNvPicPr>
+            <a:picLocks noChangeAspect="1" noChangeArrowheads="1"/>
+          </p:cNvPicPr>
+          <p:nvPr/>
+        </p:nvPicPr>
+        <p:blipFill>
+          <a:blip r:embed="rId3">
+            <a:extLst>
+              <a:ext uri="{28A0092B-C50C-407E-A947-70E740481C1C}">
+                <a14:useLocalDpi xmlns:a14="http://schemas.microsoft.com/office/drawing/2010/main" val="0"/>
+              </a:ext>
+            </a:extLst>
+          </a:blip>
+          <a:srcRect/>
+          <a:stretch>
+            <a:fillRect/>
+          </a:stretch>
+        </p:blipFill>
+        <p:spPr bwMode="auto">
+          <a:xfrm>
+            <a:off x="4191000" y="3810000"/>
+            <a:ext cx="4343400" cy="2419350"/>
+          </a:xfrm>
+          <a:prstGeom prst="rect">
+            <a:avLst/>
+          </a:prstGeom>
+          <a:noFill/>
+          <a:ln>
+            <a:noFill/>
+          </a:ln>
+          <a:extLst>
+            <a:ext uri="{909E8E84-426E-40DD-AFC4-6F175D3DCCD1}">
+              <a14:hiddenFill xmlns:a14="http://schemas.microsoft.com/office/drawing/2010/main">
+                <a:solidFill>
+                  <a:schemeClr val="accent1"/>
+                </a:solidFill>
+              </a14:hiddenFill>
+            </a:ext>
+            <a:ext uri="{91240B29-F687-4F45-9708-019B960494DF}">
+              <a14:hiddenLine xmlns:a14="http://schemas.microsoft.com/office/drawing/2010/main" w="9525">
+                <a:solidFill>
+                  <a:schemeClr val="tx1"/>
+                </a:solidFill>
+                <a:miter lim="800000"/>
+                <a:headEnd/>
+                <a:tailEnd/>
+              </a14:hiddenLine>
+            </a:ext>
+          </a:extLst>
+        </p:spPr>
+      </p:pic>
     </p:spTree>
     <p:extLst>
       <p:ext uri="{BB962C8B-B14F-4D97-AF65-F5344CB8AC3E}">
@@ -11126,6 +11531,60 @@
           </a:p>
         </p:txBody>
       </p:sp>
+      <p:pic>
+        <p:nvPicPr>
+          <p:cNvPr id="7" name="Picture 2"/>
+          <p:cNvPicPr>
+            <a:picLocks noChangeAspect="1" noChangeArrowheads="1"/>
+          </p:cNvPicPr>
+          <p:nvPr/>
+        </p:nvPicPr>
+        <p:blipFill>
+          <a:blip r:embed="rId3">
+            <a:extLst>
+              <a:ext uri="{28A0092B-C50C-407E-A947-70E740481C1C}">
+                <a14:useLocalDpi xmlns:a14="http://schemas.microsoft.com/office/drawing/2010/main" val="0"/>
+              </a:ext>
+            </a:extLst>
+          </a:blip>
+          <a:srcRect/>
+          <a:stretch>
+            <a:fillRect/>
+          </a:stretch>
+        </p:blipFill>
+        <p:spPr bwMode="auto">
+          <a:xfrm>
+            <a:off x="4679402" y="2025328"/>
+            <a:ext cx="4235998" cy="3994472"/>
+          </a:xfrm>
+          <a:prstGeom prst="rect">
+            <a:avLst/>
+          </a:prstGeom>
+          <a:noFill/>
+          <a:ln>
+            <a:noFill/>
+          </a:ln>
+          <a:extLst>
+            <a:ext uri="{909E8E84-426E-40DD-AFC4-6F175D3DCCD1}">
+              <a14:hiddenFill xmlns:a14="http://schemas.microsoft.com/office/drawing/2010/main">
+                <a:solidFill>
+                  <a:schemeClr val="accent1"/>
+                </a:solidFill>
+              </a14:hiddenFill>
+            </a:ext>
+            <a:ext uri="{91240B29-F687-4F45-9708-019B960494DF}">
+              <a14:hiddenLine xmlns:a14="http://schemas.microsoft.com/office/drawing/2010/main" w="9525">
+                <a:solidFill>
+                  <a:schemeClr val="tx1"/>
+                </a:solidFill>
+                <a:miter lim="800000"/>
+                <a:headEnd/>
+                <a:tailEnd/>
+              </a14:hiddenLine>
+            </a:ext>
+          </a:extLst>
+        </p:spPr>
+      </p:pic>
     </p:spTree>
     <p:extLst>
       <p:ext uri="{BB962C8B-B14F-4D97-AF65-F5344CB8AC3E}">
@@ -11392,6 +11851,60 @@
           </a:p>
         </p:txBody>
       </p:sp>
+      <p:pic>
+        <p:nvPicPr>
+          <p:cNvPr id="7" name="Picture 2"/>
+          <p:cNvPicPr>
+            <a:picLocks noChangeAspect="1" noChangeArrowheads="1"/>
+          </p:cNvPicPr>
+          <p:nvPr/>
+        </p:nvPicPr>
+        <p:blipFill>
+          <a:blip r:embed="rId3">
+            <a:extLst>
+              <a:ext uri="{28A0092B-C50C-407E-A947-70E740481C1C}">
+                <a14:useLocalDpi xmlns:a14="http://schemas.microsoft.com/office/drawing/2010/main" val="0"/>
+              </a:ext>
+            </a:extLst>
+          </a:blip>
+          <a:srcRect/>
+          <a:stretch>
+            <a:fillRect/>
+          </a:stretch>
+        </p:blipFill>
+        <p:spPr bwMode="auto">
+          <a:xfrm>
+            <a:off x="4679402" y="2025328"/>
+            <a:ext cx="4235998" cy="3994472"/>
+          </a:xfrm>
+          <a:prstGeom prst="rect">
+            <a:avLst/>
+          </a:prstGeom>
+          <a:noFill/>
+          <a:ln>
+            <a:noFill/>
+          </a:ln>
+          <a:extLst>
+            <a:ext uri="{909E8E84-426E-40DD-AFC4-6F175D3DCCD1}">
+              <a14:hiddenFill xmlns:a14="http://schemas.microsoft.com/office/drawing/2010/main">
+                <a:solidFill>
+                  <a:schemeClr val="accent1"/>
+                </a:solidFill>
+              </a14:hiddenFill>
+            </a:ext>
+            <a:ext uri="{91240B29-F687-4F45-9708-019B960494DF}">
+              <a14:hiddenLine xmlns:a14="http://schemas.microsoft.com/office/drawing/2010/main" w="9525">
+                <a:solidFill>
+                  <a:schemeClr val="tx1"/>
+                </a:solidFill>
+                <a:miter lim="800000"/>
+                <a:headEnd/>
+                <a:tailEnd/>
+              </a14:hiddenLine>
+            </a:ext>
+          </a:extLst>
+        </p:spPr>
+      </p:pic>
     </p:spTree>
     <p:extLst>
       <p:ext uri="{BB962C8B-B14F-4D97-AF65-F5344CB8AC3E}">

--- a/TEAM PROJECT DELIVERABLES/TEAM5OARS.pptx
+++ b/TEAM PROJECT DELIVERABLES/TEAM5OARS.pptx
@@ -5,7 +5,7 @@
     <p:sldMasterId id="2147483732" r:id="rId1"/>
   </p:sldMasterIdLst>
   <p:handoutMasterIdLst>
-    <p:handoutMasterId r:id="rId24"/>
+    <p:handoutMasterId r:id="rId23"/>
   </p:handoutMasterIdLst>
   <p:sldIdLst>
     <p:sldId id="256" r:id="rId2"/>
@@ -23,13 +23,12 @@
     <p:sldId id="277" r:id="rId14"/>
     <p:sldId id="279" r:id="rId15"/>
     <p:sldId id="278" r:id="rId16"/>
-    <p:sldId id="271" r:id="rId17"/>
-    <p:sldId id="258" r:id="rId18"/>
-    <p:sldId id="262" r:id="rId19"/>
-    <p:sldId id="263" r:id="rId20"/>
-    <p:sldId id="264" r:id="rId21"/>
-    <p:sldId id="268" r:id="rId22"/>
-    <p:sldId id="267" r:id="rId23"/>
+    <p:sldId id="258" r:id="rId17"/>
+    <p:sldId id="262" r:id="rId18"/>
+    <p:sldId id="263" r:id="rId19"/>
+    <p:sldId id="264" r:id="rId20"/>
+    <p:sldId id="268" r:id="rId21"/>
+    <p:sldId id="267" r:id="rId22"/>
   </p:sldIdLst>
   <p:sldSz cx="9144000" cy="6858000" type="screen4x3"/>
   <p:notesSz cx="7023100" cy="9309100"/>
@@ -130,7 +129,7 @@
   </p:defaultTextStyle>
   <p:extLst>
     <p:ext uri="{EFAFB233-063F-42B5-8137-9DF3F51BA10A}">
-      <p15:sldGuideLst xmlns="" xmlns:p15="http://schemas.microsoft.com/office/powerpoint/2012/main">
+      <p15:sldGuideLst xmlns:p15="http://schemas.microsoft.com/office/powerpoint/2012/main">
         <p15:guide id="1" orient="horz" pos="2160">
           <p15:clr>
             <a:srgbClr val="A4A3A4"/>
@@ -8432,7 +8431,7 @@
         </p:nvSpPr>
         <p:spPr>
           <a:xfrm>
-            <a:off x="609600" y="-152400"/>
+            <a:off x="304800" y="0"/>
             <a:ext cx="8534400" cy="2054352"/>
           </a:xfrm>
         </p:spPr>
@@ -8444,19 +8443,7 @@
           <a:p>
             <a:r>
               <a:rPr lang="en-US" sz="2400" b="1" dirty="0" smtClean="0"/>
-              <a:t>TEAM</a:t>
-            </a:r>
-            <a:r>
-              <a:rPr lang="en-US" sz="2400" b="1" dirty="0">
-                <a:solidFill>
-                  <a:srgbClr val="FF0000"/>
-                </a:solidFill>
-              </a:rPr>
-              <a:t>5</a:t>
-            </a:r>
-            <a:r>
-              <a:rPr lang="en-US" sz="2400" b="1" dirty="0" smtClean="0"/>
-              <a:t>O</a:t>
+              <a:t>TEAMO</a:t>
             </a:r>
             <a:r>
               <a:rPr lang="en-US" sz="2400" b="1" dirty="0" smtClean="0">
@@ -8518,113 +8505,38 @@
               <a:t>ystem</a:t>
             </a:r>
             <a:r>
-              <a:rPr lang="en-US" sz="2400" dirty="0"/>
+              <a:rPr lang="en-US" sz="3600" dirty="0">
+                <a:solidFill>
+                  <a:srgbClr val="8CADAE">
+                    <a:shade val="75000"/>
+                  </a:srgbClr>
+                </a:solidFill>
+              </a:rPr>
               <a:t/>
             </a:r>
             <a:br>
-              <a:rPr lang="en-US" sz="2400" dirty="0"/>
+              <a:rPr lang="en-US" sz="3600" dirty="0">
+                <a:solidFill>
+                  <a:srgbClr val="8CADAE">
+                    <a:shade val="75000"/>
+                  </a:srgbClr>
+                </a:solidFill>
+              </a:rPr>
             </a:br>
             <a:r>
-              <a:rPr lang="en-US" sz="2400" dirty="0"/>
+              <a:rPr lang="en-US" sz="3600" dirty="0" smtClean="0"/>
               <a:t/>
             </a:r>
             <a:br>
-              <a:rPr lang="en-US" sz="2400" dirty="0"/>
+              <a:rPr lang="en-US" sz="3600" dirty="0" smtClean="0"/>
             </a:br>
             <a:r>
-              <a:rPr lang="en-US" dirty="0" smtClean="0"/>
-              <a:t>Data Design – Relational Model</a:t>
-            </a:r>
-            <a:endParaRPr lang="en-US" dirty="0"/>
-          </a:p>
-        </p:txBody>
-      </p:sp>
-      <p:sp>
-        <p:nvSpPr>
-          <p:cNvPr id="3" name="Content Placeholder 2"/>
-          <p:cNvSpPr>
-            <a:spLocks noGrp="1"/>
-          </p:cNvSpPr>
-          <p:nvPr>
-            <p:ph sz="quarter" idx="1"/>
-          </p:nvPr>
-        </p:nvSpPr>
-        <p:spPr>
-          <a:xfrm>
-            <a:off x="320040" y="2261419"/>
-            <a:ext cx="8503920" cy="4572000"/>
-          </a:xfrm>
-        </p:spPr>
-        <p:txBody>
-          <a:bodyPr>
-            <a:normAutofit lnSpcReduction="10000"/>
-          </a:bodyPr>
-          <a:lstStyle/>
-          <a:p>
-            <a:r>
-              <a:rPr lang="en-US" dirty="0" smtClean="0"/>
-              <a:t>ERD with “labeled ovals” showing the Relations.</a:t>
-            </a:r>
-          </a:p>
-          <a:p>
-            <a:endParaRPr lang="en-US" dirty="0"/>
-          </a:p>
-          <a:p>
-            <a:r>
-              <a:rPr lang="en-US" dirty="0" smtClean="0"/>
-              <a:t>TABLE … format to describe the Relations.</a:t>
-            </a:r>
-          </a:p>
-          <a:p>
-            <a:pPr marL="0" indent="0">
-              <a:buNone/>
-            </a:pPr>
-            <a:r>
-              <a:rPr lang="en-US" dirty="0"/>
-              <a:t> </a:t>
-            </a:r>
-            <a:r>
-              <a:rPr lang="en-US" dirty="0" smtClean="0"/>
-              <a:t>    (please see the MRT 13 – Relational Model, also   </a:t>
-            </a:r>
-          </a:p>
-          <a:p>
-            <a:pPr marL="0" indent="0">
-              <a:buNone/>
-            </a:pPr>
-            <a:r>
-              <a:rPr lang="en-US" dirty="0"/>
-              <a:t> </a:t>
-            </a:r>
-            <a:r>
-              <a:rPr lang="en-US" dirty="0" smtClean="0"/>
-              <a:t>     shown below</a:t>
-            </a:r>
-          </a:p>
-          <a:p>
-            <a:pPr marL="0" indent="0">
-              <a:buNone/>
-            </a:pPr>
-            <a:r>
               <a:rPr lang="en-US" dirty="0" smtClean="0">
                 <a:solidFill>
                   <a:srgbClr val="FF0000"/>
                 </a:solidFill>
               </a:rPr>
-              <a:t>SOMEONE DELETE THIS</a:t>
-            </a:r>
-          </a:p>
-          <a:p>
-            <a:pPr marL="0" indent="0">
-              <a:buNone/>
-            </a:pPr>
-            <a:r>
-              <a:rPr lang="en-US" dirty="0" smtClean="0">
-                <a:solidFill>
-                  <a:srgbClr val="FF0000"/>
-                </a:solidFill>
-              </a:rPr>
-              <a:t> SLIDE</a:t>
+              <a:t>FRONT END</a:t>
             </a:r>
             <a:endParaRPr lang="en-US" dirty="0">
               <a:solidFill>
@@ -8632,107 +8544,49 @@
               </a:solidFill>
             </a:endParaRPr>
           </a:p>
-          <a:p>
-            <a:pPr marL="0" indent="0">
-              <a:buNone/>
-            </a:pPr>
-            <a:endParaRPr lang="en-US" dirty="0" smtClean="0"/>
-          </a:p>
-          <a:p>
-            <a:pPr marL="0" indent="0">
-              <a:buNone/>
-            </a:pPr>
-            <a:endParaRPr lang="en-US" dirty="0" smtClean="0"/>
-          </a:p>
-          <a:p>
-            <a:pPr marL="0" indent="0">
-              <a:buNone/>
-            </a:pPr>
+        </p:txBody>
+      </p:sp>
+      <p:sp>
+        <p:nvSpPr>
+          <p:cNvPr id="3" name="Content Placeholder 2"/>
+          <p:cNvSpPr>
+            <a:spLocks noGrp="1"/>
+          </p:cNvSpPr>
+          <p:nvPr>
+            <p:ph sz="quarter" idx="1"/>
+          </p:nvPr>
+        </p:nvSpPr>
+        <p:spPr>
+          <a:xfrm>
+            <a:off x="320040" y="1981200"/>
+            <a:ext cx="8503920" cy="4572000"/>
+          </a:xfrm>
+        </p:spPr>
+        <p:txBody>
+          <a:bodyPr/>
+          <a:lstStyle/>
+          <a:p>
+            <a:r>
+              <a:rPr lang="en-US" dirty="0" smtClean="0"/>
+              <a:t>Added by VH;</a:t>
+            </a:r>
+            <a:endParaRPr lang="en-US" dirty="0"/>
+          </a:p>
+          <a:p>
             <a:r>
               <a:rPr lang="en-US" dirty="0"/>
-              <a:t> </a:t>
-            </a:r>
-            <a:r>
-              <a:rPr lang="en-US" dirty="0" smtClean="0"/>
-              <a:t>    )</a:t>
-            </a:r>
-          </a:p>
-          <a:p>
-            <a:pPr marL="0" indent="0">
-              <a:buNone/>
-            </a:pPr>
-            <a:endParaRPr lang="en-US" dirty="0" smtClean="0"/>
-          </a:p>
-        </p:txBody>
-      </p:sp>
-      <p:pic>
-        <p:nvPicPr>
-          <p:cNvPr id="1027" name="Picture 3"/>
-          <p:cNvPicPr>
-            <a:picLocks noChangeAspect="1" noChangeArrowheads="1"/>
-          </p:cNvPicPr>
-          <p:nvPr/>
-        </p:nvPicPr>
-        <p:blipFill>
-          <a:blip r:embed="rId2" cstate="print">
-            <a:extLst>
-              <a:ext uri="{28A0092B-C50C-407E-A947-70E740481C1C}">
-                <a14:useLocalDpi xmlns:a14="http://schemas.microsoft.com/office/drawing/2010/main" val="0"/>
-              </a:ext>
-            </a:extLst>
-          </a:blip>
-          <a:srcRect/>
-          <a:stretch>
-            <a:fillRect/>
-          </a:stretch>
-        </p:blipFill>
-        <p:spPr bwMode="auto">
-          <a:xfrm>
-            <a:off x="4495800" y="4419600"/>
-            <a:ext cx="4420392" cy="2145265"/>
-          </a:xfrm>
-          <a:prstGeom prst="rect">
-            <a:avLst/>
-          </a:prstGeom>
-          <a:noFill/>
-          <a:ln>
-            <a:noFill/>
-          </a:ln>
-          <a:effectLst/>
-          <a:extLst>
-            <a:ext uri="{909E8E84-426E-40DD-AFC4-6F175D3DCCD1}">
-              <a14:hiddenFill xmlns:a14="http://schemas.microsoft.com/office/drawing/2010/main">
-                <a:solidFill>
-                  <a:schemeClr val="accent1"/>
-                </a:solidFill>
-              </a14:hiddenFill>
-            </a:ext>
-            <a:ext uri="{91240B29-F687-4F45-9708-019B960494DF}">
-              <a14:hiddenLine xmlns:a14="http://schemas.microsoft.com/office/drawing/2010/main" w="9525">
-                <a:solidFill>
-                  <a:schemeClr val="tx1"/>
-                </a:solidFill>
-                <a:miter lim="800000"/>
-                <a:headEnd/>
-                <a:tailEnd/>
-              </a14:hiddenLine>
-            </a:ext>
-            <a:ext uri="{AF507438-7753-43E0-B8FC-AC1667EBCBE1}">
-              <a14:hiddenEffects xmlns:a14="http://schemas.microsoft.com/office/drawing/2010/main">
-                <a:effectLst>
-                  <a:outerShdw dist="35921" dir="2700000" algn="ctr" rotWithShape="0">
-                    <a:schemeClr val="bg2"/>
-                  </a:outerShdw>
-                </a:effectLst>
-              </a14:hiddenEffects>
-            </a:ext>
-          </a:extLst>
-        </p:spPr>
-      </p:pic>
+              <a:t>Please place these as dividers </a:t>
+            </a:r>
+          </a:p>
+          <a:p>
+            <a:endParaRPr lang="en-US" dirty="0"/>
+          </a:p>
+        </p:txBody>
+      </p:sp>
     </p:spTree>
     <p:extLst>
       <p:ext uri="{BB962C8B-B14F-4D97-AF65-F5344CB8AC3E}">
-        <p14:creationId xmlns:p14="http://schemas.microsoft.com/office/powerpoint/2010/main" val="3210348186"/>
+        <p14:creationId xmlns:p14="http://schemas.microsoft.com/office/powerpoint/2010/main" val="3428671890"/>
       </p:ext>
     </p:extLst>
   </p:cSld>
@@ -8784,13 +8638,25 @@
         </p:spPr>
         <p:txBody>
           <a:bodyPr>
-            <a:normAutofit/>
+            <a:normAutofit fontScale="90000"/>
           </a:bodyPr>
           <a:lstStyle/>
           <a:p>
             <a:r>
               <a:rPr lang="en-US" sz="2400" b="1" dirty="0" smtClean="0"/>
-              <a:t>TEAMO</a:t>
+              <a:t>TEAM</a:t>
+            </a:r>
+            <a:r>
+              <a:rPr lang="en-US" sz="2400" b="1" dirty="0">
+                <a:solidFill>
+                  <a:srgbClr val="FF0000"/>
+                </a:solidFill>
+              </a:rPr>
+              <a:t>5</a:t>
+            </a:r>
+            <a:r>
+              <a:rPr lang="en-US" sz="2400" b="1" dirty="0" smtClean="0"/>
+              <a:t>O</a:t>
             </a:r>
             <a:r>
               <a:rPr lang="en-US" sz="2400" b="1" dirty="0" smtClean="0">
@@ -8844,31 +8710,15 @@
               <a:t>ental </a:t>
             </a:r>
             <a:r>
-              <a:rPr lang="en-US" sz="2400" b="1" dirty="0" smtClean="0"/>
+              <a:rPr lang="en-US" sz="2400" b="1" dirty="0"/>
               <a:t>S</a:t>
             </a:r>
             <a:r>
-              <a:rPr lang="en-US" sz="2400" dirty="0" smtClean="0"/>
+              <a:rPr lang="en-US" sz="2400" dirty="0"/>
               <a:t>ystem</a:t>
             </a:r>
-            <a:r>
-              <a:rPr lang="en-US" sz="3600" dirty="0">
-                <a:solidFill>
-                  <a:srgbClr val="8CADAE">
-                    <a:shade val="75000"/>
-                  </a:srgbClr>
-                </a:solidFill>
-              </a:rPr>
-              <a:t/>
-            </a:r>
             <a:br>
-              <a:rPr lang="en-US" sz="3600" dirty="0">
-                <a:solidFill>
-                  <a:srgbClr val="8CADAE">
-                    <a:shade val="75000"/>
-                  </a:srgbClr>
-                </a:solidFill>
-              </a:rPr>
+              <a:rPr lang="en-US" sz="2400" dirty="0"/>
             </a:br>
             <a:r>
               <a:rPr lang="en-US" sz="3600" dirty="0" smtClean="0"/>
@@ -8878,18 +8728,14 @@
               <a:rPr lang="en-US" sz="3600" dirty="0" smtClean="0"/>
             </a:br>
             <a:r>
-              <a:rPr lang="en-US" dirty="0" smtClean="0">
-                <a:solidFill>
-                  <a:srgbClr val="FF0000"/>
-                </a:solidFill>
-              </a:rPr>
-              <a:t>FRONT END</a:t>
-            </a:r>
-            <a:endParaRPr lang="en-US" dirty="0">
-              <a:solidFill>
-                <a:srgbClr val="FF0000"/>
-              </a:solidFill>
-            </a:endParaRPr>
+              <a:rPr lang="en-US" sz="3600" dirty="0" smtClean="0"/>
+              <a:t>Business Modeling: </a:t>
+            </a:r>
+            <a:r>
+              <a:rPr lang="en-US" dirty="0" smtClean="0"/>
+              <a:t>UML USE CASE Model</a:t>
+            </a:r>
+            <a:endParaRPr lang="en-US" dirty="0"/>
           </a:p>
         </p:txBody>
       </p:sp>
@@ -8915,15 +8761,16 @@
           <a:p>
             <a:r>
               <a:rPr lang="en-US" dirty="0" smtClean="0"/>
-              <a:t>Added by VH;</a:t>
+              <a:t>Actors;</a:t>
             </a:r>
             <a:endParaRPr lang="en-US" dirty="0"/>
           </a:p>
           <a:p>
             <a:r>
-              <a:rPr lang="en-US" dirty="0"/>
-              <a:t>Please place these as dividers </a:t>
-            </a:r>
+              <a:rPr lang="en-US" dirty="0" smtClean="0"/>
+              <a:t>UML USE CASE Model</a:t>
+            </a:r>
+            <a:endParaRPr lang="en-US" dirty="0"/>
           </a:p>
           <a:p>
             <a:endParaRPr lang="en-US" dirty="0"/>
@@ -8933,7 +8780,7 @@
     </p:spTree>
     <p:extLst>
       <p:ext uri="{BB962C8B-B14F-4D97-AF65-F5344CB8AC3E}">
-        <p14:creationId xmlns:p14="http://schemas.microsoft.com/office/powerpoint/2010/main" val="3428671890"/>
+        <p14:creationId xmlns:p14="http://schemas.microsoft.com/office/powerpoint/2010/main" val="3145259814"/>
       </p:ext>
     </p:extLst>
   </p:cSld>
@@ -8990,11 +8837,11 @@
           <a:lstStyle/>
           <a:p>
             <a:r>
-              <a:rPr lang="en-US" sz="2400" b="1" dirty="0" smtClean="0"/>
+              <a:rPr lang="en-US" sz="2800" b="1" dirty="0" smtClean="0"/>
               <a:t>TEAM</a:t>
             </a:r>
             <a:r>
-              <a:rPr lang="en-US" sz="2400" b="1" dirty="0">
+              <a:rPr lang="en-US" sz="2800" b="1" dirty="0">
                 <a:solidFill>
                   <a:srgbClr val="FF0000"/>
                 </a:solidFill>
@@ -9002,11 +8849,11 @@
               <a:t>5</a:t>
             </a:r>
             <a:r>
-              <a:rPr lang="en-US" sz="2400" b="1" dirty="0" smtClean="0"/>
+              <a:rPr lang="en-US" sz="2800" b="1" dirty="0" smtClean="0"/>
               <a:t>O</a:t>
             </a:r>
             <a:r>
-              <a:rPr lang="en-US" sz="2400" b="1" dirty="0" smtClean="0">
+              <a:rPr lang="en-US" sz="2800" b="1" dirty="0" smtClean="0">
                 <a:solidFill>
                   <a:srgbClr val="FF0000"/>
                 </a:solidFill>
@@ -9014,26 +8861,26 @@
               <a:t>AR</a:t>
             </a:r>
             <a:r>
-              <a:rPr lang="en-US" sz="2400" b="1" dirty="0" smtClean="0"/>
+              <a:rPr lang="en-US" sz="2800" b="1" dirty="0" smtClean="0"/>
               <a:t>S</a:t>
             </a:r>
             <a:r>
-              <a:rPr lang="en-US" sz="2400" dirty="0"/>
+              <a:rPr lang="en-US" sz="2800" dirty="0"/>
               <a:t/>
             </a:r>
             <a:br>
-              <a:rPr lang="en-US" sz="2400" dirty="0"/>
+              <a:rPr lang="en-US" sz="2800" dirty="0"/>
             </a:br>
             <a:r>
-              <a:rPr lang="en-US" sz="2400" b="1" dirty="0"/>
+              <a:rPr lang="en-US" sz="2800" b="1" dirty="0"/>
               <a:t>O</a:t>
             </a:r>
             <a:r>
-              <a:rPr lang="en-US" sz="2400" dirty="0"/>
+              <a:rPr lang="en-US" sz="2800" dirty="0"/>
               <a:t>nline </a:t>
             </a:r>
             <a:r>
-              <a:rPr lang="en-US" sz="2400" b="1" dirty="0">
+              <a:rPr lang="en-US" sz="2800" b="1" dirty="0">
                 <a:solidFill>
                   <a:srgbClr val="FF0000"/>
                 </a:solidFill>
@@ -9041,11 +8888,11 @@
               <a:t>A</a:t>
             </a:r>
             <a:r>
-              <a:rPr lang="en-US" sz="2400" dirty="0"/>
+              <a:rPr lang="en-US" sz="2800" dirty="0"/>
               <a:t>partment </a:t>
             </a:r>
             <a:r>
-              <a:rPr lang="en-US" sz="2400" b="1" dirty="0">
+              <a:rPr lang="en-US" sz="2800" b="1" dirty="0">
                 <a:solidFill>
                   <a:srgbClr val="FF0000"/>
                 </a:solidFill>
@@ -9053,19 +8900,19 @@
               <a:t>R</a:t>
             </a:r>
             <a:r>
-              <a:rPr lang="en-US" sz="2400" dirty="0"/>
+              <a:rPr lang="en-US" sz="2800" dirty="0"/>
               <a:t>ental </a:t>
             </a:r>
             <a:r>
-              <a:rPr lang="en-US" sz="2400" b="1" dirty="0"/>
+              <a:rPr lang="en-US" sz="2800" b="1" dirty="0" smtClean="0"/>
               <a:t>S</a:t>
             </a:r>
             <a:r>
-              <a:rPr lang="en-US" sz="2400" dirty="0"/>
+              <a:rPr lang="en-US" sz="2800" dirty="0" smtClean="0"/>
               <a:t>ystem</a:t>
             </a:r>
             <a:br>
-              <a:rPr lang="en-US" sz="2400" dirty="0"/>
+              <a:rPr lang="en-US" sz="2800" dirty="0" smtClean="0"/>
             </a:br>
             <a:r>
               <a:rPr lang="en-US" sz="3600" dirty="0" smtClean="0"/>
@@ -9076,11 +8923,11 @@
             </a:br>
             <a:r>
               <a:rPr lang="en-US" sz="3600" dirty="0" smtClean="0"/>
-              <a:t>Business Modeling: </a:t>
+              <a:t>Contract: </a:t>
             </a:r>
             <a:r>
               <a:rPr lang="en-US" dirty="0" smtClean="0"/>
-              <a:t>UML USE CASE Model</a:t>
+              <a:t>Software Requirements Specification</a:t>
             </a:r>
             <a:endParaRPr lang="en-US" dirty="0"/>
           </a:p>
@@ -9098,8 +8945,8 @@
         </p:nvSpPr>
         <p:spPr>
           <a:xfrm>
-            <a:off x="320040" y="1981200"/>
-            <a:ext cx="8503920" cy="4572000"/>
+            <a:off x="-76200" y="1981200"/>
+            <a:ext cx="9220200" cy="4572000"/>
           </a:xfrm>
         </p:spPr>
         <p:txBody>
@@ -9108,14 +8955,28 @@
           <a:p>
             <a:r>
               <a:rPr lang="en-US" dirty="0" smtClean="0"/>
-              <a:t>Actors;</a:t>
+              <a:t>Summary of </a:t>
+            </a:r>
+            <a:r>
+              <a:rPr lang="en-US" dirty="0" err="1" smtClean="0"/>
+              <a:t>Ucs</a:t>
+            </a:r>
+            <a:r>
+              <a:rPr lang="en-US" dirty="0" smtClean="0"/>
+              <a:t>;</a:t>
+            </a:r>
+          </a:p>
+          <a:p>
+            <a:r>
+              <a:rPr lang="en-US" dirty="0" smtClean="0"/>
+              <a:t>Table 3.2 Functional &amp; Non-Functional Requirements;</a:t>
             </a:r>
             <a:endParaRPr lang="en-US" dirty="0"/>
           </a:p>
           <a:p>
             <a:r>
               <a:rPr lang="en-US" dirty="0" smtClean="0"/>
-              <a:t>UML USE CASE Model</a:t>
+              <a:t>Appendix with Actors and UML USE CASE Diagram.</a:t>
             </a:r>
             <a:endParaRPr lang="en-US" dirty="0"/>
           </a:p>
@@ -9127,20 +8988,13 @@
     </p:spTree>
     <p:extLst>
       <p:ext uri="{BB962C8B-B14F-4D97-AF65-F5344CB8AC3E}">
-        <p14:creationId xmlns:p14="http://schemas.microsoft.com/office/powerpoint/2010/main" val="3145259814"/>
+        <p14:creationId xmlns:p14="http://schemas.microsoft.com/office/powerpoint/2010/main" val="3552573354"/>
       </p:ext>
     </p:extLst>
   </p:cSld>
   <p:clrMapOvr>
     <a:masterClrMapping/>
   </p:clrMapOvr>
-  <p:timing>
-    <p:tnLst>
-      <p:par>
-        <p:cTn id="1" dur="indefinite" restart="never" nodeType="tmRoot"/>
-      </p:par>
-    </p:tnLst>
-  </p:timing>
 </p:sld>
 </file>
 
@@ -9173,13 +9027,13 @@
         </p:nvSpPr>
         <p:spPr>
           <a:xfrm>
-            <a:off x="304800" y="0"/>
+            <a:off x="609600" y="-152400"/>
             <a:ext cx="8534400" cy="2054352"/>
           </a:xfrm>
         </p:spPr>
         <p:txBody>
           <a:bodyPr>
-            <a:normAutofit fontScale="90000"/>
+            <a:normAutofit/>
           </a:bodyPr>
           <a:lstStyle/>
           <a:p>
@@ -9251,30 +9105,30 @@
               <a:t>ental </a:t>
             </a:r>
             <a:r>
-              <a:rPr lang="en-US" sz="2800" b="1" dirty="0" smtClean="0"/>
+              <a:rPr lang="en-US" sz="2800" b="1" dirty="0"/>
               <a:t>S</a:t>
             </a:r>
             <a:r>
+              <a:rPr lang="en-US" sz="2800" dirty="0"/>
+              <a:t>ystem </a:t>
+            </a:r>
+            <a:r>
               <a:rPr lang="en-US" sz="2800" dirty="0" smtClean="0"/>
-              <a:t>ystem</a:t>
+              <a:t/>
             </a:r>
             <a:br>
               <a:rPr lang="en-US" sz="2800" dirty="0" smtClean="0"/>
             </a:br>
             <a:r>
-              <a:rPr lang="en-US" sz="3600" dirty="0" smtClean="0"/>
+              <a:rPr lang="en-US" sz="2800" dirty="0" smtClean="0"/>
               <a:t/>
             </a:r>
             <a:br>
-              <a:rPr lang="en-US" sz="3600" dirty="0" smtClean="0"/>
+              <a:rPr lang="en-US" sz="2800" dirty="0" smtClean="0"/>
             </a:br>
             <a:r>
-              <a:rPr lang="en-US" sz="3600" dirty="0" smtClean="0"/>
-              <a:t>Contract: </a:t>
-            </a:r>
-            <a:r>
               <a:rPr lang="en-US" dirty="0" smtClean="0"/>
-              <a:t>Software Requirements Specification</a:t>
+              <a:t>Software Project Management Plan</a:t>
             </a:r>
             <a:endParaRPr lang="en-US" dirty="0"/>
           </a:p>
@@ -9302,32 +9156,13 @@
           <a:p>
             <a:r>
               <a:rPr lang="en-US" dirty="0" smtClean="0"/>
-              <a:t>Summary of </a:t>
-            </a:r>
-            <a:r>
-              <a:rPr lang="en-US" dirty="0" err="1" smtClean="0"/>
-              <a:t>Ucs</a:t>
-            </a:r>
-            <a:r>
-              <a:rPr lang="en-US" dirty="0" smtClean="0"/>
-              <a:t>;</a:t>
-            </a:r>
-          </a:p>
-          <a:p>
-            <a:r>
-              <a:rPr lang="en-US" dirty="0" smtClean="0"/>
-              <a:t>Table 3.2 Functional &amp; Non-Functional Requirements;</a:t>
-            </a:r>
-            <a:endParaRPr lang="en-US" dirty="0"/>
-          </a:p>
-          <a:p>
-            <a:r>
-              <a:rPr lang="en-US" dirty="0" smtClean="0"/>
-              <a:t>Appendix with Actors and UML USE CASE Diagram.</a:t>
-            </a:r>
-            <a:endParaRPr lang="en-US" dirty="0"/>
-          </a:p>
-          <a:p>
+              <a:t>COCOMO II Estimates, screenshot of the CASE TOOL;</a:t>
+            </a:r>
+          </a:p>
+          <a:p>
+            <a:pPr marL="0" indent="0">
+              <a:buNone/>
+            </a:pPr>
             <a:endParaRPr lang="en-US" dirty="0"/>
           </a:p>
         </p:txBody>
@@ -9335,7 +9170,7 @@
     </p:spTree>
     <p:extLst>
       <p:ext uri="{BB962C8B-B14F-4D97-AF65-F5344CB8AC3E}">
-        <p14:creationId xmlns:p14="http://schemas.microsoft.com/office/powerpoint/2010/main" val="3552573354"/>
+        <p14:creationId xmlns:p14="http://schemas.microsoft.com/office/powerpoint/2010/main" val="1863565787"/>
       </p:ext>
     </p:extLst>
   </p:cSld>
@@ -9491,7 +9326,7 @@
       </p:sp>
       <p:sp>
         <p:nvSpPr>
-          <p:cNvPr id="3" name="Content Placeholder 2"/>
+          <p:cNvPr id="5" name="Content Placeholder 4"/>
           <p:cNvSpPr>
             <a:spLocks noGrp="1"/>
           </p:cNvSpPr>
@@ -9499,33 +9334,11 @@
             <p:ph sz="quarter" idx="1"/>
           </p:nvPr>
         </p:nvSpPr>
-        <p:spPr>
-          <a:xfrm>
-            <a:off x="320040" y="2261419"/>
-            <a:ext cx="8503920" cy="4572000"/>
-          </a:xfrm>
-        </p:spPr>
+        <p:spPr/>
         <p:txBody>
           <a:bodyPr/>
           <a:lstStyle/>
           <a:p>
-            <a:r>
-              <a:rPr lang="en-US" dirty="0"/>
-              <a:t>Added by VH; Please discuss DB </a:t>
-            </a:r>
-            <a:r>
-              <a:rPr lang="en-US" dirty="0" smtClean="0"/>
-              <a:t>first</a:t>
-            </a:r>
-          </a:p>
-          <a:p>
-            <a:endParaRPr lang="en-US" dirty="0"/>
-          </a:p>
-          <a:p>
-            <a:r>
-              <a:rPr lang="en-US" dirty="0" smtClean="0"/>
-              <a:t>Please place these as dividers </a:t>
-            </a:r>
             <a:endParaRPr lang="en-US" dirty="0"/>
           </a:p>
         </p:txBody>
@@ -9569,188 +9382,6 @@
       </p:grpSpPr>
       <p:sp>
         <p:nvSpPr>
-          <p:cNvPr id="2" name="Title 1"/>
-          <p:cNvSpPr>
-            <a:spLocks noGrp="1"/>
-          </p:cNvSpPr>
-          <p:nvPr>
-            <p:ph type="title"/>
-          </p:nvPr>
-        </p:nvSpPr>
-        <p:spPr>
-          <a:xfrm>
-            <a:off x="609600" y="-152400"/>
-            <a:ext cx="8534400" cy="2054352"/>
-          </a:xfrm>
-        </p:spPr>
-        <p:txBody>
-          <a:bodyPr>
-            <a:normAutofit/>
-          </a:bodyPr>
-          <a:lstStyle/>
-          <a:p>
-            <a:r>
-              <a:rPr lang="en-US" sz="2800" b="1" dirty="0" smtClean="0"/>
-              <a:t>TEAM</a:t>
-            </a:r>
-            <a:r>
-              <a:rPr lang="en-US" sz="2800" b="1" dirty="0">
-                <a:solidFill>
-                  <a:srgbClr val="FF0000"/>
-                </a:solidFill>
-              </a:rPr>
-              <a:t>5</a:t>
-            </a:r>
-            <a:r>
-              <a:rPr lang="en-US" sz="2800" b="1" dirty="0" smtClean="0"/>
-              <a:t>O</a:t>
-            </a:r>
-            <a:r>
-              <a:rPr lang="en-US" sz="2800" b="1" dirty="0" smtClean="0">
-                <a:solidFill>
-                  <a:srgbClr val="FF0000"/>
-                </a:solidFill>
-              </a:rPr>
-              <a:t>AR</a:t>
-            </a:r>
-            <a:r>
-              <a:rPr lang="en-US" sz="2800" b="1" dirty="0" smtClean="0"/>
-              <a:t>S</a:t>
-            </a:r>
-            <a:r>
-              <a:rPr lang="en-US" sz="2800" dirty="0"/>
-              <a:t/>
-            </a:r>
-            <a:br>
-              <a:rPr lang="en-US" sz="2800" dirty="0"/>
-            </a:br>
-            <a:r>
-              <a:rPr lang="en-US" sz="2800" b="1" dirty="0"/>
-              <a:t>O</a:t>
-            </a:r>
-            <a:r>
-              <a:rPr lang="en-US" sz="2800" dirty="0"/>
-              <a:t>nline </a:t>
-            </a:r>
-            <a:r>
-              <a:rPr lang="en-US" sz="2800" b="1" dirty="0">
-                <a:solidFill>
-                  <a:srgbClr val="FF0000"/>
-                </a:solidFill>
-              </a:rPr>
-              <a:t>A</a:t>
-            </a:r>
-            <a:r>
-              <a:rPr lang="en-US" sz="2800" dirty="0"/>
-              <a:t>partment </a:t>
-            </a:r>
-            <a:r>
-              <a:rPr lang="en-US" sz="2800" b="1" dirty="0">
-                <a:solidFill>
-                  <a:srgbClr val="FF0000"/>
-                </a:solidFill>
-              </a:rPr>
-              <a:t>R</a:t>
-            </a:r>
-            <a:r>
-              <a:rPr lang="en-US" sz="2800" dirty="0"/>
-              <a:t>ental </a:t>
-            </a:r>
-            <a:r>
-              <a:rPr lang="en-US" sz="2800" b="1" dirty="0"/>
-              <a:t>S</a:t>
-            </a:r>
-            <a:r>
-              <a:rPr lang="en-US" sz="2800" dirty="0"/>
-              <a:t>ystem </a:t>
-            </a:r>
-            <a:r>
-              <a:rPr lang="en-US" sz="2800" dirty="0" smtClean="0"/>
-              <a:t/>
-            </a:r>
-            <a:br>
-              <a:rPr lang="en-US" sz="2800" dirty="0" smtClean="0"/>
-            </a:br>
-            <a:r>
-              <a:rPr lang="en-US" sz="2800" dirty="0" smtClean="0"/>
-              <a:t/>
-            </a:r>
-            <a:br>
-              <a:rPr lang="en-US" sz="2800" dirty="0" smtClean="0"/>
-            </a:br>
-            <a:r>
-              <a:rPr lang="en-US" dirty="0" smtClean="0"/>
-              <a:t>Software Project Management Plan</a:t>
-            </a:r>
-            <a:endParaRPr lang="en-US" dirty="0"/>
-          </a:p>
-        </p:txBody>
-      </p:sp>
-      <p:sp>
-        <p:nvSpPr>
-          <p:cNvPr id="3" name="Content Placeholder 2"/>
-          <p:cNvSpPr>
-            <a:spLocks noGrp="1"/>
-          </p:cNvSpPr>
-          <p:nvPr>
-            <p:ph sz="quarter" idx="1"/>
-          </p:nvPr>
-        </p:nvSpPr>
-        <p:spPr>
-          <a:xfrm>
-            <a:off x="-76200" y="1981200"/>
-            <a:ext cx="9220200" cy="4572000"/>
-          </a:xfrm>
-        </p:spPr>
-        <p:txBody>
-          <a:bodyPr/>
-          <a:lstStyle/>
-          <a:p>
-            <a:r>
-              <a:rPr lang="en-US" dirty="0" smtClean="0"/>
-              <a:t>COCOMO II Estimates, screenshot of the CASE TOOL;</a:t>
-            </a:r>
-          </a:p>
-          <a:p>
-            <a:pPr marL="0" indent="0">
-              <a:buNone/>
-            </a:pPr>
-            <a:endParaRPr lang="en-US" dirty="0"/>
-          </a:p>
-        </p:txBody>
-      </p:sp>
-    </p:spTree>
-    <p:extLst>
-      <p:ext uri="{BB962C8B-B14F-4D97-AF65-F5344CB8AC3E}">
-        <p14:creationId xmlns:p14="http://schemas.microsoft.com/office/powerpoint/2010/main" val="1863565787"/>
-      </p:ext>
-    </p:extLst>
-  </p:cSld>
-  <p:clrMapOvr>
-    <a:masterClrMapping/>
-  </p:clrMapOvr>
-</p:sld>
-</file>
-
-<file path=ppt/slides/slide21.xml><?xml version="1.0" encoding="utf-8"?>
-<p:sld xmlns:a="http://schemas.openxmlformats.org/drawingml/2006/main" xmlns:r="http://schemas.openxmlformats.org/officeDocument/2006/relationships" xmlns:p="http://schemas.openxmlformats.org/presentationml/2006/main">
-  <p:cSld>
-    <p:spTree>
-      <p:nvGrpSpPr>
-        <p:cNvPr id="1" name=""/>
-        <p:cNvGrpSpPr/>
-        <p:nvPr/>
-      </p:nvGrpSpPr>
-      <p:grpSpPr>
-        <a:xfrm>
-          <a:off x="0" y="0"/>
-          <a:ext cx="0" cy="0"/>
-          <a:chOff x="0" y="0"/>
-          <a:chExt cx="0" cy="0"/>
-        </a:xfrm>
-      </p:grpSpPr>
-      <p:sp>
-        <p:nvSpPr>
           <p:cNvPr id="5" name="Rectangle 4"/>
           <p:cNvSpPr/>
           <p:nvPr/>
@@ -9888,7 +9519,7 @@
 </p:sld>
 </file>
 
-<file path=ppt/slides/slide22.xml><?xml version="1.0" encoding="utf-8"?>
+<file path=ppt/slides/slide21.xml><?xml version="1.0" encoding="utf-8"?>
 <p:sld xmlns:a="http://schemas.openxmlformats.org/drawingml/2006/main" xmlns:r="http://schemas.openxmlformats.org/officeDocument/2006/relationships" xmlns:p="http://schemas.openxmlformats.org/presentationml/2006/main">
   <p:cSld>
     <p:spTree>

--- a/TEAM PROJECT DELIVERABLES/TEAM5OARS.pptx
+++ b/TEAM PROJECT DELIVERABLES/TEAM5OARS.pptx
@@ -567,10 +567,9 @@
           </a:lstStyle>
           <a:p>
             <a:r>
-              <a:rPr kumimoji="0" lang="en-US" smtClean="0"/>
+              <a:rPr kumimoji="0" lang="en-US"/>
               <a:t>Click to edit Master subtitle style</a:t>
             </a:r>
-            <a:endParaRPr kumimoji="0" lang="en-US"/>
           </a:p>
         </p:txBody>
       </p:sp>
@@ -857,10 +856,9 @@
           </a:lstStyle>
           <a:p>
             <a:r>
-              <a:rPr kumimoji="0" lang="en-US" smtClean="0"/>
+              <a:rPr kumimoji="0" lang="en-US"/>
               <a:t>Click to edit Master title style</a:t>
             </a:r>
-            <a:endParaRPr kumimoji="0" lang="en-US"/>
           </a:p>
         </p:txBody>
       </p:sp>
@@ -910,10 +908,9 @@
           <a:lstStyle/>
           <a:p>
             <a:r>
-              <a:rPr kumimoji="0" lang="en-US" smtClean="0"/>
+              <a:rPr kumimoji="0" lang="en-US"/>
               <a:t>Click to edit Master title style</a:t>
             </a:r>
-            <a:endParaRPr kumimoji="0" lang="en-US"/>
           </a:p>
         </p:txBody>
       </p:sp>
@@ -934,35 +931,35 @@
           <a:p>
             <a:pPr lvl="0" eaLnBrk="1" latinLnBrk="0" hangingPunct="1"/>
             <a:r>
-              <a:rPr lang="en-US" smtClean="0"/>
+              <a:rPr lang="en-US"/>
               <a:t>Click to edit Master text styles</a:t>
             </a:r>
           </a:p>
           <a:p>
             <a:pPr lvl="1" eaLnBrk="1" latinLnBrk="0" hangingPunct="1"/>
             <a:r>
-              <a:rPr lang="en-US" smtClean="0"/>
+              <a:rPr lang="en-US"/>
               <a:t>Second level</a:t>
             </a:r>
           </a:p>
           <a:p>
             <a:pPr lvl="2" eaLnBrk="1" latinLnBrk="0" hangingPunct="1"/>
             <a:r>
-              <a:rPr lang="en-US" smtClean="0"/>
+              <a:rPr lang="en-US"/>
               <a:t>Third level</a:t>
             </a:r>
           </a:p>
           <a:p>
             <a:pPr lvl="3" eaLnBrk="1" latinLnBrk="0" hangingPunct="1"/>
             <a:r>
-              <a:rPr lang="en-US" smtClean="0"/>
+              <a:rPr lang="en-US"/>
               <a:t>Fourth level</a:t>
             </a:r>
           </a:p>
           <a:p>
             <a:pPr lvl="4" eaLnBrk="1" latinLnBrk="0" hangingPunct="1"/>
             <a:r>
-              <a:rPr lang="en-US" smtClean="0"/>
+              <a:rPr lang="en-US"/>
               <a:t>Fifth level</a:t>
             </a:r>
             <a:endParaRPr kumimoji="0" lang="en-US"/>
@@ -1469,35 +1466,35 @@
           <a:p>
             <a:pPr lvl="0" eaLnBrk="1" latinLnBrk="0" hangingPunct="1"/>
             <a:r>
-              <a:rPr lang="en-US" smtClean="0"/>
+              <a:rPr lang="en-US"/>
               <a:t>Click to edit Master text styles</a:t>
             </a:r>
           </a:p>
           <a:p>
             <a:pPr lvl="1" eaLnBrk="1" latinLnBrk="0" hangingPunct="1"/>
             <a:r>
-              <a:rPr lang="en-US" smtClean="0"/>
+              <a:rPr lang="en-US"/>
               <a:t>Second level</a:t>
             </a:r>
           </a:p>
           <a:p>
             <a:pPr lvl="2" eaLnBrk="1" latinLnBrk="0" hangingPunct="1"/>
             <a:r>
-              <a:rPr lang="en-US" smtClean="0"/>
+              <a:rPr lang="en-US"/>
               <a:t>Third level</a:t>
             </a:r>
           </a:p>
           <a:p>
             <a:pPr lvl="3" eaLnBrk="1" latinLnBrk="0" hangingPunct="1"/>
             <a:r>
-              <a:rPr lang="en-US" smtClean="0"/>
+              <a:rPr lang="en-US"/>
               <a:t>Fourth level</a:t>
             </a:r>
           </a:p>
           <a:p>
             <a:pPr lvl="4" eaLnBrk="1" latinLnBrk="0" hangingPunct="1"/>
             <a:r>
-              <a:rPr lang="en-US" smtClean="0"/>
+              <a:rPr lang="en-US"/>
               <a:t>Fifth level</a:t>
             </a:r>
             <a:endParaRPr kumimoji="0" lang="en-US"/>
@@ -1568,10 +1565,9 @@
           <a:lstStyle/>
           <a:p>
             <a:r>
-              <a:rPr kumimoji="0" lang="en-US" smtClean="0"/>
+              <a:rPr kumimoji="0" lang="en-US"/>
               <a:t>Click to edit Master title style</a:t>
             </a:r>
-            <a:endParaRPr kumimoji="0" lang="en-US"/>
           </a:p>
         </p:txBody>
       </p:sp>
@@ -1631,10 +1627,9 @@
           </a:lstStyle>
           <a:p>
             <a:r>
-              <a:rPr kumimoji="0" lang="en-US" smtClean="0"/>
+              <a:rPr kumimoji="0" lang="en-US"/>
               <a:t>Click to edit Master title style</a:t>
             </a:r>
-            <a:endParaRPr kumimoji="0" lang="en-US"/>
           </a:p>
         </p:txBody>
       </p:sp>
@@ -1732,35 +1727,35 @@
           <a:p>
             <a:pPr lvl="0" eaLnBrk="1" latinLnBrk="0" hangingPunct="1"/>
             <a:r>
-              <a:rPr lang="en-US" smtClean="0"/>
+              <a:rPr lang="en-US"/>
               <a:t>Click to edit Master text styles</a:t>
             </a:r>
           </a:p>
           <a:p>
             <a:pPr lvl="1" eaLnBrk="1" latinLnBrk="0" hangingPunct="1"/>
             <a:r>
-              <a:rPr lang="en-US" smtClean="0"/>
+              <a:rPr lang="en-US"/>
               <a:t>Second level</a:t>
             </a:r>
           </a:p>
           <a:p>
             <a:pPr lvl="2" eaLnBrk="1" latinLnBrk="0" hangingPunct="1"/>
             <a:r>
-              <a:rPr lang="en-US" smtClean="0"/>
+              <a:rPr lang="en-US"/>
               <a:t>Third level</a:t>
             </a:r>
           </a:p>
           <a:p>
             <a:pPr lvl="3" eaLnBrk="1" latinLnBrk="0" hangingPunct="1"/>
             <a:r>
-              <a:rPr lang="en-US" smtClean="0"/>
+              <a:rPr lang="en-US"/>
               <a:t>Fourth level</a:t>
             </a:r>
           </a:p>
           <a:p>
             <a:pPr lvl="4" eaLnBrk="1" latinLnBrk="0" hangingPunct="1"/>
             <a:r>
-              <a:rPr lang="en-US" smtClean="0"/>
+              <a:rPr lang="en-US"/>
               <a:t>Fifth level</a:t>
             </a:r>
             <a:endParaRPr kumimoji="0" lang="en-US"/>
@@ -2084,7 +2079,7 @@
           <a:p>
             <a:pPr lvl="0" eaLnBrk="1" latinLnBrk="0" hangingPunct="1"/>
             <a:r>
-              <a:rPr kumimoji="0" lang="en-US" smtClean="0"/>
+              <a:rPr kumimoji="0" lang="en-US"/>
               <a:t>Click to edit Master text styles</a:t>
             </a:r>
           </a:p>
@@ -2410,10 +2405,9 @@
           </a:lstStyle>
           <a:p>
             <a:r>
-              <a:rPr kumimoji="0" lang="en-US" smtClean="0"/>
+              <a:rPr kumimoji="0" lang="en-US"/>
               <a:t>Click to edit Master title style</a:t>
             </a:r>
-            <a:endParaRPr kumimoji="0" lang="en-US"/>
           </a:p>
         </p:txBody>
       </p:sp>
@@ -2468,10 +2462,9 @@
           <a:lstStyle/>
           <a:p>
             <a:r>
-              <a:rPr kumimoji="0" lang="en-US" smtClean="0"/>
+              <a:rPr kumimoji="0" lang="en-US"/>
               <a:t>Click to edit Master title style</a:t>
             </a:r>
-            <a:endParaRPr kumimoji="0" lang="en-US"/>
           </a:p>
         </p:txBody>
       </p:sp>
@@ -2609,35 +2602,35 @@
           <a:p>
             <a:pPr lvl="0" eaLnBrk="1" latinLnBrk="0" hangingPunct="1"/>
             <a:r>
-              <a:rPr lang="en-US" smtClean="0"/>
+              <a:rPr lang="en-US"/>
               <a:t>Click to edit Master text styles</a:t>
             </a:r>
           </a:p>
           <a:p>
             <a:pPr lvl="1" eaLnBrk="1" latinLnBrk="0" hangingPunct="1"/>
             <a:r>
-              <a:rPr lang="en-US" smtClean="0"/>
+              <a:rPr lang="en-US"/>
               <a:t>Second level</a:t>
             </a:r>
           </a:p>
           <a:p>
             <a:pPr lvl="2" eaLnBrk="1" latinLnBrk="0" hangingPunct="1"/>
             <a:r>
-              <a:rPr lang="en-US" smtClean="0"/>
+              <a:rPr lang="en-US"/>
               <a:t>Third level</a:t>
             </a:r>
           </a:p>
           <a:p>
             <a:pPr lvl="3" eaLnBrk="1" latinLnBrk="0" hangingPunct="1"/>
             <a:r>
-              <a:rPr lang="en-US" smtClean="0"/>
+              <a:rPr lang="en-US"/>
               <a:t>Fourth level</a:t>
             </a:r>
           </a:p>
           <a:p>
             <a:pPr lvl="4" eaLnBrk="1" latinLnBrk="0" hangingPunct="1"/>
             <a:r>
-              <a:rPr lang="en-US" smtClean="0"/>
+              <a:rPr lang="en-US"/>
               <a:t>Fifth level</a:t>
             </a:r>
             <a:endParaRPr kumimoji="0" lang="en-US"/>
@@ -2670,35 +2663,35 @@
           <a:p>
             <a:pPr lvl="0" eaLnBrk="1" latinLnBrk="0" hangingPunct="1"/>
             <a:r>
-              <a:rPr lang="en-US" smtClean="0"/>
+              <a:rPr lang="en-US"/>
               <a:t>Click to edit Master text styles</a:t>
             </a:r>
           </a:p>
           <a:p>
             <a:pPr lvl="1" eaLnBrk="1" latinLnBrk="0" hangingPunct="1"/>
             <a:r>
-              <a:rPr lang="en-US" smtClean="0"/>
+              <a:rPr lang="en-US"/>
               <a:t>Second level</a:t>
             </a:r>
           </a:p>
           <a:p>
             <a:pPr lvl="2" eaLnBrk="1" latinLnBrk="0" hangingPunct="1"/>
             <a:r>
-              <a:rPr lang="en-US" smtClean="0"/>
+              <a:rPr lang="en-US"/>
               <a:t>Third level</a:t>
             </a:r>
           </a:p>
           <a:p>
             <a:pPr lvl="3" eaLnBrk="1" latinLnBrk="0" hangingPunct="1"/>
             <a:r>
-              <a:rPr lang="en-US" smtClean="0"/>
+              <a:rPr lang="en-US"/>
               <a:t>Fourth level</a:t>
             </a:r>
           </a:p>
           <a:p>
             <a:pPr lvl="4" eaLnBrk="1" latinLnBrk="0" hangingPunct="1"/>
             <a:r>
-              <a:rPr lang="en-US" smtClean="0"/>
+              <a:rPr lang="en-US"/>
               <a:t>Fifth level</a:t>
             </a:r>
             <a:endParaRPr kumimoji="0" lang="en-US"/>
@@ -3065,7 +3058,7 @@
           <a:p>
             <a:pPr lvl="0" eaLnBrk="1" latinLnBrk="0" hangingPunct="1"/>
             <a:r>
-              <a:rPr kumimoji="0" lang="en-US" smtClean="0"/>
+              <a:rPr kumimoji="0" lang="en-US"/>
               <a:t>Click to edit Master text styles</a:t>
             </a:r>
           </a:p>
@@ -3135,7 +3128,7 @@
           <a:p>
             <a:pPr lvl="0" eaLnBrk="1" latinLnBrk="0" hangingPunct="1"/>
             <a:r>
-              <a:rPr kumimoji="0" lang="en-US" smtClean="0"/>
+              <a:rPr kumimoji="0" lang="en-US"/>
               <a:t>Click to edit Master text styles</a:t>
             </a:r>
           </a:p>
@@ -3287,35 +3280,35 @@
           <a:p>
             <a:pPr lvl="0" eaLnBrk="1" latinLnBrk="0" hangingPunct="1"/>
             <a:r>
-              <a:rPr lang="en-US" smtClean="0"/>
+              <a:rPr lang="en-US"/>
               <a:t>Click to edit Master text styles</a:t>
             </a:r>
           </a:p>
           <a:p>
             <a:pPr lvl="1" eaLnBrk="1" latinLnBrk="0" hangingPunct="1"/>
             <a:r>
-              <a:rPr lang="en-US" smtClean="0"/>
+              <a:rPr lang="en-US"/>
               <a:t>Second level</a:t>
             </a:r>
           </a:p>
           <a:p>
             <a:pPr lvl="2" eaLnBrk="1" latinLnBrk="0" hangingPunct="1"/>
             <a:r>
-              <a:rPr lang="en-US" smtClean="0"/>
+              <a:rPr lang="en-US"/>
               <a:t>Third level</a:t>
             </a:r>
           </a:p>
           <a:p>
             <a:pPr lvl="3" eaLnBrk="1" latinLnBrk="0" hangingPunct="1"/>
             <a:r>
-              <a:rPr lang="en-US" smtClean="0"/>
+              <a:rPr lang="en-US"/>
               <a:t>Fourth level</a:t>
             </a:r>
           </a:p>
           <a:p>
             <a:pPr lvl="4" eaLnBrk="1" latinLnBrk="0" hangingPunct="1"/>
             <a:r>
-              <a:rPr lang="en-US" smtClean="0"/>
+              <a:rPr lang="en-US"/>
               <a:t>Fifth level</a:t>
             </a:r>
             <a:endParaRPr kumimoji="0" lang="en-US"/>
@@ -3344,35 +3337,35 @@
           <a:p>
             <a:pPr lvl="0" eaLnBrk="1" latinLnBrk="0" hangingPunct="1"/>
             <a:r>
-              <a:rPr lang="en-US" smtClean="0"/>
+              <a:rPr lang="en-US"/>
               <a:t>Click to edit Master text styles</a:t>
             </a:r>
           </a:p>
           <a:p>
             <a:pPr lvl="1" eaLnBrk="1" latinLnBrk="0" hangingPunct="1"/>
             <a:r>
-              <a:rPr lang="en-US" smtClean="0"/>
+              <a:rPr lang="en-US"/>
               <a:t>Second level</a:t>
             </a:r>
           </a:p>
           <a:p>
             <a:pPr lvl="2" eaLnBrk="1" latinLnBrk="0" hangingPunct="1"/>
             <a:r>
-              <a:rPr lang="en-US" smtClean="0"/>
+              <a:rPr lang="en-US"/>
               <a:t>Third level</a:t>
             </a:r>
           </a:p>
           <a:p>
             <a:pPr lvl="3" eaLnBrk="1" latinLnBrk="0" hangingPunct="1"/>
             <a:r>
-              <a:rPr lang="en-US" smtClean="0"/>
+              <a:rPr lang="en-US"/>
               <a:t>Fourth level</a:t>
             </a:r>
           </a:p>
           <a:p>
             <a:pPr lvl="4" eaLnBrk="1" latinLnBrk="0" hangingPunct="1"/>
             <a:r>
-              <a:rPr lang="en-US" smtClean="0"/>
+              <a:rPr lang="en-US"/>
               <a:t>Fifth level</a:t>
             </a:r>
             <a:endParaRPr kumimoji="0" lang="en-US"/>
@@ -3524,10 +3517,9 @@
           <a:lstStyle/>
           <a:p>
             <a:r>
-              <a:rPr kumimoji="0" lang="en-US" smtClean="0"/>
+              <a:rPr kumimoji="0" lang="en-US"/>
               <a:t>Click to edit Master title style</a:t>
             </a:r>
-            <a:endParaRPr kumimoji="0" lang="en-US"/>
           </a:p>
         </p:txBody>
       </p:sp>
@@ -3572,10 +3564,9 @@
           <a:lstStyle/>
           <a:p>
             <a:r>
-              <a:rPr kumimoji="0" lang="en-US" smtClean="0"/>
+              <a:rPr kumimoji="0" lang="en-US"/>
               <a:t>Click to edit Master title style</a:t>
             </a:r>
-            <a:endParaRPr kumimoji="0" lang="en-US"/>
           </a:p>
         </p:txBody>
       </p:sp>
@@ -4262,10 +4253,9 @@
           </a:lstStyle>
           <a:p>
             <a:r>
-              <a:rPr kumimoji="0" lang="en-US" smtClean="0"/>
+              <a:rPr kumimoji="0" lang="en-US"/>
               <a:t>Click to edit Master title style</a:t>
             </a:r>
-            <a:endParaRPr kumimoji="0" lang="en-US"/>
           </a:p>
         </p:txBody>
       </p:sp>
@@ -4319,7 +4309,7 @@
           <a:p>
             <a:pPr lvl="0" eaLnBrk="1" latinLnBrk="0" hangingPunct="1"/>
             <a:r>
-              <a:rPr kumimoji="0" lang="en-US" smtClean="0"/>
+              <a:rPr kumimoji="0" lang="en-US"/>
               <a:t>Click to edit Master text styles</a:t>
             </a:r>
           </a:p>
@@ -4423,35 +4413,35 @@
           <a:p>
             <a:pPr lvl="0" eaLnBrk="1" latinLnBrk="0" hangingPunct="1"/>
             <a:r>
-              <a:rPr lang="en-US" smtClean="0"/>
+              <a:rPr lang="en-US"/>
               <a:t>Click to edit Master text styles</a:t>
             </a:r>
           </a:p>
           <a:p>
             <a:pPr lvl="1" eaLnBrk="1" latinLnBrk="0" hangingPunct="1"/>
             <a:r>
-              <a:rPr lang="en-US" smtClean="0"/>
+              <a:rPr lang="en-US"/>
               <a:t>Second level</a:t>
             </a:r>
           </a:p>
           <a:p>
             <a:pPr lvl="2" eaLnBrk="1" latinLnBrk="0" hangingPunct="1"/>
             <a:r>
-              <a:rPr lang="en-US" smtClean="0"/>
+              <a:rPr lang="en-US"/>
               <a:t>Third level</a:t>
             </a:r>
           </a:p>
           <a:p>
             <a:pPr lvl="3" eaLnBrk="1" latinLnBrk="0" hangingPunct="1"/>
             <a:r>
-              <a:rPr lang="en-US" smtClean="0"/>
+              <a:rPr lang="en-US"/>
               <a:t>Fourth level</a:t>
             </a:r>
           </a:p>
           <a:p>
             <a:pPr lvl="4" eaLnBrk="1" latinLnBrk="0" hangingPunct="1"/>
             <a:r>
-              <a:rPr lang="en-US" smtClean="0"/>
+              <a:rPr lang="en-US"/>
               <a:t>Fifth level</a:t>
             </a:r>
             <a:endParaRPr kumimoji="0" lang="en-US"/>
@@ -5161,10 +5151,9 @@
           </a:lstStyle>
           <a:p>
             <a:r>
-              <a:rPr kumimoji="0" lang="en-US" smtClean="0"/>
+              <a:rPr kumimoji="0" lang="en-US"/>
               <a:t>Click to edit Master title style</a:t>
             </a:r>
-            <a:endParaRPr kumimoji="0" lang="en-US"/>
           </a:p>
         </p:txBody>
       </p:sp>
@@ -5194,7 +5183,7 @@
           </a:lstStyle>
           <a:p>
             <a:r>
-              <a:rPr kumimoji="0" lang="en-US" smtClean="0"/>
+              <a:rPr kumimoji="0" lang="en-US"/>
               <a:t>Click icon to add picture</a:t>
             </a:r>
             <a:endParaRPr kumimoji="0" lang="en-US" dirty="0"/>
@@ -5248,7 +5237,7 @@
           <a:p>
             <a:pPr lvl="0" eaLnBrk="1" latinLnBrk="0" hangingPunct="1"/>
             <a:r>
-              <a:rPr kumimoji="0" lang="en-US" smtClean="0"/>
+              <a:rPr kumimoji="0" lang="en-US"/>
               <a:t>Click to edit Master text styles</a:t>
             </a:r>
           </a:p>
@@ -5870,10 +5859,9 @@
           <a:lstStyle/>
           <a:p>
             <a:r>
-              <a:rPr kumimoji="0" lang="en-US" smtClean="0"/>
+              <a:rPr kumimoji="0" lang="en-US"/>
               <a:t>Click to edit Master title style</a:t>
             </a:r>
-            <a:endParaRPr kumimoji="0" lang="en-US"/>
           </a:p>
         </p:txBody>
       </p:sp>
@@ -5904,38 +5892,37 @@
           <a:p>
             <a:pPr lvl="0" eaLnBrk="1" latinLnBrk="0" hangingPunct="1"/>
             <a:r>
-              <a:rPr kumimoji="0" lang="en-US" smtClean="0"/>
+              <a:rPr kumimoji="0" lang="en-US"/>
               <a:t>Click to edit Master text styles</a:t>
             </a:r>
           </a:p>
           <a:p>
             <a:pPr lvl="1" eaLnBrk="1" latinLnBrk="0" hangingPunct="1"/>
             <a:r>
-              <a:rPr kumimoji="0" lang="en-US" smtClean="0"/>
+              <a:rPr kumimoji="0" lang="en-US"/>
               <a:t>Second level</a:t>
             </a:r>
           </a:p>
           <a:p>
             <a:pPr lvl="2" eaLnBrk="1" latinLnBrk="0" hangingPunct="1"/>
             <a:r>
-              <a:rPr kumimoji="0" lang="en-US" smtClean="0"/>
+              <a:rPr kumimoji="0" lang="en-US"/>
               <a:t>Third level</a:t>
             </a:r>
           </a:p>
           <a:p>
             <a:pPr lvl="3" eaLnBrk="1" latinLnBrk="0" hangingPunct="1"/>
             <a:r>
-              <a:rPr kumimoji="0" lang="en-US" smtClean="0"/>
+              <a:rPr kumimoji="0" lang="en-US"/>
               <a:t>Fourth level</a:t>
             </a:r>
           </a:p>
           <a:p>
             <a:pPr lvl="4" eaLnBrk="1" latinLnBrk="0" hangingPunct="1"/>
             <a:r>
-              <a:rPr kumimoji="0" lang="en-US" smtClean="0"/>
+              <a:rPr kumimoji="0" lang="en-US"/>
               <a:t>Fifth level</a:t>
             </a:r>
-            <a:endParaRPr kumimoji="0" lang="en-US"/>
           </a:p>
         </p:txBody>
       </p:sp>
@@ -6284,7 +6271,7 @@
           <a:lstStyle/>
           <a:p>
             <a:r>
-              <a:rPr lang="en-US" sz="3200" b="1" dirty="0" smtClean="0"/>
+              <a:rPr lang="en-US" sz="3200" b="1" dirty="0"/>
               <a:t>TEAM</a:t>
             </a:r>
             <a:r>
@@ -6296,11 +6283,11 @@
               <a:t>5</a:t>
             </a:r>
             <a:r>
-              <a:rPr lang="en-US" sz="3200" b="1" dirty="0" smtClean="0"/>
+              <a:rPr lang="en-US" sz="3200" b="1" dirty="0"/>
               <a:t>O</a:t>
             </a:r>
             <a:r>
-              <a:rPr lang="en-US" sz="3200" b="1" dirty="0" smtClean="0">
+              <a:rPr lang="en-US" sz="3200" b="1" dirty="0">
                 <a:solidFill>
                   <a:srgbClr val="FF0000"/>
                 </a:solidFill>
@@ -6308,12 +6295,8 @@
               <a:t>AR</a:t>
             </a:r>
             <a:r>
-              <a:rPr lang="en-US" sz="3200" b="1" dirty="0" smtClean="0"/>
+              <a:rPr lang="en-US" sz="3200" b="1" dirty="0"/>
               <a:t>S</a:t>
-            </a:r>
-            <a:r>
-              <a:rPr lang="en-US" sz="3200" dirty="0"/>
-              <a:t/>
             </a:r>
             <a:br>
               <a:rPr lang="en-US" sz="3200" dirty="0"/>
@@ -6358,33 +6341,24 @@
               <a:rPr lang="en-US" sz="3200" dirty="0"/>
               <a:t>ystem</a:t>
             </a:r>
-            <a:r>
-              <a:rPr lang="en-US" sz="3200" dirty="0" smtClean="0"/>
-              <a:t/>
-            </a:r>
-            <a:br>
-              <a:rPr lang="en-US" sz="3200" dirty="0" smtClean="0"/>
-            </a:br>
-            <a:r>
-              <a:rPr lang="en-US" sz="3200" dirty="0" smtClean="0">
-                <a:solidFill>
-                  <a:srgbClr val="2323F7"/>
-                </a:solidFill>
-              </a:rPr>
-              <a:t>PRESENTATION</a:t>
-            </a:r>
-            <a:r>
-              <a:rPr lang="en-US" sz="3200" dirty="0"/>
-              <a:t/>
-            </a:r>
             <a:br>
               <a:rPr lang="en-US" sz="3200" dirty="0"/>
             </a:br>
             <a:r>
-              <a:rPr lang="en-US" sz="3200" dirty="0" smtClean="0"/>
+              <a:rPr lang="en-US" sz="3200" dirty="0">
+                <a:solidFill>
+                  <a:srgbClr val="2323F7"/>
+                </a:solidFill>
+              </a:rPr>
+              <a:t>PRESENTATION</a:t>
+            </a:r>
+            <a:br>
+              <a:rPr lang="en-US" sz="3200" dirty="0"/>
+            </a:br>
+            <a:r>
+              <a:rPr lang="en-US" sz="3200" dirty="0"/>
               <a:t>Spring 2016</a:t>
             </a:r>
-            <a:endParaRPr lang="en-US" sz="3200" dirty="0"/>
           </a:p>
         </p:txBody>
       </p:sp>
@@ -6427,7 +6401,7 @@
           </a:lstStyle>
           <a:p>
             <a:r>
-              <a:rPr lang="en-US" sz="4000" b="1" dirty="0" smtClean="0"/>
+              <a:rPr lang="en-US" sz="4000" b="1" dirty="0"/>
               <a:t>Online Apartment Rental System</a:t>
             </a:r>
           </a:p>
@@ -6435,27 +6409,27 @@
             <a:endParaRPr lang="en-US" sz="4000" b="1" dirty="0"/>
           </a:p>
           <a:p>
-            <a:endParaRPr lang="en-US" sz="2000" b="1" dirty="0" smtClean="0"/>
-          </a:p>
-          <a:p>
-            <a:r>
-              <a:rPr lang="en-US" sz="2000" b="1" dirty="0" smtClean="0"/>
+            <a:endParaRPr lang="en-US" sz="2000" b="1" dirty="0"/>
+          </a:p>
+          <a:p>
+            <a:r>
+              <a:rPr lang="en-US" sz="2000" b="1" dirty="0"/>
               <a:t>Luis Silva, Anthony Cortes, Nixon Mathew, </a:t>
             </a:r>
             <a:r>
-              <a:rPr lang="en-US" sz="2000" b="1" dirty="0" err="1" smtClean="0"/>
+              <a:rPr lang="en-US" sz="2000" b="1" dirty="0" err="1"/>
               <a:t>Kaisong</a:t>
             </a:r>
             <a:r>
-              <a:rPr lang="en-US" sz="2000" b="1" dirty="0" smtClean="0"/>
+              <a:rPr lang="en-US" sz="2000" b="1" dirty="0"/>
               <a:t> Fan, Keith Russell, Sai </a:t>
             </a:r>
             <a:r>
-              <a:rPr lang="en-US" sz="2000" b="1" dirty="0" err="1" smtClean="0"/>
+              <a:rPr lang="en-US" sz="2000" b="1" dirty="0" err="1"/>
               <a:t>Vadlamani</a:t>
             </a:r>
             <a:r>
-              <a:rPr lang="en-US" sz="2000" b="1" dirty="0" smtClean="0"/>
+              <a:rPr lang="en-US" sz="2000" b="1" dirty="0"/>
               <a:t>, Visak Varghese</a:t>
             </a:r>
             <a:endParaRPr lang="en-US" sz="2000" dirty="0"/>
@@ -6472,13 +6446,6 @@
   <p:clrMapOvr>
     <a:masterClrMapping/>
   </p:clrMapOvr>
-  <p:timing>
-    <p:tnLst>
-      <p:par>
-        <p:cTn id="1" dur="indefinite" restart="never" nodeType="tmRoot"/>
-      </p:par>
-    </p:tnLst>
-  </p:timing>
 </p:sld>
 </file>
 
@@ -6522,7 +6489,7 @@
           <a:lstStyle/>
           <a:p>
             <a:r>
-              <a:rPr lang="en-US" sz="2400" b="1" dirty="0" smtClean="0"/>
+              <a:rPr lang="en-US" sz="2400" b="1" dirty="0"/>
               <a:t>TEAM</a:t>
             </a:r>
             <a:r>
@@ -6534,11 +6501,11 @@
               <a:t>5</a:t>
             </a:r>
             <a:r>
-              <a:rPr lang="en-US" sz="2400" b="1" dirty="0" smtClean="0"/>
+              <a:rPr lang="en-US" sz="2400" b="1" dirty="0"/>
               <a:t>O</a:t>
             </a:r>
             <a:r>
-              <a:rPr lang="en-US" sz="2400" b="1" dirty="0" smtClean="0">
+              <a:rPr lang="en-US" sz="2400" b="1" dirty="0">
                 <a:solidFill>
                   <a:srgbClr val="FF0000"/>
                 </a:solidFill>
@@ -6546,12 +6513,8 @@
               <a:t>AR</a:t>
             </a:r>
             <a:r>
-              <a:rPr lang="en-US" sz="2400" b="1" dirty="0" smtClean="0"/>
+              <a:rPr lang="en-US" sz="2400" b="1" dirty="0"/>
               <a:t>S</a:t>
-            </a:r>
-            <a:r>
-              <a:rPr lang="en-US" sz="2400" dirty="0"/>
-              <a:t/>
             </a:r>
             <a:br>
               <a:rPr lang="en-US" sz="2400" dirty="0"/>
@@ -6589,32 +6552,23 @@
               <a:t>ental </a:t>
             </a:r>
             <a:r>
-              <a:rPr lang="en-US" sz="2400" b="1" dirty="0" smtClean="0"/>
+              <a:rPr lang="en-US" sz="2400" b="1" dirty="0"/>
               <a:t>S</a:t>
             </a:r>
             <a:r>
-              <a:rPr lang="en-US" sz="2400" dirty="0" smtClean="0"/>
+              <a:rPr lang="en-US" sz="2400" dirty="0"/>
               <a:t>ystem</a:t>
-            </a:r>
-            <a:r>
-              <a:rPr lang="en-US" sz="2400" dirty="0"/>
-              <a:t/>
             </a:r>
             <a:br>
               <a:rPr lang="en-US" sz="2400" dirty="0"/>
             </a:br>
-            <a:r>
-              <a:rPr lang="en-US" sz="2400" dirty="0"/>
-              <a:t/>
-            </a:r>
             <a:br>
               <a:rPr lang="en-US" sz="2400" dirty="0"/>
             </a:br>
             <a:r>
-              <a:rPr lang="en-US" dirty="0" smtClean="0"/>
+              <a:rPr lang="en-US" dirty="0"/>
               <a:t>Data Design – Relational Model</a:t>
             </a:r>
-            <a:endParaRPr lang="en-US" dirty="0"/>
           </a:p>
         </p:txBody>
       </p:sp>
@@ -6641,7 +6595,7 @@
             <a:pPr marL="0" indent="0">
               <a:buNone/>
             </a:pPr>
-            <a:endParaRPr lang="en-US" dirty="0" smtClean="0"/>
+            <a:endParaRPr lang="en-US" dirty="0"/>
           </a:p>
           <a:p>
             <a:pPr marL="0" indent="0">
@@ -6649,11 +6603,7 @@
             </a:pPr>
             <a:r>
               <a:rPr lang="en-US" dirty="0"/>
-              <a:t> </a:t>
-            </a:r>
-            <a:r>
-              <a:rPr lang="en-US" dirty="0" smtClean="0"/>
-              <a:t>   </a:t>
+              <a:t>    </a:t>
             </a:r>
           </a:p>
         </p:txBody>
@@ -6792,13 +6742,6 @@
   <p:clrMapOvr>
     <a:masterClrMapping/>
   </p:clrMapOvr>
-  <p:timing>
-    <p:tnLst>
-      <p:par>
-        <p:cTn id="1" dur="indefinite" restart="never" nodeType="tmRoot"/>
-      </p:par>
-    </p:tnLst>
-  </p:timing>
 </p:sld>
 </file>
 
@@ -6842,7 +6785,7 @@
           <a:lstStyle/>
           <a:p>
             <a:r>
-              <a:rPr lang="en-US" sz="2400" b="1" dirty="0" smtClean="0"/>
+              <a:rPr lang="en-US" sz="2400" b="1" dirty="0"/>
               <a:t>TEAM</a:t>
             </a:r>
             <a:r>
@@ -6854,11 +6797,11 @@
               <a:t>5</a:t>
             </a:r>
             <a:r>
-              <a:rPr lang="en-US" sz="2400" b="1" dirty="0" smtClean="0"/>
+              <a:rPr lang="en-US" sz="2400" b="1" dirty="0"/>
               <a:t>O</a:t>
             </a:r>
             <a:r>
-              <a:rPr lang="en-US" sz="2400" b="1" dirty="0" smtClean="0">
+              <a:rPr lang="en-US" sz="2400" b="1" dirty="0">
                 <a:solidFill>
                   <a:srgbClr val="FF0000"/>
                 </a:solidFill>
@@ -6866,12 +6809,8 @@
               <a:t>AR</a:t>
             </a:r>
             <a:r>
-              <a:rPr lang="en-US" sz="2400" b="1" dirty="0" smtClean="0"/>
+              <a:rPr lang="en-US" sz="2400" b="1" dirty="0"/>
               <a:t>S</a:t>
-            </a:r>
-            <a:r>
-              <a:rPr lang="en-US" sz="2400" dirty="0"/>
-              <a:t/>
             </a:r>
             <a:br>
               <a:rPr lang="en-US" sz="2400" dirty="0"/>
@@ -6909,32 +6848,23 @@
               <a:t>ental </a:t>
             </a:r>
             <a:r>
-              <a:rPr lang="en-US" sz="2400" b="1" dirty="0" smtClean="0"/>
+              <a:rPr lang="en-US" sz="2400" b="1" dirty="0"/>
               <a:t>S</a:t>
             </a:r>
             <a:r>
-              <a:rPr lang="en-US" sz="2400" dirty="0" smtClean="0"/>
+              <a:rPr lang="en-US" sz="2400" dirty="0"/>
               <a:t>ystem</a:t>
-            </a:r>
-            <a:r>
-              <a:rPr lang="en-US" sz="2400" dirty="0"/>
-              <a:t/>
             </a:r>
             <a:br>
               <a:rPr lang="en-US" sz="2400" dirty="0"/>
             </a:br>
-            <a:r>
-              <a:rPr lang="en-US" sz="2400" dirty="0"/>
-              <a:t/>
-            </a:r>
             <a:br>
               <a:rPr lang="en-US" sz="2400" dirty="0"/>
             </a:br>
             <a:r>
-              <a:rPr lang="en-US" dirty="0" smtClean="0"/>
+              <a:rPr lang="en-US" dirty="0"/>
               <a:t>Data Design – Relational Model</a:t>
             </a:r>
-            <a:endParaRPr lang="en-US" dirty="0"/>
           </a:p>
         </p:txBody>
       </p:sp>
@@ -6961,7 +6891,7 @@
             <a:pPr marL="0" indent="0">
               <a:buNone/>
             </a:pPr>
-            <a:endParaRPr lang="en-US" dirty="0" smtClean="0"/>
+            <a:endParaRPr lang="en-US" dirty="0"/>
           </a:p>
           <a:p>
             <a:pPr marL="0" indent="0">
@@ -6969,11 +6899,7 @@
             </a:pPr>
             <a:r>
               <a:rPr lang="en-US" dirty="0"/>
-              <a:t> </a:t>
-            </a:r>
-            <a:r>
-              <a:rPr lang="en-US" dirty="0" smtClean="0"/>
-              <a:t>   </a:t>
+              <a:t>    </a:t>
             </a:r>
           </a:p>
         </p:txBody>
@@ -7112,13 +7038,6 @@
   <p:clrMapOvr>
     <a:masterClrMapping/>
   </p:clrMapOvr>
-  <p:timing>
-    <p:tnLst>
-      <p:par>
-        <p:cTn id="1" dur="indefinite" restart="never" nodeType="tmRoot"/>
-      </p:par>
-    </p:tnLst>
-  </p:timing>
 </p:sld>
 </file>
 
@@ -7162,7 +7081,7 @@
           <a:lstStyle/>
           <a:p>
             <a:r>
-              <a:rPr lang="en-US" sz="2400" b="1" dirty="0" smtClean="0"/>
+              <a:rPr lang="en-US" sz="2400" b="1" dirty="0"/>
               <a:t>TEAM</a:t>
             </a:r>
             <a:r>
@@ -7174,11 +7093,11 @@
               <a:t>5</a:t>
             </a:r>
             <a:r>
-              <a:rPr lang="en-US" sz="2400" b="1" dirty="0" smtClean="0"/>
+              <a:rPr lang="en-US" sz="2400" b="1" dirty="0"/>
               <a:t>O</a:t>
             </a:r>
             <a:r>
-              <a:rPr lang="en-US" sz="2400" b="1" dirty="0" smtClean="0">
+              <a:rPr lang="en-US" sz="2400" b="1" dirty="0">
                 <a:solidFill>
                   <a:srgbClr val="FF0000"/>
                 </a:solidFill>
@@ -7186,12 +7105,8 @@
               <a:t>AR</a:t>
             </a:r>
             <a:r>
-              <a:rPr lang="en-US" sz="2400" b="1" dirty="0" smtClean="0"/>
+              <a:rPr lang="en-US" sz="2400" b="1" dirty="0"/>
               <a:t>S</a:t>
-            </a:r>
-            <a:r>
-              <a:rPr lang="en-US" sz="2400" dirty="0"/>
-              <a:t/>
             </a:r>
             <a:br>
               <a:rPr lang="en-US" sz="2400" dirty="0"/>
@@ -7229,32 +7144,23 @@
               <a:t>ental </a:t>
             </a:r>
             <a:r>
-              <a:rPr lang="en-US" sz="2400" b="1" dirty="0" smtClean="0"/>
+              <a:rPr lang="en-US" sz="2400" b="1" dirty="0"/>
               <a:t>S</a:t>
             </a:r>
             <a:r>
-              <a:rPr lang="en-US" sz="2400" dirty="0" smtClean="0"/>
+              <a:rPr lang="en-US" sz="2400" dirty="0"/>
               <a:t>ystem</a:t>
-            </a:r>
-            <a:r>
-              <a:rPr lang="en-US" sz="2400" dirty="0"/>
-              <a:t/>
             </a:r>
             <a:br>
               <a:rPr lang="en-US" sz="2400" dirty="0"/>
             </a:br>
-            <a:r>
-              <a:rPr lang="en-US" sz="2400" dirty="0"/>
-              <a:t/>
-            </a:r>
             <a:br>
               <a:rPr lang="en-US" sz="2400" dirty="0"/>
             </a:br>
             <a:r>
-              <a:rPr lang="en-US" dirty="0" smtClean="0"/>
+              <a:rPr lang="en-US" dirty="0"/>
               <a:t>Data Design – Relational Model</a:t>
             </a:r>
-            <a:endParaRPr lang="en-US" dirty="0"/>
           </a:p>
         </p:txBody>
       </p:sp>
@@ -7281,7 +7187,7 @@
             <a:pPr marL="0" indent="0">
               <a:buNone/>
             </a:pPr>
-            <a:endParaRPr lang="en-US" dirty="0" smtClean="0"/>
+            <a:endParaRPr lang="en-US" dirty="0"/>
           </a:p>
           <a:p>
             <a:pPr marL="0" indent="0">
@@ -7289,11 +7195,7 @@
             </a:pPr>
             <a:r>
               <a:rPr lang="en-US" dirty="0"/>
-              <a:t> </a:t>
-            </a:r>
-            <a:r>
-              <a:rPr lang="en-US" dirty="0" smtClean="0"/>
-              <a:t>   </a:t>
+              <a:t>    </a:t>
             </a:r>
           </a:p>
         </p:txBody>
@@ -7432,13 +7334,6 @@
   <p:clrMapOvr>
     <a:masterClrMapping/>
   </p:clrMapOvr>
-  <p:timing>
-    <p:tnLst>
-      <p:par>
-        <p:cTn id="1" dur="indefinite" restart="never" nodeType="tmRoot"/>
-      </p:par>
-    </p:tnLst>
-  </p:timing>
 </p:sld>
 </file>
 
@@ -7482,7 +7377,7 @@
           <a:lstStyle/>
           <a:p>
             <a:r>
-              <a:rPr lang="en-US" sz="2400" b="1" dirty="0" smtClean="0"/>
+              <a:rPr lang="en-US" sz="2400" b="1" dirty="0"/>
               <a:t>TEAM</a:t>
             </a:r>
             <a:r>
@@ -7494,11 +7389,11 @@
               <a:t>5</a:t>
             </a:r>
             <a:r>
-              <a:rPr lang="en-US" sz="2400" b="1" dirty="0" smtClean="0"/>
+              <a:rPr lang="en-US" sz="2400" b="1" dirty="0"/>
               <a:t>O</a:t>
             </a:r>
             <a:r>
-              <a:rPr lang="en-US" sz="2400" b="1" dirty="0" smtClean="0">
+              <a:rPr lang="en-US" sz="2400" b="1" dirty="0">
                 <a:solidFill>
                   <a:srgbClr val="FF0000"/>
                 </a:solidFill>
@@ -7506,12 +7401,8 @@
               <a:t>AR</a:t>
             </a:r>
             <a:r>
-              <a:rPr lang="en-US" sz="2400" b="1" dirty="0" smtClean="0"/>
+              <a:rPr lang="en-US" sz="2400" b="1" dirty="0"/>
               <a:t>S</a:t>
-            </a:r>
-            <a:r>
-              <a:rPr lang="en-US" sz="2400" dirty="0"/>
-              <a:t/>
             </a:r>
             <a:br>
               <a:rPr lang="en-US" sz="2400" dirty="0"/>
@@ -7549,32 +7440,23 @@
               <a:t>ental </a:t>
             </a:r>
             <a:r>
-              <a:rPr lang="en-US" sz="2400" b="1" dirty="0" smtClean="0"/>
+              <a:rPr lang="en-US" sz="2400" b="1" dirty="0"/>
               <a:t>S</a:t>
             </a:r>
             <a:r>
-              <a:rPr lang="en-US" sz="2400" dirty="0" smtClean="0"/>
+              <a:rPr lang="en-US" sz="2400" dirty="0"/>
               <a:t>ystem</a:t>
-            </a:r>
-            <a:r>
-              <a:rPr lang="en-US" sz="2400" dirty="0"/>
-              <a:t/>
             </a:r>
             <a:br>
               <a:rPr lang="en-US" sz="2400" dirty="0"/>
             </a:br>
-            <a:r>
-              <a:rPr lang="en-US" sz="2400" dirty="0"/>
-              <a:t/>
-            </a:r>
             <a:br>
               <a:rPr lang="en-US" sz="2400" dirty="0"/>
             </a:br>
             <a:r>
-              <a:rPr lang="en-US" dirty="0" smtClean="0"/>
+              <a:rPr lang="en-US" dirty="0"/>
               <a:t>Data Design – Relational Model</a:t>
             </a:r>
-            <a:endParaRPr lang="en-US" dirty="0"/>
           </a:p>
         </p:txBody>
       </p:sp>
@@ -7601,7 +7483,7 @@
             <a:pPr marL="0" indent="0">
               <a:buNone/>
             </a:pPr>
-            <a:endParaRPr lang="en-US" dirty="0" smtClean="0"/>
+            <a:endParaRPr lang="en-US" dirty="0"/>
           </a:p>
           <a:p>
             <a:pPr marL="0" indent="0">
@@ -7609,11 +7491,7 @@
             </a:pPr>
             <a:r>
               <a:rPr lang="en-US" dirty="0"/>
-              <a:t> </a:t>
-            </a:r>
-            <a:r>
-              <a:rPr lang="en-US" dirty="0" smtClean="0"/>
-              <a:t>   </a:t>
+              <a:t>    </a:t>
             </a:r>
           </a:p>
         </p:txBody>
@@ -7752,13 +7630,6 @@
   <p:clrMapOvr>
     <a:masterClrMapping/>
   </p:clrMapOvr>
-  <p:timing>
-    <p:tnLst>
-      <p:par>
-        <p:cTn id="1" dur="indefinite" restart="never" nodeType="tmRoot"/>
-      </p:par>
-    </p:tnLst>
-  </p:timing>
 </p:sld>
 </file>
 
@@ -7802,7 +7673,7 @@
           <a:lstStyle/>
           <a:p>
             <a:r>
-              <a:rPr lang="en-US" sz="2400" b="1" dirty="0" smtClean="0"/>
+              <a:rPr lang="en-US" sz="2400" b="1" dirty="0"/>
               <a:t>TEAM</a:t>
             </a:r>
             <a:r>
@@ -7814,11 +7685,11 @@
               <a:t>5</a:t>
             </a:r>
             <a:r>
-              <a:rPr lang="en-US" sz="2400" b="1" dirty="0" smtClean="0"/>
+              <a:rPr lang="en-US" sz="2400" b="1" dirty="0"/>
               <a:t>O</a:t>
             </a:r>
             <a:r>
-              <a:rPr lang="en-US" sz="2400" b="1" dirty="0" smtClean="0">
+              <a:rPr lang="en-US" sz="2400" b="1" dirty="0">
                 <a:solidFill>
                   <a:srgbClr val="FF0000"/>
                 </a:solidFill>
@@ -7826,12 +7697,8 @@
               <a:t>AR</a:t>
             </a:r>
             <a:r>
-              <a:rPr lang="en-US" sz="2400" b="1" dirty="0" smtClean="0"/>
+              <a:rPr lang="en-US" sz="2400" b="1" dirty="0"/>
               <a:t>S</a:t>
-            </a:r>
-            <a:r>
-              <a:rPr lang="en-US" sz="2400" dirty="0"/>
-              <a:t/>
             </a:r>
             <a:br>
               <a:rPr lang="en-US" sz="2400" dirty="0"/>
@@ -7869,32 +7736,23 @@
               <a:t>ental </a:t>
             </a:r>
             <a:r>
-              <a:rPr lang="en-US" sz="2400" b="1" dirty="0" smtClean="0"/>
+              <a:rPr lang="en-US" sz="2400" b="1" dirty="0"/>
               <a:t>S</a:t>
             </a:r>
             <a:r>
-              <a:rPr lang="en-US" sz="2400" dirty="0" smtClean="0"/>
+              <a:rPr lang="en-US" sz="2400" dirty="0"/>
               <a:t>ystem</a:t>
-            </a:r>
-            <a:r>
-              <a:rPr lang="en-US" sz="2400" dirty="0"/>
-              <a:t/>
             </a:r>
             <a:br>
               <a:rPr lang="en-US" sz="2400" dirty="0"/>
             </a:br>
-            <a:r>
-              <a:rPr lang="en-US" sz="2400" dirty="0"/>
-              <a:t/>
-            </a:r>
             <a:br>
               <a:rPr lang="en-US" sz="2400" dirty="0"/>
             </a:br>
             <a:r>
-              <a:rPr lang="en-US" dirty="0" smtClean="0"/>
+              <a:rPr lang="en-US" dirty="0"/>
               <a:t>Data Design – Relational Model</a:t>
             </a:r>
-            <a:endParaRPr lang="en-US" dirty="0"/>
           </a:p>
         </p:txBody>
       </p:sp>
@@ -7921,7 +7779,7 @@
             <a:pPr marL="0" indent="0">
               <a:buNone/>
             </a:pPr>
-            <a:endParaRPr lang="en-US" dirty="0" smtClean="0"/>
+            <a:endParaRPr lang="en-US" dirty="0"/>
           </a:p>
           <a:p>
             <a:pPr marL="0" indent="0">
@@ -7929,11 +7787,7 @@
             </a:pPr>
             <a:r>
               <a:rPr lang="en-US" dirty="0"/>
-              <a:t> </a:t>
-            </a:r>
-            <a:r>
-              <a:rPr lang="en-US" dirty="0" smtClean="0"/>
-              <a:t>   </a:t>
+              <a:t>    </a:t>
             </a:r>
           </a:p>
         </p:txBody>
@@ -8072,13 +7926,6 @@
   <p:clrMapOvr>
     <a:masterClrMapping/>
   </p:clrMapOvr>
-  <p:timing>
-    <p:tnLst>
-      <p:par>
-        <p:cTn id="1" dur="indefinite" restart="never" nodeType="tmRoot"/>
-      </p:par>
-    </p:tnLst>
-  </p:timing>
 </p:sld>
 </file>
 
@@ -8122,7 +7969,7 @@
           <a:lstStyle/>
           <a:p>
             <a:r>
-              <a:rPr lang="en-US" sz="2400" b="1" dirty="0" smtClean="0"/>
+              <a:rPr lang="en-US" sz="2400" b="1" dirty="0"/>
               <a:t>TEAM</a:t>
             </a:r>
             <a:r>
@@ -8134,11 +7981,11 @@
               <a:t>5</a:t>
             </a:r>
             <a:r>
-              <a:rPr lang="en-US" sz="2400" b="1" dirty="0" smtClean="0"/>
+              <a:rPr lang="en-US" sz="2400" b="1" dirty="0"/>
               <a:t>O</a:t>
             </a:r>
             <a:r>
-              <a:rPr lang="en-US" sz="2400" b="1" dirty="0" smtClean="0">
+              <a:rPr lang="en-US" sz="2400" b="1" dirty="0">
                 <a:solidFill>
                   <a:srgbClr val="FF0000"/>
                 </a:solidFill>
@@ -8146,12 +7993,8 @@
               <a:t>AR</a:t>
             </a:r>
             <a:r>
-              <a:rPr lang="en-US" sz="2400" b="1" dirty="0" smtClean="0"/>
+              <a:rPr lang="en-US" sz="2400" b="1" dirty="0"/>
               <a:t>S</a:t>
-            </a:r>
-            <a:r>
-              <a:rPr lang="en-US" sz="2400" dirty="0"/>
-              <a:t/>
             </a:r>
             <a:br>
               <a:rPr lang="en-US" sz="2400" dirty="0"/>
@@ -8189,32 +8032,23 @@
               <a:t>ental </a:t>
             </a:r>
             <a:r>
-              <a:rPr lang="en-US" sz="2400" b="1" dirty="0" smtClean="0"/>
+              <a:rPr lang="en-US" sz="2400" b="1" dirty="0"/>
               <a:t>S</a:t>
             </a:r>
             <a:r>
-              <a:rPr lang="en-US" sz="2400" dirty="0" smtClean="0"/>
+              <a:rPr lang="en-US" sz="2400" dirty="0"/>
               <a:t>ystem</a:t>
-            </a:r>
-            <a:r>
-              <a:rPr lang="en-US" sz="2400" dirty="0"/>
-              <a:t/>
             </a:r>
             <a:br>
               <a:rPr lang="en-US" sz="2400" dirty="0"/>
             </a:br>
-            <a:r>
-              <a:rPr lang="en-US" sz="2400" dirty="0"/>
-              <a:t/>
-            </a:r>
             <a:br>
               <a:rPr lang="en-US" sz="2400" dirty="0"/>
             </a:br>
             <a:r>
-              <a:rPr lang="en-US" dirty="0" smtClean="0"/>
+              <a:rPr lang="en-US" dirty="0"/>
               <a:t>Data Design – Relational Model</a:t>
             </a:r>
-            <a:endParaRPr lang="en-US" dirty="0"/>
           </a:p>
         </p:txBody>
       </p:sp>
@@ -8241,7 +8075,7 @@
             <a:pPr marL="0" indent="0">
               <a:buNone/>
             </a:pPr>
-            <a:endParaRPr lang="en-US" dirty="0" smtClean="0"/>
+            <a:endParaRPr lang="en-US" dirty="0"/>
           </a:p>
           <a:p>
             <a:pPr marL="0" indent="0">
@@ -8249,11 +8083,7 @@
             </a:pPr>
             <a:r>
               <a:rPr lang="en-US" dirty="0"/>
-              <a:t> </a:t>
-            </a:r>
-            <a:r>
-              <a:rPr lang="en-US" dirty="0" smtClean="0"/>
-              <a:t>   </a:t>
+              <a:t>    </a:t>
             </a:r>
           </a:p>
         </p:txBody>
@@ -8392,13 +8222,6 @@
   <p:clrMapOvr>
     <a:masterClrMapping/>
   </p:clrMapOvr>
-  <p:timing>
-    <p:tnLst>
-      <p:par>
-        <p:cTn id="1" dur="indefinite" restart="never" nodeType="tmRoot"/>
-      </p:par>
-    </p:tnLst>
-  </p:timing>
 </p:sld>
 </file>
 
@@ -8442,11 +8265,11 @@
           <a:lstStyle/>
           <a:p>
             <a:r>
-              <a:rPr lang="en-US" sz="2400" b="1" dirty="0" smtClean="0"/>
+              <a:rPr lang="en-US" sz="2400" b="1" dirty="0"/>
               <a:t>TEAMO</a:t>
             </a:r>
             <a:r>
-              <a:rPr lang="en-US" sz="2400" b="1" dirty="0" smtClean="0">
+              <a:rPr lang="en-US" sz="2400" b="1" dirty="0">
                 <a:solidFill>
                   <a:srgbClr val="FF0000"/>
                 </a:solidFill>
@@ -8454,12 +8277,8 @@
               <a:t>AR</a:t>
             </a:r>
             <a:r>
-              <a:rPr lang="en-US" sz="2400" b="1" dirty="0" smtClean="0"/>
+              <a:rPr lang="en-US" sz="2400" b="1" dirty="0"/>
               <a:t>S</a:t>
-            </a:r>
-            <a:r>
-              <a:rPr lang="en-US" sz="2400" dirty="0"/>
-              <a:t/>
             </a:r>
             <a:br>
               <a:rPr lang="en-US" sz="2400" dirty="0"/>
@@ -8497,14 +8316,14 @@
               <a:t>ental </a:t>
             </a:r>
             <a:r>
-              <a:rPr lang="en-US" sz="2400" b="1" dirty="0" smtClean="0"/>
+              <a:rPr lang="en-US" sz="2400" b="1" dirty="0"/>
               <a:t>S</a:t>
             </a:r>
             <a:r>
-              <a:rPr lang="en-US" sz="2400" dirty="0" smtClean="0"/>
+              <a:rPr lang="en-US" sz="2400" dirty="0"/>
               <a:t>ystem</a:t>
             </a:r>
-            <a:r>
+            <a:br>
               <a:rPr lang="en-US" sz="3600" dirty="0">
                 <a:solidFill>
                   <a:srgbClr val="8CADAE">
@@ -8512,37 +8331,18 @@
                   </a:srgbClr>
                 </a:solidFill>
               </a:rPr>
-              <a:t/>
-            </a:r>
+            </a:br>
             <a:br>
-              <a:rPr lang="en-US" sz="3600" dirty="0">
-                <a:solidFill>
-                  <a:srgbClr val="8CADAE">
-                    <a:shade val="75000"/>
-                  </a:srgbClr>
-                </a:solidFill>
-              </a:rPr>
+              <a:rPr lang="en-US" sz="3600" dirty="0"/>
             </a:br>
             <a:r>
-              <a:rPr lang="en-US" sz="3600" dirty="0" smtClean="0"/>
-              <a:t/>
-            </a:r>
-            <a:br>
-              <a:rPr lang="en-US" sz="3600" dirty="0" smtClean="0"/>
-            </a:br>
-            <a:r>
-              <a:rPr lang="en-US" dirty="0" smtClean="0">
+              <a:rPr lang="en-US" dirty="0">
                 <a:solidFill>
                   <a:srgbClr val="FF0000"/>
                 </a:solidFill>
               </a:rPr>
               <a:t>FRONT END</a:t>
             </a:r>
-            <a:endParaRPr lang="en-US" dirty="0">
-              <a:solidFill>
-                <a:srgbClr val="FF0000"/>
-              </a:solidFill>
-            </a:endParaRPr>
           </a:p>
         </p:txBody>
       </p:sp>
@@ -8567,10 +8367,9 @@
           <a:lstStyle/>
           <a:p>
             <a:r>
-              <a:rPr lang="en-US" dirty="0" smtClean="0"/>
+              <a:rPr lang="en-US" dirty="0"/>
               <a:t>Added by VH;</a:t>
             </a:r>
-            <a:endParaRPr lang="en-US" dirty="0"/>
           </a:p>
           <a:p>
             <a:r>
@@ -8593,13 +8392,6 @@
   <p:clrMapOvr>
     <a:masterClrMapping/>
   </p:clrMapOvr>
-  <p:timing>
-    <p:tnLst>
-      <p:par>
-        <p:cTn id="1" dur="indefinite" restart="never" nodeType="tmRoot"/>
-      </p:par>
-    </p:tnLst>
-  </p:timing>
 </p:sld>
 </file>
 
@@ -8643,7 +8435,7 @@
           <a:lstStyle/>
           <a:p>
             <a:r>
-              <a:rPr lang="en-US" sz="2400" b="1" dirty="0" smtClean="0"/>
+              <a:rPr lang="en-US" sz="2400" b="1" dirty="0"/>
               <a:t>TEAM</a:t>
             </a:r>
             <a:r>
@@ -8655,11 +8447,11 @@
               <a:t>5</a:t>
             </a:r>
             <a:r>
-              <a:rPr lang="en-US" sz="2400" b="1" dirty="0" smtClean="0"/>
+              <a:rPr lang="en-US" sz="2400" b="1" dirty="0"/>
               <a:t>O</a:t>
             </a:r>
             <a:r>
-              <a:rPr lang="en-US" sz="2400" b="1" dirty="0" smtClean="0">
+              <a:rPr lang="en-US" sz="2400" b="1" dirty="0">
                 <a:solidFill>
                   <a:srgbClr val="FF0000"/>
                 </a:solidFill>
@@ -8667,12 +8459,8 @@
               <a:t>AR</a:t>
             </a:r>
             <a:r>
-              <a:rPr lang="en-US" sz="2400" b="1" dirty="0" smtClean="0"/>
+              <a:rPr lang="en-US" sz="2400" b="1" dirty="0"/>
               <a:t>S</a:t>
-            </a:r>
-            <a:r>
-              <a:rPr lang="en-US" sz="2400" dirty="0"/>
-              <a:t/>
             </a:r>
             <a:br>
               <a:rPr lang="en-US" sz="2400" dirty="0"/>
@@ -8720,22 +8508,17 @@
             <a:br>
               <a:rPr lang="en-US" sz="2400" dirty="0"/>
             </a:br>
-            <a:r>
-              <a:rPr lang="en-US" sz="3600" dirty="0" smtClean="0"/>
-              <a:t/>
-            </a:r>
             <a:br>
-              <a:rPr lang="en-US" sz="3600" dirty="0" smtClean="0"/>
+              <a:rPr lang="en-US" sz="3600" dirty="0"/>
             </a:br>
             <a:r>
-              <a:rPr lang="en-US" sz="3600" dirty="0" smtClean="0"/>
+              <a:rPr lang="en-US" sz="3600" dirty="0"/>
               <a:t>Business Modeling: </a:t>
             </a:r>
             <a:r>
-              <a:rPr lang="en-US" dirty="0" smtClean="0"/>
+              <a:rPr lang="en-US" dirty="0"/>
               <a:t>UML USE CASE Model</a:t>
             </a:r>
-            <a:endParaRPr lang="en-US" dirty="0"/>
           </a:p>
         </p:txBody>
       </p:sp>
@@ -8760,23 +8543,65 @@
           <a:lstStyle/>
           <a:p>
             <a:r>
-              <a:rPr lang="en-US" dirty="0" smtClean="0"/>
-              <a:t>Actors;</a:t>
-            </a:r>
+              <a:rPr lang="en-US" dirty="0"/>
+              <a:t>Actors:6</a:t>
+            </a:r>
+          </a:p>
+          <a:p>
+            <a:r>
+              <a:rPr lang="en-US" dirty="0"/>
+              <a:t>Use Cases: 16</a:t>
+            </a:r>
+          </a:p>
+          <a:p>
+            <a:r>
+              <a:rPr lang="en-US" dirty="0"/>
+              <a:t>FRs: 16</a:t>
+            </a:r>
+          </a:p>
+          <a:p>
+            <a:r>
+              <a:rPr lang="en-US" dirty="0"/>
+              <a:t>NFRs:9</a:t>
+            </a:r>
+          </a:p>
+          <a:p>
+            <a:r>
+              <a:rPr lang="en-US" dirty="0"/>
+              <a:t>UML USE CASE Model</a:t>
+            </a:r>
+          </a:p>
+          <a:p>
             <a:endParaRPr lang="en-US" dirty="0"/>
           </a:p>
           <a:p>
-            <a:r>
-              <a:rPr lang="en-US" dirty="0" smtClean="0"/>
-              <a:t>UML USE CASE Model</a:t>
-            </a:r>
             <a:endParaRPr lang="en-US" dirty="0"/>
           </a:p>
-          <a:p>
-            <a:endParaRPr lang="en-US" dirty="0"/>
-          </a:p>
-        </p:txBody>
-      </p:sp>
+        </p:txBody>
+      </p:sp>
+      <p:pic>
+        <p:nvPicPr>
+          <p:cNvPr id="6" name="Picture 5"/>
+          <p:cNvPicPr>
+            <a:picLocks noChangeAspect="1"/>
+          </p:cNvPicPr>
+          <p:nvPr/>
+        </p:nvPicPr>
+        <p:blipFill rotWithShape="1">
+          <a:blip r:embed="rId2"/>
+          <a:srcRect l="35416" t="25409" r="35001" b="8373"/>
+          <a:stretch/>
+        </p:blipFill>
+        <p:spPr>
+          <a:xfrm>
+            <a:off x="4572000" y="1974383"/>
+            <a:ext cx="4443524" cy="4883617"/>
+          </a:xfrm>
+          <a:prstGeom prst="rect">
+            <a:avLst/>
+          </a:prstGeom>
+        </p:spPr>
+      </p:pic>
     </p:spTree>
     <p:extLst>
       <p:ext uri="{BB962C8B-B14F-4D97-AF65-F5344CB8AC3E}">
@@ -8787,13 +8612,6 @@
   <p:clrMapOvr>
     <a:masterClrMapping/>
   </p:clrMapOvr>
-  <p:timing>
-    <p:tnLst>
-      <p:par>
-        <p:cTn id="1" dur="indefinite" restart="never" nodeType="tmRoot"/>
-      </p:par>
-    </p:tnLst>
-  </p:timing>
 </p:sld>
 </file>
 
@@ -8837,7 +8655,7 @@
           <a:lstStyle/>
           <a:p>
             <a:r>
-              <a:rPr lang="en-US" sz="2800" b="1" dirty="0" smtClean="0"/>
+              <a:rPr lang="en-US" sz="2800" b="1" dirty="0"/>
               <a:t>TEAM</a:t>
             </a:r>
             <a:r>
@@ -8849,11 +8667,11 @@
               <a:t>5</a:t>
             </a:r>
             <a:r>
-              <a:rPr lang="en-US" sz="2800" b="1" dirty="0" smtClean="0"/>
+              <a:rPr lang="en-US" sz="2800" b="1" dirty="0"/>
               <a:t>O</a:t>
             </a:r>
             <a:r>
-              <a:rPr lang="en-US" sz="2800" b="1" dirty="0" smtClean="0">
+              <a:rPr lang="en-US" sz="2800" b="1" dirty="0">
                 <a:solidFill>
                   <a:srgbClr val="FF0000"/>
                 </a:solidFill>
@@ -8861,12 +8679,8 @@
               <a:t>AR</a:t>
             </a:r>
             <a:r>
-              <a:rPr lang="en-US" sz="2800" b="1" dirty="0" smtClean="0"/>
+              <a:rPr lang="en-US" sz="2800" b="1" dirty="0"/>
               <a:t>S</a:t>
-            </a:r>
-            <a:r>
-              <a:rPr lang="en-US" sz="2800" dirty="0"/>
-              <a:t/>
             </a:r>
             <a:br>
               <a:rPr lang="en-US" sz="2800" dirty="0"/>
@@ -8904,32 +8718,27 @@
               <a:t>ental </a:t>
             </a:r>
             <a:r>
-              <a:rPr lang="en-US" sz="2800" b="1" dirty="0" smtClean="0"/>
+              <a:rPr lang="en-US" sz="2800" b="1" dirty="0"/>
               <a:t>S</a:t>
             </a:r>
             <a:r>
-              <a:rPr lang="en-US" sz="2800" dirty="0" smtClean="0"/>
+              <a:rPr lang="en-US" sz="2800" dirty="0"/>
               <a:t>ystem</a:t>
             </a:r>
             <a:br>
-              <a:rPr lang="en-US" sz="2800" dirty="0" smtClean="0"/>
+              <a:rPr lang="en-US" sz="2800" dirty="0"/>
             </a:br>
-            <a:r>
-              <a:rPr lang="en-US" sz="3600" dirty="0" smtClean="0"/>
-              <a:t/>
-            </a:r>
             <a:br>
-              <a:rPr lang="en-US" sz="3600" dirty="0" smtClean="0"/>
+              <a:rPr lang="en-US" sz="3600" dirty="0"/>
             </a:br>
             <a:r>
-              <a:rPr lang="en-US" sz="3600" dirty="0" smtClean="0"/>
+              <a:rPr lang="en-US" sz="3600" dirty="0"/>
               <a:t>Contract: </a:t>
             </a:r>
             <a:r>
-              <a:rPr lang="en-US" dirty="0" smtClean="0"/>
+              <a:rPr lang="en-US" dirty="0"/>
               <a:t>Software Requirements Specification</a:t>
             </a:r>
-            <a:endParaRPr lang="en-US" dirty="0"/>
           </a:p>
         </p:txBody>
       </p:sp>
@@ -8954,37 +8763,61 @@
           <a:lstStyle/>
           <a:p>
             <a:r>
-              <a:rPr lang="en-US" dirty="0" smtClean="0"/>
+              <a:rPr lang="en-US" dirty="0"/>
               <a:t>Summary of </a:t>
             </a:r>
             <a:r>
-              <a:rPr lang="en-US" dirty="0" err="1" smtClean="0"/>
+              <a:rPr lang="en-US" dirty="0" err="1"/>
               <a:t>Ucs</a:t>
             </a:r>
             <a:r>
-              <a:rPr lang="en-US" dirty="0" smtClean="0"/>
+              <a:rPr lang="en-US" dirty="0"/>
               <a:t>;</a:t>
             </a:r>
           </a:p>
           <a:p>
             <a:r>
-              <a:rPr lang="en-US" dirty="0" smtClean="0"/>
+              <a:rPr lang="en-US" dirty="0"/>
               <a:t>Table 3.2 Functional &amp; Non-Functional Requirements;</a:t>
             </a:r>
+          </a:p>
+          <a:p>
+            <a:r>
+              <a:rPr lang="en-US" dirty="0"/>
+              <a:t>Appendix with Actors and UML USE CASE Diagram.</a:t>
+            </a:r>
+          </a:p>
+          <a:p>
             <a:endParaRPr lang="en-US" dirty="0"/>
           </a:p>
           <a:p>
-            <a:r>
-              <a:rPr lang="en-US" dirty="0" smtClean="0"/>
-              <a:t>Appendix with Actors and UML USE CASE Diagram.</a:t>
-            </a:r>
             <a:endParaRPr lang="en-US" dirty="0"/>
           </a:p>
-          <a:p>
-            <a:endParaRPr lang="en-US" dirty="0"/>
-          </a:p>
-        </p:txBody>
-      </p:sp>
+        </p:txBody>
+      </p:sp>
+      <p:pic>
+        <p:nvPicPr>
+          <p:cNvPr id="4" name="Picture 3"/>
+          <p:cNvPicPr>
+            <a:picLocks noChangeAspect="1"/>
+          </p:cNvPicPr>
+          <p:nvPr/>
+        </p:nvPicPr>
+        <p:blipFill rotWithShape="1">
+          <a:blip r:embed="rId2"/>
+          <a:srcRect l="31567" t="20000" r="32357"/>
+          <a:stretch/>
+        </p:blipFill>
+        <p:spPr>
+          <a:xfrm>
+            <a:off x="3009899" y="3429000"/>
+            <a:ext cx="3048001" cy="3657600"/>
+          </a:xfrm>
+          <a:prstGeom prst="rect">
+            <a:avLst/>
+          </a:prstGeom>
+        </p:spPr>
+      </p:pic>
     </p:spTree>
     <p:extLst>
       <p:ext uri="{BB962C8B-B14F-4D97-AF65-F5344CB8AC3E}">
@@ -9038,7 +8871,7 @@
           <a:lstStyle/>
           <a:p>
             <a:r>
-              <a:rPr lang="en-US" sz="2800" b="1" dirty="0" smtClean="0"/>
+              <a:rPr lang="en-US" sz="2800" b="1" dirty="0"/>
               <a:t>TEAM</a:t>
             </a:r>
             <a:r>
@@ -9050,11 +8883,11 @@
               <a:t>5</a:t>
             </a:r>
             <a:r>
-              <a:rPr lang="en-US" sz="2800" b="1" dirty="0" smtClean="0"/>
+              <a:rPr lang="en-US" sz="2800" b="1" dirty="0"/>
               <a:t>O</a:t>
             </a:r>
             <a:r>
-              <a:rPr lang="en-US" sz="2800" b="1" dirty="0" smtClean="0">
+              <a:rPr lang="en-US" sz="2800" b="1" dirty="0">
                 <a:solidFill>
                   <a:srgbClr val="FF0000"/>
                 </a:solidFill>
@@ -9062,12 +8895,8 @@
               <a:t>AR</a:t>
             </a:r>
             <a:r>
-              <a:rPr lang="en-US" sz="2800" b="1" dirty="0" smtClean="0"/>
+              <a:rPr lang="en-US" sz="2800" b="1" dirty="0"/>
               <a:t>S</a:t>
-            </a:r>
-            <a:r>
-              <a:rPr lang="en-US" sz="2800" dirty="0"/>
-              <a:t/>
             </a:r>
             <a:br>
               <a:rPr lang="en-US" sz="2800" dirty="0"/>
@@ -9112,25 +8941,16 @@
               <a:rPr lang="en-US" sz="2800" dirty="0"/>
               <a:t>ystem </a:t>
             </a:r>
-            <a:r>
-              <a:rPr lang="en-US" sz="2800" dirty="0" smtClean="0"/>
-              <a:t/>
-            </a:r>
             <a:br>
-              <a:rPr lang="en-US" sz="2800" dirty="0" smtClean="0"/>
+              <a:rPr lang="en-US" sz="2800" dirty="0"/>
             </a:br>
-            <a:r>
-              <a:rPr lang="en-US" sz="2800" dirty="0" smtClean="0"/>
-              <a:t/>
-            </a:r>
             <a:br>
-              <a:rPr lang="en-US" sz="2800" dirty="0" smtClean="0"/>
+              <a:rPr lang="en-US" sz="2800" dirty="0"/>
             </a:br>
             <a:r>
-              <a:rPr lang="en-US" dirty="0" smtClean="0"/>
+              <a:rPr lang="en-US" dirty="0"/>
               <a:t>Software Project Management Plan</a:t>
             </a:r>
-            <a:endParaRPr lang="en-US" dirty="0"/>
           </a:p>
         </p:txBody>
       </p:sp>
@@ -9155,9 +8975,12 @@
           <a:lstStyle/>
           <a:p>
             <a:r>
-              <a:rPr lang="en-US" dirty="0" smtClean="0"/>
+              <a:rPr lang="en-US" dirty="0"/>
               <a:t>COCOMO II Estimates, screenshot of the CASE TOOL;</a:t>
             </a:r>
+          </a:p>
+          <a:p>
+            <a:endParaRPr lang="en-US" dirty="0"/>
           </a:p>
           <a:p>
             <a:pPr marL="0" indent="0">
@@ -9167,6 +8990,29 @@
           </a:p>
         </p:txBody>
       </p:sp>
+      <p:pic>
+        <p:nvPicPr>
+          <p:cNvPr id="4" name="Picture 3"/>
+          <p:cNvPicPr>
+            <a:picLocks noChangeAspect="1"/>
+          </p:cNvPicPr>
+          <p:nvPr/>
+        </p:nvPicPr>
+        <p:blipFill rotWithShape="1">
+          <a:blip r:embed="rId2"/>
+          <a:srcRect t="8333" r="40474"/>
+          <a:stretch/>
+        </p:blipFill>
+        <p:spPr>
+          <a:xfrm>
+            <a:off x="2133600" y="2441448"/>
+            <a:ext cx="5029200" cy="4191000"/>
+          </a:xfrm>
+          <a:prstGeom prst="rect">
+            <a:avLst/>
+          </a:prstGeom>
+        </p:spPr>
+      </p:pic>
     </p:spTree>
     <p:extLst>
       <p:ext uri="{BB962C8B-B14F-4D97-AF65-F5344CB8AC3E}">
@@ -9220,7 +9066,7 @@
           <a:lstStyle/>
           <a:p>
             <a:r>
-              <a:rPr lang="en-US" sz="2800" b="1" dirty="0" smtClean="0"/>
+              <a:rPr lang="en-US" sz="2800" b="1" dirty="0"/>
               <a:t>TEAM</a:t>
             </a:r>
             <a:r>
@@ -9232,11 +9078,11 @@
               <a:t>5</a:t>
             </a:r>
             <a:r>
-              <a:rPr lang="en-US" sz="2800" b="1" dirty="0" smtClean="0"/>
+              <a:rPr lang="en-US" sz="2800" b="1" dirty="0"/>
               <a:t>O</a:t>
             </a:r>
             <a:r>
-              <a:rPr lang="en-US" sz="2800" b="1" dirty="0" smtClean="0">
+              <a:rPr lang="en-US" sz="2800" b="1" dirty="0">
                 <a:solidFill>
                   <a:srgbClr val="FF0000"/>
                 </a:solidFill>
@@ -9244,12 +9090,8 @@
               <a:t>AR</a:t>
             </a:r>
             <a:r>
-              <a:rPr lang="en-US" sz="2800" b="1" dirty="0" smtClean="0"/>
+              <a:rPr lang="en-US" sz="2800" b="1" dirty="0"/>
               <a:t>S</a:t>
-            </a:r>
-            <a:r>
-              <a:rPr lang="en-US" sz="2800" dirty="0"/>
-              <a:t/>
             </a:r>
             <a:br>
               <a:rPr lang="en-US" sz="2800" dirty="0"/>
@@ -9287,40 +9129,27 @@
               <a:t>ental </a:t>
             </a:r>
             <a:r>
-              <a:rPr lang="en-US" sz="2800" b="1" dirty="0" smtClean="0"/>
+              <a:rPr lang="en-US" sz="2800" b="1" dirty="0"/>
               <a:t>S</a:t>
             </a:r>
             <a:r>
-              <a:rPr lang="en-US" sz="2800" dirty="0" smtClean="0"/>
+              <a:rPr lang="en-US" sz="2800" dirty="0"/>
               <a:t>ystem</a:t>
-            </a:r>
-            <a:r>
-              <a:rPr lang="en-US" sz="2000" dirty="0"/>
-              <a:t/>
             </a:r>
             <a:br>
               <a:rPr lang="en-US" sz="2000" dirty="0"/>
             </a:br>
-            <a:r>
-              <a:rPr lang="en-US" sz="3600" dirty="0"/>
-              <a:t/>
-            </a:r>
             <a:br>
               <a:rPr lang="en-US" sz="3600" dirty="0"/>
             </a:br>
             <a:r>
-              <a:rPr lang="en-US" dirty="0" smtClean="0">
+              <a:rPr lang="en-US" dirty="0">
                 <a:solidFill>
                   <a:srgbClr val="FF0000"/>
                 </a:solidFill>
               </a:rPr>
               <a:t>DATABASE BACK END</a:t>
             </a:r>
-            <a:endParaRPr lang="en-US" dirty="0">
-              <a:solidFill>
-                <a:srgbClr val="FF0000"/>
-              </a:solidFill>
-            </a:endParaRPr>
           </a:p>
         </p:txBody>
       </p:sp>
@@ -9353,13 +9182,6 @@
   <p:clrMapOvr>
     <a:masterClrMapping/>
   </p:clrMapOvr>
-  <p:timing>
-    <p:tnLst>
-      <p:par>
-        <p:cTn id="1" dur="indefinite" restart="never" nodeType="tmRoot"/>
-      </p:par>
-    </p:tnLst>
-  </p:timing>
 </p:sld>
 </file>
 
@@ -9447,13 +9269,8 @@
           <a:p>
             <a:r>
               <a:rPr lang="en-US" dirty="0"/>
-              <a:t>MS Project </a:t>
-            </a:r>
-            <a:r>
-              <a:rPr lang="en-US" dirty="0" smtClean="0"/>
-              <a:t>Plan</a:t>
-            </a:r>
-            <a:endParaRPr lang="en-US" dirty="0"/>
+              <a:t>MS Project Plan</a:t>
+            </a:r>
           </a:p>
         </p:txBody>
       </p:sp>
@@ -9509,13 +9326,6 @@
   <p:clrMapOvr>
     <a:masterClrMapping/>
   </p:clrMapOvr>
-  <p:timing>
-    <p:tnLst>
-      <p:par>
-        <p:cTn id="1" dur="indefinite" restart="never" nodeType="tmRoot"/>
-      </p:par>
-    </p:tnLst>
-  </p:timing>
 </p:sld>
 </file>
 
@@ -9559,7 +9369,7 @@
           <a:lstStyle/>
           <a:p>
             <a:r>
-              <a:rPr lang="en-US" sz="2800" b="1" dirty="0" smtClean="0"/>
+              <a:rPr lang="en-US" sz="2800" b="1" dirty="0"/>
               <a:t>TEAM</a:t>
             </a:r>
             <a:r>
@@ -9571,11 +9381,11 @@
               <a:t>5</a:t>
             </a:r>
             <a:r>
-              <a:rPr lang="en-US" sz="2800" b="1" dirty="0" smtClean="0"/>
+              <a:rPr lang="en-US" sz="2800" b="1" dirty="0"/>
               <a:t>O</a:t>
             </a:r>
             <a:r>
-              <a:rPr lang="en-US" sz="2800" b="1" dirty="0" smtClean="0">
+              <a:rPr lang="en-US" sz="2800" b="1" dirty="0">
                 <a:solidFill>
                   <a:srgbClr val="FF0000"/>
                 </a:solidFill>
@@ -9583,12 +9393,8 @@
               <a:t>AR</a:t>
             </a:r>
             <a:r>
-              <a:rPr lang="en-US" sz="2800" b="1" dirty="0" smtClean="0"/>
+              <a:rPr lang="en-US" sz="2800" b="1" dirty="0"/>
               <a:t>S</a:t>
-            </a:r>
-            <a:r>
-              <a:rPr lang="en-US" sz="2800" dirty="0"/>
-              <a:t/>
             </a:r>
             <a:br>
               <a:rPr lang="en-US" sz="2800" dirty="0"/>
@@ -9633,7 +9439,7 @@
               <a:rPr lang="en-US" sz="2800" dirty="0"/>
               <a:t>ystem</a:t>
             </a:r>
-            <a:r>
+            <a:br>
               <a:rPr lang="en-US" sz="3600" dirty="0">
                 <a:solidFill>
                   <a:srgbClr val="8CADAE">
@@ -9641,29 +9447,14 @@
                   </a:srgbClr>
                 </a:solidFill>
               </a:rPr>
-              <a:t/>
-            </a:r>
+            </a:br>
             <a:br>
-              <a:rPr lang="en-US" sz="3600" dirty="0">
-                <a:solidFill>
-                  <a:srgbClr val="8CADAE">
-                    <a:shade val="75000"/>
-                  </a:srgbClr>
-                </a:solidFill>
-              </a:rPr>
+              <a:rPr lang="en-US" sz="3600" dirty="0"/>
             </a:br>
             <a:r>
-              <a:rPr lang="en-US" sz="3600" dirty="0" smtClean="0"/>
-              <a:t/>
-            </a:r>
-            <a:br>
-              <a:rPr lang="en-US" sz="3600" dirty="0" smtClean="0"/>
-            </a:br>
-            <a:r>
-              <a:rPr lang="en-US" dirty="0" smtClean="0"/>
+              <a:rPr lang="en-US" dirty="0"/>
               <a:t>Chat Demo</a:t>
             </a:r>
-            <a:endParaRPr lang="en-US" dirty="0"/>
           </a:p>
         </p:txBody>
       </p:sp>
@@ -9688,13 +9479,13 @@
           <a:lstStyle/>
           <a:p>
             <a:r>
-              <a:rPr lang="en-US" dirty="0" smtClean="0">
+              <a:rPr lang="en-US" dirty="0">
                 <a:latin typeface="Arial" panose="020B0604020202020204" pitchFamily="34" charset="0"/>
                 <a:cs typeface="Arial" panose="020B0604020202020204" pitchFamily="34" charset="0"/>
               </a:rPr>
               <a:t>Go to purechat.com &gt; Sign up &gt; Copy snippet code &gt; paste before end of &lt;/body&gt;</a:t>
             </a:r>
-            <a:r>
+            <a:br>
               <a:rPr lang="en-US" sz="4400" dirty="0">
                 <a:solidFill>
                   <a:srgbClr val="8CADAE">
@@ -9702,25 +9493,14 @@
                   </a:srgbClr>
                 </a:solidFill>
               </a:rPr>
-              <a:t/>
-            </a:r>
-            <a:br>
-              <a:rPr lang="en-US" sz="4400" dirty="0">
-                <a:solidFill>
-                  <a:srgbClr val="8CADAE">
-                    <a:shade val="75000"/>
-                  </a:srgbClr>
-                </a:solidFill>
-              </a:rPr>
             </a:br>
             <a:endParaRPr lang="en-US" dirty="0"/>
           </a:p>
           <a:p>
             <a:r>
-              <a:rPr lang="en-US" dirty="0" smtClean="0"/>
+              <a:rPr lang="en-US" dirty="0"/>
               <a:t>Live Chat demo.</a:t>
             </a:r>
-            <a:endParaRPr lang="en-US" dirty="0"/>
           </a:p>
         </p:txBody>
       </p:sp>
@@ -9734,13 +9514,6 @@
   <p:clrMapOvr>
     <a:masterClrMapping/>
   </p:clrMapOvr>
-  <p:timing>
-    <p:tnLst>
-      <p:par>
-        <p:cTn id="1" dur="indefinite" restart="never" nodeType="tmRoot"/>
-      </p:par>
-    </p:tnLst>
-  </p:timing>
 </p:sld>
 </file>
 
@@ -9784,7 +9557,7 @@
           <a:lstStyle/>
           <a:p>
             <a:r>
-              <a:rPr lang="en-US" sz="2400" b="1" dirty="0" smtClean="0"/>
+              <a:rPr lang="en-US" sz="2400" b="1" dirty="0"/>
               <a:t>TEAM</a:t>
             </a:r>
             <a:r>
@@ -9796,11 +9569,11 @@
               <a:t>5</a:t>
             </a:r>
             <a:r>
-              <a:rPr lang="en-US" sz="2400" b="1" dirty="0" smtClean="0"/>
+              <a:rPr lang="en-US" sz="2400" b="1" dirty="0"/>
               <a:t>O</a:t>
             </a:r>
             <a:r>
-              <a:rPr lang="en-US" sz="2400" b="1" dirty="0" smtClean="0">
+              <a:rPr lang="en-US" sz="2400" b="1" dirty="0">
                 <a:solidFill>
                   <a:srgbClr val="FF0000"/>
                 </a:solidFill>
@@ -9808,12 +9581,8 @@
               <a:t>AR</a:t>
             </a:r>
             <a:r>
-              <a:rPr lang="en-US" sz="2400" b="1" dirty="0" smtClean="0"/>
+              <a:rPr lang="en-US" sz="2400" b="1" dirty="0"/>
               <a:t>S</a:t>
-            </a:r>
-            <a:r>
-              <a:rPr lang="en-US" sz="2400" dirty="0"/>
-              <a:t/>
             </a:r>
             <a:br>
               <a:rPr lang="en-US" sz="2400" dirty="0"/>
@@ -9851,32 +9620,23 @@
               <a:t>ental </a:t>
             </a:r>
             <a:r>
-              <a:rPr lang="en-US" sz="2400" b="1" dirty="0" smtClean="0"/>
+              <a:rPr lang="en-US" sz="2400" b="1" dirty="0"/>
               <a:t>S</a:t>
             </a:r>
             <a:r>
-              <a:rPr lang="en-US" sz="2400" dirty="0" smtClean="0"/>
+              <a:rPr lang="en-US" sz="2400" dirty="0"/>
               <a:t>ystem</a:t>
-            </a:r>
-            <a:r>
-              <a:rPr lang="en-US" sz="2400" dirty="0"/>
-              <a:t/>
             </a:r>
             <a:br>
               <a:rPr lang="en-US" sz="2400" dirty="0"/>
             </a:br>
-            <a:r>
-              <a:rPr lang="en-US" sz="2400" dirty="0"/>
-              <a:t/>
-            </a:r>
             <a:br>
               <a:rPr lang="en-US" sz="2400" dirty="0"/>
             </a:br>
             <a:r>
-              <a:rPr lang="en-US" dirty="0" smtClean="0"/>
+              <a:rPr lang="en-US" dirty="0"/>
               <a:t>Data Analysis – ERD Model</a:t>
             </a:r>
-            <a:endParaRPr lang="en-US" dirty="0"/>
           </a:p>
         </p:txBody>
       </p:sp>
@@ -9914,13 +9674,6 @@
   <p:clrMapOvr>
     <a:masterClrMapping/>
   </p:clrMapOvr>
-  <p:timing>
-    <p:tnLst>
-      <p:par>
-        <p:cTn id="1" dur="indefinite" restart="never" nodeType="tmRoot"/>
-      </p:par>
-    </p:tnLst>
-  </p:timing>
 </p:sld>
 </file>
 
@@ -9964,7 +9717,7 @@
           <a:lstStyle/>
           <a:p>
             <a:r>
-              <a:rPr lang="en-US" sz="2400" b="1" dirty="0" smtClean="0"/>
+              <a:rPr lang="en-US" sz="2400" b="1" dirty="0"/>
               <a:t>TEAM</a:t>
             </a:r>
             <a:r>
@@ -9976,11 +9729,11 @@
               <a:t>5</a:t>
             </a:r>
             <a:r>
-              <a:rPr lang="en-US" sz="2400" b="1" dirty="0" smtClean="0"/>
+              <a:rPr lang="en-US" sz="2400" b="1" dirty="0"/>
               <a:t>O</a:t>
             </a:r>
             <a:r>
-              <a:rPr lang="en-US" sz="2400" b="1" dirty="0" smtClean="0">
+              <a:rPr lang="en-US" sz="2400" b="1" dirty="0">
                 <a:solidFill>
                   <a:srgbClr val="FF0000"/>
                 </a:solidFill>
@@ -9988,12 +9741,8 @@
               <a:t>AR</a:t>
             </a:r>
             <a:r>
-              <a:rPr lang="en-US" sz="2400" b="1" dirty="0" smtClean="0"/>
+              <a:rPr lang="en-US" sz="2400" b="1" dirty="0"/>
               <a:t>S</a:t>
-            </a:r>
-            <a:r>
-              <a:rPr lang="en-US" sz="2400" dirty="0"/>
-              <a:t/>
             </a:r>
             <a:br>
               <a:rPr lang="en-US" sz="2400" dirty="0"/>
@@ -10041,18 +9790,13 @@
             <a:br>
               <a:rPr lang="en-US" sz="2400" dirty="0"/>
             </a:br>
-            <a:r>
-              <a:rPr lang="en-US" sz="3600" dirty="0"/>
-              <a:t/>
-            </a:r>
             <a:br>
               <a:rPr lang="en-US" sz="3600" dirty="0"/>
             </a:br>
             <a:r>
-              <a:rPr lang="en-US" dirty="0" smtClean="0"/>
+              <a:rPr lang="en-US" dirty="0"/>
               <a:t>Contract – Data Requirements Specification</a:t>
             </a:r>
-            <a:endParaRPr lang="en-US" dirty="0"/>
           </a:p>
         </p:txBody>
       </p:sp>
@@ -10129,10 +9873,9 @@
           <a:lstStyle/>
           <a:p>
             <a:r>
-              <a:rPr lang="en-US" dirty="0" smtClean="0"/>
+              <a:rPr lang="en-US" dirty="0"/>
               <a:t>Table 1 Data Requirements</a:t>
             </a:r>
-            <a:endParaRPr lang="en-US" dirty="0"/>
           </a:p>
         </p:txBody>
       </p:sp>
@@ -10146,13 +9889,6 @@
   <p:clrMapOvr>
     <a:masterClrMapping/>
   </p:clrMapOvr>
-  <p:timing>
-    <p:tnLst>
-      <p:par>
-        <p:cTn id="1" dur="indefinite" restart="never" nodeType="tmRoot"/>
-      </p:par>
-    </p:tnLst>
-  </p:timing>
 </p:sld>
 </file>
 
@@ -10196,7 +9932,7 @@
           <a:lstStyle/>
           <a:p>
             <a:r>
-              <a:rPr lang="en-US" sz="2400" b="1" dirty="0" smtClean="0"/>
+              <a:rPr lang="en-US" sz="2400" b="1" dirty="0"/>
               <a:t>TEAM</a:t>
             </a:r>
             <a:r>
@@ -10208,11 +9944,11 @@
               <a:t>5</a:t>
             </a:r>
             <a:r>
-              <a:rPr lang="en-US" sz="2400" b="1" dirty="0" smtClean="0"/>
+              <a:rPr lang="en-US" sz="2400" b="1" dirty="0"/>
               <a:t>O</a:t>
             </a:r>
             <a:r>
-              <a:rPr lang="en-US" sz="2400" b="1" dirty="0" smtClean="0">
+              <a:rPr lang="en-US" sz="2400" b="1" dirty="0">
                 <a:solidFill>
                   <a:srgbClr val="FF0000"/>
                 </a:solidFill>
@@ -10220,12 +9956,8 @@
               <a:t>AR</a:t>
             </a:r>
             <a:r>
-              <a:rPr lang="en-US" sz="2400" b="1" dirty="0" smtClean="0"/>
+              <a:rPr lang="en-US" sz="2400" b="1" dirty="0"/>
               <a:t>S</a:t>
-            </a:r>
-            <a:r>
-              <a:rPr lang="en-US" sz="2400" dirty="0"/>
-              <a:t/>
             </a:r>
             <a:br>
               <a:rPr lang="en-US" sz="2400" dirty="0"/>
@@ -10273,18 +10005,13 @@
             <a:br>
               <a:rPr lang="en-US" sz="2400" dirty="0"/>
             </a:br>
-            <a:r>
-              <a:rPr lang="en-US" sz="3600" dirty="0"/>
-              <a:t/>
-            </a:r>
             <a:br>
               <a:rPr lang="en-US" sz="3600" dirty="0"/>
             </a:br>
             <a:r>
-              <a:rPr lang="en-US" dirty="0" smtClean="0"/>
+              <a:rPr lang="en-US" dirty="0"/>
               <a:t>Contract – Data Requirements Specification</a:t>
             </a:r>
-            <a:endParaRPr lang="en-US" dirty="0"/>
           </a:p>
         </p:txBody>
       </p:sp>
@@ -10337,10 +10064,9 @@
           <a:lstStyle/>
           <a:p>
             <a:r>
-              <a:rPr lang="en-US" dirty="0" smtClean="0"/>
+              <a:rPr lang="en-US" dirty="0"/>
               <a:t>Table 1 – Continued </a:t>
             </a:r>
-            <a:endParaRPr lang="en-US" dirty="0"/>
           </a:p>
         </p:txBody>
       </p:sp>
@@ -10354,13 +10080,6 @@
   <p:clrMapOvr>
     <a:masterClrMapping/>
   </p:clrMapOvr>
-  <p:timing>
-    <p:tnLst>
-      <p:par>
-        <p:cTn id="1" dur="indefinite" restart="never" nodeType="tmRoot"/>
-      </p:par>
-    </p:tnLst>
-  </p:timing>
 </p:sld>
 </file>
 
@@ -10404,7 +10123,7 @@
           <a:lstStyle/>
           <a:p>
             <a:r>
-              <a:rPr lang="en-US" sz="2400" b="1" dirty="0" smtClean="0"/>
+              <a:rPr lang="en-US" sz="2400" b="1" dirty="0"/>
               <a:t>TEAM</a:t>
             </a:r>
             <a:r>
@@ -10416,11 +10135,11 @@
               <a:t>5</a:t>
             </a:r>
             <a:r>
-              <a:rPr lang="en-US" sz="2400" b="1" dirty="0" smtClean="0"/>
+              <a:rPr lang="en-US" sz="2400" b="1" dirty="0"/>
               <a:t>O</a:t>
             </a:r>
             <a:r>
-              <a:rPr lang="en-US" sz="2400" b="1" dirty="0" smtClean="0">
+              <a:rPr lang="en-US" sz="2400" b="1" dirty="0">
                 <a:solidFill>
                   <a:srgbClr val="FF0000"/>
                 </a:solidFill>
@@ -10428,12 +10147,8 @@
               <a:t>AR</a:t>
             </a:r>
             <a:r>
-              <a:rPr lang="en-US" sz="2400" b="1" dirty="0" smtClean="0"/>
+              <a:rPr lang="en-US" sz="2400" b="1" dirty="0"/>
               <a:t>S</a:t>
-            </a:r>
-            <a:r>
-              <a:rPr lang="en-US" sz="2400" dirty="0"/>
-              <a:t/>
             </a:r>
             <a:br>
               <a:rPr lang="en-US" sz="2400" dirty="0"/>
@@ -10481,18 +10196,13 @@
             <a:br>
               <a:rPr lang="en-US" sz="2400" dirty="0"/>
             </a:br>
-            <a:r>
-              <a:rPr lang="en-US" sz="3600" dirty="0"/>
-              <a:t/>
-            </a:r>
             <a:br>
               <a:rPr lang="en-US" sz="3600" dirty="0"/>
             </a:br>
             <a:r>
-              <a:rPr lang="en-US" dirty="0" smtClean="0"/>
+              <a:rPr lang="en-US" dirty="0"/>
               <a:t>Contract – Data Requirements Specification</a:t>
             </a:r>
-            <a:endParaRPr lang="en-US" dirty="0"/>
           </a:p>
         </p:txBody>
       </p:sp>
@@ -10569,10 +10279,9 @@
           <a:lstStyle/>
           <a:p>
             <a:r>
-              <a:rPr lang="en-US" dirty="0" smtClean="0"/>
+              <a:rPr lang="en-US" dirty="0"/>
               <a:t>Table 2 - Constraints</a:t>
             </a:r>
-            <a:endParaRPr lang="en-US" dirty="0"/>
           </a:p>
         </p:txBody>
       </p:sp>
@@ -10586,13 +10295,6 @@
   <p:clrMapOvr>
     <a:masterClrMapping/>
   </p:clrMapOvr>
-  <p:timing>
-    <p:tnLst>
-      <p:par>
-        <p:cTn id="1" dur="indefinite" restart="never" nodeType="tmRoot"/>
-      </p:par>
-    </p:tnLst>
-  </p:timing>
 </p:sld>
 </file>
 
@@ -10636,7 +10338,7 @@
           <a:lstStyle/>
           <a:p>
             <a:r>
-              <a:rPr lang="en-US" sz="2400" b="1" dirty="0" smtClean="0"/>
+              <a:rPr lang="en-US" sz="2400" b="1" dirty="0"/>
               <a:t>TEAM</a:t>
             </a:r>
             <a:r>
@@ -10648,11 +10350,11 @@
               <a:t>5</a:t>
             </a:r>
             <a:r>
-              <a:rPr lang="en-US" sz="2400" b="1" dirty="0" smtClean="0"/>
+              <a:rPr lang="en-US" sz="2400" b="1" dirty="0"/>
               <a:t>O</a:t>
             </a:r>
             <a:r>
-              <a:rPr lang="en-US" sz="2400" b="1" dirty="0" smtClean="0">
+              <a:rPr lang="en-US" sz="2400" b="1" dirty="0">
                 <a:solidFill>
                   <a:srgbClr val="FF0000"/>
                 </a:solidFill>
@@ -10660,12 +10362,8 @@
               <a:t>AR</a:t>
             </a:r>
             <a:r>
-              <a:rPr lang="en-US" sz="2400" b="1" dirty="0" smtClean="0"/>
+              <a:rPr lang="en-US" sz="2400" b="1" dirty="0"/>
               <a:t>S</a:t>
-            </a:r>
-            <a:r>
-              <a:rPr lang="en-US" sz="2400" dirty="0"/>
-              <a:t/>
             </a:r>
             <a:br>
               <a:rPr lang="en-US" sz="2400" dirty="0"/>
@@ -10703,32 +10401,23 @@
               <a:t>ental </a:t>
             </a:r>
             <a:r>
-              <a:rPr lang="en-US" sz="2400" b="1" dirty="0" smtClean="0"/>
+              <a:rPr lang="en-US" sz="2400" b="1" dirty="0"/>
               <a:t>S</a:t>
             </a:r>
             <a:r>
-              <a:rPr lang="en-US" sz="2400" dirty="0" smtClean="0"/>
+              <a:rPr lang="en-US" sz="2400" dirty="0"/>
               <a:t>ystem</a:t>
-            </a:r>
-            <a:r>
-              <a:rPr lang="en-US" sz="2400" dirty="0"/>
-              <a:t/>
             </a:r>
             <a:br>
               <a:rPr lang="en-US" sz="2400" dirty="0"/>
             </a:br>
-            <a:r>
-              <a:rPr lang="en-US" sz="2400" dirty="0"/>
-              <a:t/>
-            </a:r>
             <a:br>
               <a:rPr lang="en-US" sz="2400" dirty="0"/>
             </a:br>
             <a:r>
-              <a:rPr lang="en-US" dirty="0" smtClean="0"/>
+              <a:rPr lang="en-US" dirty="0"/>
               <a:t>Data Design – Relational Model</a:t>
             </a:r>
-            <a:endParaRPr lang="en-US" dirty="0"/>
           </a:p>
         </p:txBody>
       </p:sp>
@@ -10755,7 +10444,7 @@
             <a:pPr marL="0" indent="0">
               <a:buNone/>
             </a:pPr>
-            <a:endParaRPr lang="en-US" dirty="0" smtClean="0"/>
+            <a:endParaRPr lang="en-US" dirty="0"/>
           </a:p>
           <a:p>
             <a:pPr marL="0" indent="0">
@@ -10763,11 +10452,7 @@
             </a:pPr>
             <a:r>
               <a:rPr lang="en-US" dirty="0"/>
-              <a:t> </a:t>
-            </a:r>
-            <a:r>
-              <a:rPr lang="en-US" dirty="0" smtClean="0"/>
-              <a:t>   </a:t>
+              <a:t>    </a:t>
             </a:r>
           </a:p>
         </p:txBody>
@@ -10906,13 +10591,6 @@
   <p:clrMapOvr>
     <a:masterClrMapping/>
   </p:clrMapOvr>
-  <p:timing>
-    <p:tnLst>
-      <p:par>
-        <p:cTn id="1" dur="indefinite" restart="never" nodeType="tmRoot"/>
-      </p:par>
-    </p:tnLst>
-  </p:timing>
 </p:sld>
 </file>
 
@@ -10956,7 +10634,7 @@
           <a:lstStyle/>
           <a:p>
             <a:r>
-              <a:rPr lang="en-US" sz="2400" b="1" dirty="0" smtClean="0"/>
+              <a:rPr lang="en-US" sz="2400" b="1" dirty="0"/>
               <a:t>TEAM</a:t>
             </a:r>
             <a:r>
@@ -10968,11 +10646,11 @@
               <a:t>5</a:t>
             </a:r>
             <a:r>
-              <a:rPr lang="en-US" sz="2400" b="1" dirty="0" smtClean="0"/>
+              <a:rPr lang="en-US" sz="2400" b="1" dirty="0"/>
               <a:t>O</a:t>
             </a:r>
             <a:r>
-              <a:rPr lang="en-US" sz="2400" b="1" dirty="0" smtClean="0">
+              <a:rPr lang="en-US" sz="2400" b="1" dirty="0">
                 <a:solidFill>
                   <a:srgbClr val="FF0000"/>
                 </a:solidFill>
@@ -10980,12 +10658,8 @@
               <a:t>AR</a:t>
             </a:r>
             <a:r>
-              <a:rPr lang="en-US" sz="2400" b="1" dirty="0" smtClean="0"/>
+              <a:rPr lang="en-US" sz="2400" b="1" dirty="0"/>
               <a:t>S</a:t>
-            </a:r>
-            <a:r>
-              <a:rPr lang="en-US" sz="2400" dirty="0"/>
-              <a:t/>
             </a:r>
             <a:br>
               <a:rPr lang="en-US" sz="2400" dirty="0"/>
@@ -11023,32 +10697,23 @@
               <a:t>ental </a:t>
             </a:r>
             <a:r>
-              <a:rPr lang="en-US" sz="2400" b="1" dirty="0" smtClean="0"/>
+              <a:rPr lang="en-US" sz="2400" b="1" dirty="0"/>
               <a:t>S</a:t>
             </a:r>
             <a:r>
-              <a:rPr lang="en-US" sz="2400" dirty="0" smtClean="0"/>
+              <a:rPr lang="en-US" sz="2400" dirty="0"/>
               <a:t>ystem</a:t>
-            </a:r>
-            <a:r>
-              <a:rPr lang="en-US" sz="2400" dirty="0"/>
-              <a:t/>
             </a:r>
             <a:br>
               <a:rPr lang="en-US" sz="2400" dirty="0"/>
             </a:br>
-            <a:r>
-              <a:rPr lang="en-US" sz="2400" dirty="0"/>
-              <a:t/>
-            </a:r>
             <a:br>
               <a:rPr lang="en-US" sz="2400" dirty="0"/>
             </a:br>
             <a:r>
-              <a:rPr lang="en-US" dirty="0" smtClean="0"/>
+              <a:rPr lang="en-US" dirty="0"/>
               <a:t>Data Design – Relational Model</a:t>
             </a:r>
-            <a:endParaRPr lang="en-US" dirty="0"/>
           </a:p>
         </p:txBody>
       </p:sp>
@@ -11075,7 +10740,7 @@
             <a:pPr marL="0" indent="0">
               <a:buNone/>
             </a:pPr>
-            <a:endParaRPr lang="en-US" dirty="0" smtClean="0"/>
+            <a:endParaRPr lang="en-US" dirty="0"/>
           </a:p>
           <a:p>
             <a:pPr marL="0" indent="0">
@@ -11083,11 +10748,7 @@
             </a:pPr>
             <a:r>
               <a:rPr lang="en-US" dirty="0"/>
-              <a:t> </a:t>
-            </a:r>
-            <a:r>
-              <a:rPr lang="en-US" dirty="0" smtClean="0"/>
-              <a:t>   </a:t>
+              <a:t>    </a:t>
             </a:r>
           </a:p>
         </p:txBody>
@@ -11226,13 +10887,6 @@
   <p:clrMapOvr>
     <a:masterClrMapping/>
   </p:clrMapOvr>
-  <p:timing>
-    <p:tnLst>
-      <p:par>
-        <p:cTn id="1" dur="indefinite" restart="never" nodeType="tmRoot"/>
-      </p:par>
-    </p:tnLst>
-  </p:timing>
 </p:sld>
 </file>
 
@@ -11276,7 +10930,7 @@
           <a:lstStyle/>
           <a:p>
             <a:r>
-              <a:rPr lang="en-US" sz="2400" b="1" dirty="0" smtClean="0"/>
+              <a:rPr lang="en-US" sz="2400" b="1" dirty="0"/>
               <a:t>TEAM</a:t>
             </a:r>
             <a:r>
@@ -11288,11 +10942,11 @@
               <a:t>5</a:t>
             </a:r>
             <a:r>
-              <a:rPr lang="en-US" sz="2400" b="1" dirty="0" smtClean="0"/>
+              <a:rPr lang="en-US" sz="2400" b="1" dirty="0"/>
               <a:t>O</a:t>
             </a:r>
             <a:r>
-              <a:rPr lang="en-US" sz="2400" b="1" dirty="0" smtClean="0">
+              <a:rPr lang="en-US" sz="2400" b="1" dirty="0">
                 <a:solidFill>
                   <a:srgbClr val="FF0000"/>
                 </a:solidFill>
@@ -11300,12 +10954,8 @@
               <a:t>AR</a:t>
             </a:r>
             <a:r>
-              <a:rPr lang="en-US" sz="2400" b="1" dirty="0" smtClean="0"/>
+              <a:rPr lang="en-US" sz="2400" b="1" dirty="0"/>
               <a:t>S</a:t>
-            </a:r>
-            <a:r>
-              <a:rPr lang="en-US" sz="2400" dirty="0"/>
-              <a:t/>
             </a:r>
             <a:br>
               <a:rPr lang="en-US" sz="2400" dirty="0"/>
@@ -11343,32 +10993,23 @@
               <a:t>ental </a:t>
             </a:r>
             <a:r>
-              <a:rPr lang="en-US" sz="2400" b="1" dirty="0" smtClean="0"/>
+              <a:rPr lang="en-US" sz="2400" b="1" dirty="0"/>
               <a:t>S</a:t>
             </a:r>
             <a:r>
-              <a:rPr lang="en-US" sz="2400" dirty="0" smtClean="0"/>
+              <a:rPr lang="en-US" sz="2400" dirty="0"/>
               <a:t>ystem</a:t>
-            </a:r>
-            <a:r>
-              <a:rPr lang="en-US" sz="2400" dirty="0"/>
-              <a:t/>
             </a:r>
             <a:br>
               <a:rPr lang="en-US" sz="2400" dirty="0"/>
             </a:br>
-            <a:r>
-              <a:rPr lang="en-US" sz="2400" dirty="0"/>
-              <a:t/>
-            </a:r>
             <a:br>
               <a:rPr lang="en-US" sz="2400" dirty="0"/>
             </a:br>
             <a:r>
-              <a:rPr lang="en-US" dirty="0" smtClean="0"/>
+              <a:rPr lang="en-US" dirty="0"/>
               <a:t>Data Design – Relational Model</a:t>
             </a:r>
-            <a:endParaRPr lang="en-US" dirty="0"/>
           </a:p>
         </p:txBody>
       </p:sp>
@@ -11395,7 +11036,7 @@
             <a:pPr marL="0" indent="0">
               <a:buNone/>
             </a:pPr>
-            <a:endParaRPr lang="en-US" dirty="0" smtClean="0"/>
+            <a:endParaRPr lang="en-US" dirty="0"/>
           </a:p>
           <a:p>
             <a:pPr marL="0" indent="0">
@@ -11403,11 +11044,7 @@
             </a:pPr>
             <a:r>
               <a:rPr lang="en-US" dirty="0"/>
-              <a:t> </a:t>
-            </a:r>
-            <a:r>
-              <a:rPr lang="en-US" dirty="0" smtClean="0"/>
-              <a:t>   </a:t>
+              <a:t>    </a:t>
             </a:r>
           </a:p>
         </p:txBody>
@@ -11546,13 +11183,6 @@
   <p:clrMapOvr>
     <a:masterClrMapping/>
   </p:clrMapOvr>
-  <p:timing>
-    <p:tnLst>
-      <p:par>
-        <p:cTn id="1" dur="indefinite" restart="never" nodeType="tmRoot"/>
-      </p:par>
-    </p:tnLst>
-  </p:timing>
 </p:sld>
 </file>
 

--- a/TEAM PROJECT DELIVERABLES/TEAM5OARS.pptx
+++ b/TEAM PROJECT DELIVERABLES/TEAM5OARS.pptx
@@ -9168,6 +9168,17 @@
           <a:bodyPr/>
           <a:lstStyle/>
           <a:p>
+            <a:endParaRPr lang="en-US" dirty="0"/>
+          </a:p>
+          <a:p>
+            <a:r>
+              <a:rPr lang="en-US" dirty="0"/>
+              <a:t>We are using MySQL Server to manage </a:t>
+            </a:r>
+            <a:r>
+              <a:rPr lang="en-US"/>
+              <a:t>the database</a:t>
+            </a:r>
             <a:endParaRPr lang="en-US" dirty="0"/>
           </a:p>
         </p:txBody>

--- a/TEAM PROJECT DELIVERABLES/TEAM5OARS.pptx
+++ b/TEAM PROJECT DELIVERABLES/TEAM5OARS.pptx
@@ -6298,6 +6298,10 @@
               <a:rPr lang="en-US" sz="3200" b="1" dirty="0"/>
               <a:t>S</a:t>
             </a:r>
+            <a:r>
+              <a:rPr lang="en-US" sz="3200" dirty="0"/>
+              <a:t/>
+            </a:r>
             <a:br>
               <a:rPr lang="en-US" sz="3200" dirty="0"/>
             </a:br>
@@ -6351,6 +6355,10 @@
                 </a:solidFill>
               </a:rPr>
               <a:t>PRESENTATION</a:t>
+            </a:r>
+            <a:r>
+              <a:rPr lang="en-US" sz="3200" dirty="0"/>
+              <a:t/>
             </a:r>
             <a:br>
               <a:rPr lang="en-US" sz="3200" dirty="0"/>
@@ -6516,6 +6524,10 @@
               <a:rPr lang="en-US" sz="2400" b="1" dirty="0"/>
               <a:t>S</a:t>
             </a:r>
+            <a:r>
+              <a:rPr lang="en-US" sz="2400" dirty="0"/>
+              <a:t/>
+            </a:r>
             <a:br>
               <a:rPr lang="en-US" sz="2400" dirty="0"/>
             </a:br>
@@ -6562,6 +6574,10 @@
             <a:br>
               <a:rPr lang="en-US" sz="2400" dirty="0"/>
             </a:br>
+            <a:r>
+              <a:rPr lang="en-US" sz="2400" dirty="0"/>
+              <a:t/>
+            </a:r>
             <a:br>
               <a:rPr lang="en-US" sz="2400" dirty="0"/>
             </a:br>
@@ -6812,6 +6828,10 @@
               <a:rPr lang="en-US" sz="2400" b="1" dirty="0"/>
               <a:t>S</a:t>
             </a:r>
+            <a:r>
+              <a:rPr lang="en-US" sz="2400" dirty="0"/>
+              <a:t/>
+            </a:r>
             <a:br>
               <a:rPr lang="en-US" sz="2400" dirty="0"/>
             </a:br>
@@ -6858,6 +6878,10 @@
             <a:br>
               <a:rPr lang="en-US" sz="2400" dirty="0"/>
             </a:br>
+            <a:r>
+              <a:rPr lang="en-US" sz="2400" dirty="0"/>
+              <a:t/>
+            </a:r>
             <a:br>
               <a:rPr lang="en-US" sz="2400" dirty="0"/>
             </a:br>
@@ -7108,6 +7132,10 @@
               <a:rPr lang="en-US" sz="2400" b="1" dirty="0"/>
               <a:t>S</a:t>
             </a:r>
+            <a:r>
+              <a:rPr lang="en-US" sz="2400" dirty="0"/>
+              <a:t/>
+            </a:r>
             <a:br>
               <a:rPr lang="en-US" sz="2400" dirty="0"/>
             </a:br>
@@ -7154,6 +7182,10 @@
             <a:br>
               <a:rPr lang="en-US" sz="2400" dirty="0"/>
             </a:br>
+            <a:r>
+              <a:rPr lang="en-US" sz="2400" dirty="0"/>
+              <a:t/>
+            </a:r>
             <a:br>
               <a:rPr lang="en-US" sz="2400" dirty="0"/>
             </a:br>
@@ -7404,6 +7436,10 @@
               <a:rPr lang="en-US" sz="2400" b="1" dirty="0"/>
               <a:t>S</a:t>
             </a:r>
+            <a:r>
+              <a:rPr lang="en-US" sz="2400" dirty="0"/>
+              <a:t/>
+            </a:r>
             <a:br>
               <a:rPr lang="en-US" sz="2400" dirty="0"/>
             </a:br>
@@ -7450,6 +7486,10 @@
             <a:br>
               <a:rPr lang="en-US" sz="2400" dirty="0"/>
             </a:br>
+            <a:r>
+              <a:rPr lang="en-US" sz="2400" dirty="0"/>
+              <a:t/>
+            </a:r>
             <a:br>
               <a:rPr lang="en-US" sz="2400" dirty="0"/>
             </a:br>
@@ -7700,6 +7740,10 @@
               <a:rPr lang="en-US" sz="2400" b="1" dirty="0"/>
               <a:t>S</a:t>
             </a:r>
+            <a:r>
+              <a:rPr lang="en-US" sz="2400" dirty="0"/>
+              <a:t/>
+            </a:r>
             <a:br>
               <a:rPr lang="en-US" sz="2400" dirty="0"/>
             </a:br>
@@ -7746,6 +7790,10 @@
             <a:br>
               <a:rPr lang="en-US" sz="2400" dirty="0"/>
             </a:br>
+            <a:r>
+              <a:rPr lang="en-US" sz="2400" dirty="0"/>
+              <a:t/>
+            </a:r>
             <a:br>
               <a:rPr lang="en-US" sz="2400" dirty="0"/>
             </a:br>
@@ -7996,6 +8044,10 @@
               <a:rPr lang="en-US" sz="2400" b="1" dirty="0"/>
               <a:t>S</a:t>
             </a:r>
+            <a:r>
+              <a:rPr lang="en-US" sz="2400" dirty="0"/>
+              <a:t/>
+            </a:r>
             <a:br>
               <a:rPr lang="en-US" sz="2400" dirty="0"/>
             </a:br>
@@ -8042,6 +8094,10 @@
             <a:br>
               <a:rPr lang="en-US" sz="2400" dirty="0"/>
             </a:br>
+            <a:r>
+              <a:rPr lang="en-US" sz="2400" dirty="0"/>
+              <a:t/>
+            </a:r>
             <a:br>
               <a:rPr lang="en-US" sz="2400" dirty="0"/>
             </a:br>
@@ -8280,6 +8336,10 @@
               <a:rPr lang="en-US" sz="2400" b="1" dirty="0"/>
               <a:t>S</a:t>
             </a:r>
+            <a:r>
+              <a:rPr lang="en-US" sz="2400" dirty="0"/>
+              <a:t/>
+            </a:r>
             <a:br>
               <a:rPr lang="en-US" sz="2400" dirty="0"/>
             </a:br>
@@ -8323,7 +8383,7 @@
               <a:rPr lang="en-US" sz="2400" dirty="0"/>
               <a:t>ystem</a:t>
             </a:r>
-            <a:br>
+            <a:r>
               <a:rPr lang="en-US" sz="3600" dirty="0">
                 <a:solidFill>
                   <a:srgbClr val="8CADAE">
@@ -8331,7 +8391,21 @@
                   </a:srgbClr>
                 </a:solidFill>
               </a:rPr>
+              <a:t/>
+            </a:r>
+            <a:br>
+              <a:rPr lang="en-US" sz="3600" dirty="0">
+                <a:solidFill>
+                  <a:srgbClr val="8CADAE">
+                    <a:shade val="75000"/>
+                  </a:srgbClr>
+                </a:solidFill>
+              </a:rPr>
             </a:br>
+            <a:r>
+              <a:rPr lang="en-US" sz="3600" dirty="0"/>
+              <a:t/>
+            </a:r>
             <a:br>
               <a:rPr lang="en-US" sz="3600" dirty="0"/>
             </a:br>
@@ -8367,15 +8441,10 @@
           <a:lstStyle/>
           <a:p>
             <a:r>
-              <a:rPr lang="en-US" dirty="0"/>
-              <a:t>Added by VH;</a:t>
-            </a:r>
-          </a:p>
-          <a:p>
-            <a:r>
-              <a:rPr lang="en-US" dirty="0"/>
-              <a:t>Please place these as dividers </a:t>
-            </a:r>
+              <a:rPr lang="en-US" dirty="0" smtClean="0"/>
+              <a:t>We’re using Zend Framework which is built on PHP. </a:t>
+            </a:r>
+            <a:endParaRPr lang="en-US" dirty="0"/>
           </a:p>
           <a:p>
             <a:endParaRPr lang="en-US" dirty="0"/>
@@ -8462,6 +8531,10 @@
               <a:rPr lang="en-US" sz="2400" b="1" dirty="0"/>
               <a:t>S</a:t>
             </a:r>
+            <a:r>
+              <a:rPr lang="en-US" sz="2400" dirty="0"/>
+              <a:t/>
+            </a:r>
             <a:br>
               <a:rPr lang="en-US" sz="2400" dirty="0"/>
             </a:br>
@@ -8508,6 +8581,10 @@
             <a:br>
               <a:rPr lang="en-US" sz="2400" dirty="0"/>
             </a:br>
+            <a:r>
+              <a:rPr lang="en-US" sz="3600" dirty="0"/>
+              <a:t/>
+            </a:r>
             <a:br>
               <a:rPr lang="en-US" sz="3600" dirty="0"/>
             </a:br>
@@ -8682,6 +8759,10 @@
               <a:rPr lang="en-US" sz="2800" b="1" dirty="0"/>
               <a:t>S</a:t>
             </a:r>
+            <a:r>
+              <a:rPr lang="en-US" sz="2800" dirty="0"/>
+              <a:t/>
+            </a:r>
             <a:br>
               <a:rPr lang="en-US" sz="2800" dirty="0"/>
             </a:br>
@@ -8728,6 +8809,10 @@
             <a:br>
               <a:rPr lang="en-US" sz="2800" dirty="0"/>
             </a:br>
+            <a:r>
+              <a:rPr lang="en-US" sz="3600" dirty="0"/>
+              <a:t/>
+            </a:r>
             <a:br>
               <a:rPr lang="en-US" sz="3600" dirty="0"/>
             </a:br>
@@ -8898,6 +8983,10 @@
               <a:rPr lang="en-US" sz="2800" b="1" dirty="0"/>
               <a:t>S</a:t>
             </a:r>
+            <a:r>
+              <a:rPr lang="en-US" sz="2800" dirty="0"/>
+              <a:t/>
+            </a:r>
             <a:br>
               <a:rPr lang="en-US" sz="2800" dirty="0"/>
             </a:br>
@@ -8944,6 +9033,10 @@
             <a:br>
               <a:rPr lang="en-US" sz="2800" dirty="0"/>
             </a:br>
+            <a:r>
+              <a:rPr lang="en-US" sz="2800" dirty="0"/>
+              <a:t/>
+            </a:r>
             <a:br>
               <a:rPr lang="en-US" sz="2800" dirty="0"/>
             </a:br>
@@ -9093,6 +9186,10 @@
               <a:rPr lang="en-US" sz="2800" b="1" dirty="0"/>
               <a:t>S</a:t>
             </a:r>
+            <a:r>
+              <a:rPr lang="en-US" sz="2800" dirty="0"/>
+              <a:t/>
+            </a:r>
             <a:br>
               <a:rPr lang="en-US" sz="2800" dirty="0"/>
             </a:br>
@@ -9136,9 +9233,17 @@
               <a:rPr lang="en-US" sz="2800" dirty="0"/>
               <a:t>ystem</a:t>
             </a:r>
+            <a:r>
+              <a:rPr lang="en-US" sz="2000" dirty="0"/>
+              <a:t/>
+            </a:r>
             <a:br>
               <a:rPr lang="en-US" sz="2000" dirty="0"/>
             </a:br>
+            <a:r>
+              <a:rPr lang="en-US" sz="3600" dirty="0"/>
+              <a:t/>
+            </a:r>
             <a:br>
               <a:rPr lang="en-US" sz="3600" dirty="0"/>
             </a:br>
@@ -9173,13 +9278,8 @@
           <a:p>
             <a:r>
               <a:rPr lang="en-US" dirty="0"/>
-              <a:t>We are using MySQL Server to manage </a:t>
-            </a:r>
-            <a:r>
-              <a:rPr lang="en-US"/>
-              <a:t>the database</a:t>
-            </a:r>
-            <a:endParaRPr lang="en-US" dirty="0"/>
+              <a:t>We are using MySQL Server to manage the database</a:t>
+            </a:r>
           </a:p>
         </p:txBody>
       </p:sp>
@@ -9407,6 +9507,10 @@
               <a:rPr lang="en-US" sz="2800" b="1" dirty="0"/>
               <a:t>S</a:t>
             </a:r>
+            <a:r>
+              <a:rPr lang="en-US" sz="2800" dirty="0"/>
+              <a:t/>
+            </a:r>
             <a:br>
               <a:rPr lang="en-US" sz="2800" dirty="0"/>
             </a:br>
@@ -9450,7 +9554,7 @@
               <a:rPr lang="en-US" sz="2800" dirty="0"/>
               <a:t>ystem</a:t>
             </a:r>
-            <a:br>
+            <a:r>
               <a:rPr lang="en-US" sz="3600" dirty="0">
                 <a:solidFill>
                   <a:srgbClr val="8CADAE">
@@ -9458,7 +9562,21 @@
                   </a:srgbClr>
                 </a:solidFill>
               </a:rPr>
+              <a:t/>
+            </a:r>
+            <a:br>
+              <a:rPr lang="en-US" sz="3600" dirty="0">
+                <a:solidFill>
+                  <a:srgbClr val="8CADAE">
+                    <a:shade val="75000"/>
+                  </a:srgbClr>
+                </a:solidFill>
+              </a:rPr>
             </a:br>
+            <a:r>
+              <a:rPr lang="en-US" sz="3600" dirty="0"/>
+              <a:t/>
+            </a:r>
             <a:br>
               <a:rPr lang="en-US" sz="3600" dirty="0"/>
             </a:br>
@@ -9495,6 +9613,16 @@
                 <a:cs typeface="Arial" panose="020B0604020202020204" pitchFamily="34" charset="0"/>
               </a:rPr>
               <a:t>Go to purechat.com &gt; Sign up &gt; Copy snippet code &gt; paste before end of &lt;/body&gt;</a:t>
+            </a:r>
+            <a:r>
+              <a:rPr lang="en-US" sz="4400" dirty="0">
+                <a:solidFill>
+                  <a:srgbClr val="8CADAE">
+                    <a:shade val="75000"/>
+                  </a:srgbClr>
+                </a:solidFill>
+              </a:rPr>
+              <a:t/>
             </a:r>
             <a:br>
               <a:rPr lang="en-US" sz="4400" dirty="0">
@@ -9595,6 +9723,10 @@
               <a:rPr lang="en-US" sz="2400" b="1" dirty="0"/>
               <a:t>S</a:t>
             </a:r>
+            <a:r>
+              <a:rPr lang="en-US" sz="2400" dirty="0"/>
+              <a:t/>
+            </a:r>
             <a:br>
               <a:rPr lang="en-US" sz="2400" dirty="0"/>
             </a:br>
@@ -9641,6 +9773,10 @@
             <a:br>
               <a:rPr lang="en-US" sz="2400" dirty="0"/>
             </a:br>
+            <a:r>
+              <a:rPr lang="en-US" sz="2400" dirty="0"/>
+              <a:t/>
+            </a:r>
             <a:br>
               <a:rPr lang="en-US" sz="2400" dirty="0"/>
             </a:br>
@@ -9675,6 +9811,52 @@
           </a:prstGeom>
         </p:spPr>
       </p:pic>
+      <p:sp>
+        <p:nvSpPr>
+          <p:cNvPr id="3" name="TextBox 2"/>
+          <p:cNvSpPr txBox="1"/>
+          <p:nvPr/>
+        </p:nvSpPr>
+        <p:spPr>
+          <a:xfrm>
+            <a:off x="5181600" y="3429000"/>
+            <a:ext cx="880369" cy="923330"/>
+          </a:xfrm>
+          <a:prstGeom prst="rect">
+            <a:avLst/>
+          </a:prstGeom>
+          <a:noFill/>
+        </p:spPr>
+        <p:txBody>
+          <a:bodyPr wrap="none" rtlCol="0">
+            <a:spAutoFit/>
+          </a:bodyPr>
+          <a:lstStyle/>
+          <a:p>
+            <a:r>
+              <a:rPr lang="en-US" dirty="0" smtClean="0"/>
+              <a:t>#E: 9</a:t>
+            </a:r>
+          </a:p>
+          <a:p>
+            <a:r>
+              <a:rPr lang="en-US" dirty="0" smtClean="0"/>
+              <a:t>#R: 9</a:t>
+            </a:r>
+          </a:p>
+          <a:p>
+            <a:r>
+              <a:rPr lang="en-US" dirty="0" smtClean="0"/>
+              <a:t>#A</a:t>
+            </a:r>
+            <a:r>
+              <a:rPr lang="en-US" smtClean="0"/>
+              <a:t>: 50</a:t>
+            </a:r>
+            <a:endParaRPr lang="en-US" dirty="0" smtClean="0"/>
+          </a:p>
+        </p:txBody>
+      </p:sp>
     </p:spTree>
     <p:extLst>
       <p:ext uri="{BB962C8B-B14F-4D97-AF65-F5344CB8AC3E}">
@@ -9755,6 +9937,10 @@
               <a:rPr lang="en-US" sz="2400" b="1" dirty="0"/>
               <a:t>S</a:t>
             </a:r>
+            <a:r>
+              <a:rPr lang="en-US" sz="2400" dirty="0"/>
+              <a:t/>
+            </a:r>
             <a:br>
               <a:rPr lang="en-US" sz="2400" dirty="0"/>
             </a:br>
@@ -9801,6 +9987,10 @@
             <a:br>
               <a:rPr lang="en-US" sz="2400" dirty="0"/>
             </a:br>
+            <a:r>
+              <a:rPr lang="en-US" sz="3600" dirty="0"/>
+              <a:t/>
+            </a:r>
             <a:br>
               <a:rPr lang="en-US" sz="3600" dirty="0"/>
             </a:br>
@@ -9970,6 +10160,10 @@
               <a:rPr lang="en-US" sz="2400" b="1" dirty="0"/>
               <a:t>S</a:t>
             </a:r>
+            <a:r>
+              <a:rPr lang="en-US" sz="2400" dirty="0"/>
+              <a:t/>
+            </a:r>
             <a:br>
               <a:rPr lang="en-US" sz="2400" dirty="0"/>
             </a:br>
@@ -10016,6 +10210,10 @@
             <a:br>
               <a:rPr lang="en-US" sz="2400" dirty="0"/>
             </a:br>
+            <a:r>
+              <a:rPr lang="en-US" sz="3600" dirty="0"/>
+              <a:t/>
+            </a:r>
             <a:br>
               <a:rPr lang="en-US" sz="3600" dirty="0"/>
             </a:br>
@@ -10161,6 +10359,10 @@
               <a:rPr lang="en-US" sz="2400" b="1" dirty="0"/>
               <a:t>S</a:t>
             </a:r>
+            <a:r>
+              <a:rPr lang="en-US" sz="2400" dirty="0"/>
+              <a:t/>
+            </a:r>
             <a:br>
               <a:rPr lang="en-US" sz="2400" dirty="0"/>
             </a:br>
@@ -10207,6 +10409,10 @@
             <a:br>
               <a:rPr lang="en-US" sz="2400" dirty="0"/>
             </a:br>
+            <a:r>
+              <a:rPr lang="en-US" sz="3600" dirty="0"/>
+              <a:t/>
+            </a:r>
             <a:br>
               <a:rPr lang="en-US" sz="3600" dirty="0"/>
             </a:br>
@@ -10376,6 +10582,10 @@
               <a:rPr lang="en-US" sz="2400" b="1" dirty="0"/>
               <a:t>S</a:t>
             </a:r>
+            <a:r>
+              <a:rPr lang="en-US" sz="2400" dirty="0"/>
+              <a:t/>
+            </a:r>
             <a:br>
               <a:rPr lang="en-US" sz="2400" dirty="0"/>
             </a:br>
@@ -10422,6 +10632,10 @@
             <a:br>
               <a:rPr lang="en-US" sz="2400" dirty="0"/>
             </a:br>
+            <a:r>
+              <a:rPr lang="en-US" sz="2400" dirty="0"/>
+              <a:t/>
+            </a:r>
             <a:br>
               <a:rPr lang="en-US" sz="2400" dirty="0"/>
             </a:br>
@@ -10672,6 +10886,10 @@
               <a:rPr lang="en-US" sz="2400" b="1" dirty="0"/>
               <a:t>S</a:t>
             </a:r>
+            <a:r>
+              <a:rPr lang="en-US" sz="2400" dirty="0"/>
+              <a:t/>
+            </a:r>
             <a:br>
               <a:rPr lang="en-US" sz="2400" dirty="0"/>
             </a:br>
@@ -10718,6 +10936,10 @@
             <a:br>
               <a:rPr lang="en-US" sz="2400" dirty="0"/>
             </a:br>
+            <a:r>
+              <a:rPr lang="en-US" sz="2400" dirty="0"/>
+              <a:t/>
+            </a:r>
             <a:br>
               <a:rPr lang="en-US" sz="2400" dirty="0"/>
             </a:br>
@@ -10968,6 +11190,10 @@
               <a:rPr lang="en-US" sz="2400" b="1" dirty="0"/>
               <a:t>S</a:t>
             </a:r>
+            <a:r>
+              <a:rPr lang="en-US" sz="2400" dirty="0"/>
+              <a:t/>
+            </a:r>
             <a:br>
               <a:rPr lang="en-US" sz="2400" dirty="0"/>
             </a:br>
@@ -11014,6 +11240,10 @@
             <a:br>
               <a:rPr lang="en-US" sz="2400" dirty="0"/>
             </a:br>
+            <a:r>
+              <a:rPr lang="en-US" sz="2400" dirty="0"/>
+              <a:t/>
+            </a:r>
             <a:br>
               <a:rPr lang="en-US" sz="2400" dirty="0"/>
             </a:br>

--- a/TEAM PROJECT DELIVERABLES/TEAM5OARS.pptx
+++ b/TEAM PROJECT DELIVERABLES/TEAM5OARS.pptx
@@ -228,7 +228,7 @@
           <a:p>
             <a:fld id="{21A295EC-C5AF-478A-B6B7-ACF964938DD4}" type="datetimeFigureOut">
               <a:rPr lang="en-US" smtClean="0"/>
-              <a:t>3/21/2016</a:t>
+              <a:t>5/2/2016</a:t>
             </a:fld>
             <a:endParaRPr lang="en-US"/>
           </a:p>
@@ -591,7 +591,7 @@
             <a:fld id="{C7F82005-8F97-448F-A12C-2EE43D7D0751}" type="datetimeFigureOut">
               <a:rPr lang="en-US" smtClean="0"/>
               <a:pPr/>
-              <a:t>3/21/2016</a:t>
+              <a:t>5/2/2016</a:t>
             </a:fld>
             <a:endParaRPr lang="en-US"/>
           </a:p>
@@ -984,7 +984,7 @@
             <a:fld id="{C7F82005-8F97-448F-A12C-2EE43D7D0751}" type="datetimeFigureOut">
               <a:rPr lang="en-US" smtClean="0"/>
               <a:pPr/>
-              <a:t>3/21/2016</a:t>
+              <a:t>5/2/2016</a:t>
             </a:fld>
             <a:endParaRPr lang="en-US"/>
           </a:p>
@@ -1519,7 +1519,7 @@
             <a:fld id="{C7F82005-8F97-448F-A12C-2EE43D7D0751}" type="datetimeFigureOut">
               <a:rPr lang="en-US" smtClean="0"/>
               <a:pPr/>
-              <a:t>3/21/2016</a:t>
+              <a:t>5/2/2016</a:t>
             </a:fld>
             <a:endParaRPr lang="en-US"/>
           </a:p>
@@ -1651,7 +1651,7 @@
             <a:fld id="{C7F82005-8F97-448F-A12C-2EE43D7D0751}" type="datetimeFigureOut">
               <a:rPr lang="en-US" smtClean="0"/>
               <a:pPr/>
-              <a:t>3/21/2016</a:t>
+              <a:t>5/2/2016</a:t>
             </a:fld>
             <a:endParaRPr lang="en-US"/>
           </a:p>
@@ -2196,7 +2196,7 @@
             <a:fld id="{C7F82005-8F97-448F-A12C-2EE43D7D0751}" type="datetimeFigureOut">
               <a:rPr lang="en-US" smtClean="0"/>
               <a:pPr/>
-              <a:t>3/21/2016</a:t>
+              <a:t>5/2/2016</a:t>
             </a:fld>
             <a:endParaRPr lang="en-US"/>
           </a:p>
@@ -2491,7 +2491,7 @@
             <a:fld id="{C7F82005-8F97-448F-A12C-2EE43D7D0751}" type="datetimeFigureOut">
               <a:rPr lang="en-US" smtClean="0"/>
               <a:pPr/>
-              <a:t>3/21/2016</a:t>
+              <a:t>5/2/2016</a:t>
             </a:fld>
             <a:endParaRPr lang="en-US"/>
           </a:p>
@@ -3152,7 +3152,7 @@
             <a:fld id="{C7F82005-8F97-448F-A12C-2EE43D7D0751}" type="datetimeFigureOut">
               <a:rPr lang="en-US" smtClean="0"/>
               <a:pPr/>
-              <a:t>3/21/2016</a:t>
+              <a:t>5/2/2016</a:t>
             </a:fld>
             <a:endParaRPr lang="en-US"/>
           </a:p>
@@ -3588,7 +3588,7 @@
             <a:fld id="{C7F82005-8F97-448F-A12C-2EE43D7D0751}" type="datetimeFigureOut">
               <a:rPr lang="en-US" smtClean="0"/>
               <a:pPr/>
-              <a:t>3/21/2016</a:t>
+              <a:t>5/2/2016</a:t>
             </a:fld>
             <a:endParaRPr lang="en-US"/>
           </a:p>
@@ -3903,7 +3903,7 @@
             <a:fld id="{C7F82005-8F97-448F-A12C-2EE43D7D0751}" type="datetimeFigureOut">
               <a:rPr lang="en-US" smtClean="0"/>
               <a:pPr/>
-              <a:t>3/21/2016</a:t>
+              <a:t>5/2/2016</a:t>
             </a:fld>
             <a:endParaRPr lang="en-US"/>
           </a:p>
@@ -4637,7 +4637,7 @@
             <a:fld id="{C7F82005-8F97-448F-A12C-2EE43D7D0751}" type="datetimeFigureOut">
               <a:rPr lang="en-US" smtClean="0"/>
               <a:pPr/>
-              <a:t>3/21/2016</a:t>
+              <a:t>5/2/2016</a:t>
             </a:fld>
             <a:endParaRPr lang="en-US"/>
           </a:p>
@@ -5302,7 +5302,7 @@
             <a:fld id="{C7F82005-8F97-448F-A12C-2EE43D7D0751}" type="datetimeFigureOut">
               <a:rPr lang="en-US" smtClean="0"/>
               <a:pPr/>
-              <a:t>3/21/2016</a:t>
+              <a:t>5/2/2016</a:t>
             </a:fld>
             <a:endParaRPr lang="en-US"/>
           </a:p>
@@ -5576,7 +5576,7 @@
             <a:fld id="{C7F82005-8F97-448F-A12C-2EE43D7D0751}" type="datetimeFigureOut">
               <a:rPr lang="en-US" smtClean="0"/>
               <a:pPr/>
-              <a:t>3/21/2016</a:t>
+              <a:t>5/2/2016</a:t>
             </a:fld>
             <a:endParaRPr lang="en-US"/>
           </a:p>
@@ -6298,10 +6298,6 @@
               <a:rPr lang="en-US" sz="3200" b="1" dirty="0"/>
               <a:t>S</a:t>
             </a:r>
-            <a:r>
-              <a:rPr lang="en-US" sz="3200" dirty="0"/>
-              <a:t/>
-            </a:r>
             <a:br>
               <a:rPr lang="en-US" sz="3200" dirty="0"/>
             </a:br>
@@ -6355,10 +6351,6 @@
                 </a:solidFill>
               </a:rPr>
               <a:t>PRESENTATION</a:t>
-            </a:r>
-            <a:r>
-              <a:rPr lang="en-US" sz="3200" dirty="0"/>
-              <a:t/>
             </a:r>
             <a:br>
               <a:rPr lang="en-US" sz="3200" dirty="0"/>
@@ -6524,10 +6516,6 @@
               <a:rPr lang="en-US" sz="2400" b="1" dirty="0"/>
               <a:t>S</a:t>
             </a:r>
-            <a:r>
-              <a:rPr lang="en-US" sz="2400" dirty="0"/>
-              <a:t/>
-            </a:r>
             <a:br>
               <a:rPr lang="en-US" sz="2400" dirty="0"/>
             </a:br>
@@ -6574,10 +6562,6 @@
             <a:br>
               <a:rPr lang="en-US" sz="2400" dirty="0"/>
             </a:br>
-            <a:r>
-              <a:rPr lang="en-US" sz="2400" dirty="0"/>
-              <a:t/>
-            </a:r>
             <a:br>
               <a:rPr lang="en-US" sz="2400" dirty="0"/>
             </a:br>
@@ -6828,10 +6812,6 @@
               <a:rPr lang="en-US" sz="2400" b="1" dirty="0"/>
               <a:t>S</a:t>
             </a:r>
-            <a:r>
-              <a:rPr lang="en-US" sz="2400" dirty="0"/>
-              <a:t/>
-            </a:r>
             <a:br>
               <a:rPr lang="en-US" sz="2400" dirty="0"/>
             </a:br>
@@ -6878,10 +6858,6 @@
             <a:br>
               <a:rPr lang="en-US" sz="2400" dirty="0"/>
             </a:br>
-            <a:r>
-              <a:rPr lang="en-US" sz="2400" dirty="0"/>
-              <a:t/>
-            </a:r>
             <a:br>
               <a:rPr lang="en-US" sz="2400" dirty="0"/>
             </a:br>
@@ -7132,10 +7108,6 @@
               <a:rPr lang="en-US" sz="2400" b="1" dirty="0"/>
               <a:t>S</a:t>
             </a:r>
-            <a:r>
-              <a:rPr lang="en-US" sz="2400" dirty="0"/>
-              <a:t/>
-            </a:r>
             <a:br>
               <a:rPr lang="en-US" sz="2400" dirty="0"/>
             </a:br>
@@ -7182,10 +7154,6 @@
             <a:br>
               <a:rPr lang="en-US" sz="2400" dirty="0"/>
             </a:br>
-            <a:r>
-              <a:rPr lang="en-US" sz="2400" dirty="0"/>
-              <a:t/>
-            </a:r>
             <a:br>
               <a:rPr lang="en-US" sz="2400" dirty="0"/>
             </a:br>
@@ -7436,10 +7404,6 @@
               <a:rPr lang="en-US" sz="2400" b="1" dirty="0"/>
               <a:t>S</a:t>
             </a:r>
-            <a:r>
-              <a:rPr lang="en-US" sz="2400" dirty="0"/>
-              <a:t/>
-            </a:r>
             <a:br>
               <a:rPr lang="en-US" sz="2400" dirty="0"/>
             </a:br>
@@ -7486,10 +7450,6 @@
             <a:br>
               <a:rPr lang="en-US" sz="2400" dirty="0"/>
             </a:br>
-            <a:r>
-              <a:rPr lang="en-US" sz="2400" dirty="0"/>
-              <a:t/>
-            </a:r>
             <a:br>
               <a:rPr lang="en-US" sz="2400" dirty="0"/>
             </a:br>
@@ -7740,10 +7700,6 @@
               <a:rPr lang="en-US" sz="2400" b="1" dirty="0"/>
               <a:t>S</a:t>
             </a:r>
-            <a:r>
-              <a:rPr lang="en-US" sz="2400" dirty="0"/>
-              <a:t/>
-            </a:r>
             <a:br>
               <a:rPr lang="en-US" sz="2400" dirty="0"/>
             </a:br>
@@ -7790,10 +7746,6 @@
             <a:br>
               <a:rPr lang="en-US" sz="2400" dirty="0"/>
             </a:br>
-            <a:r>
-              <a:rPr lang="en-US" sz="2400" dirty="0"/>
-              <a:t/>
-            </a:r>
             <a:br>
               <a:rPr lang="en-US" sz="2400" dirty="0"/>
             </a:br>
@@ -8044,10 +7996,6 @@
               <a:rPr lang="en-US" sz="2400" b="1" dirty="0"/>
               <a:t>S</a:t>
             </a:r>
-            <a:r>
-              <a:rPr lang="en-US" sz="2400" dirty="0"/>
-              <a:t/>
-            </a:r>
             <a:br>
               <a:rPr lang="en-US" sz="2400" dirty="0"/>
             </a:br>
@@ -8094,10 +8042,6 @@
             <a:br>
               <a:rPr lang="en-US" sz="2400" dirty="0"/>
             </a:br>
-            <a:r>
-              <a:rPr lang="en-US" sz="2400" dirty="0"/>
-              <a:t/>
-            </a:r>
             <a:br>
               <a:rPr lang="en-US" sz="2400" dirty="0"/>
             </a:br>
@@ -8336,10 +8280,6 @@
               <a:rPr lang="en-US" sz="2400" b="1" dirty="0"/>
               <a:t>S</a:t>
             </a:r>
-            <a:r>
-              <a:rPr lang="en-US" sz="2400" dirty="0"/>
-              <a:t/>
-            </a:r>
             <a:br>
               <a:rPr lang="en-US" sz="2400" dirty="0"/>
             </a:br>
@@ -8383,7 +8323,7 @@
               <a:rPr lang="en-US" sz="2400" dirty="0"/>
               <a:t>ystem</a:t>
             </a:r>
-            <a:r>
+            <a:br>
               <a:rPr lang="en-US" sz="3600" dirty="0">
                 <a:solidFill>
                   <a:srgbClr val="8CADAE">
@@ -8391,21 +8331,7 @@
                   </a:srgbClr>
                 </a:solidFill>
               </a:rPr>
-              <a:t/>
-            </a:r>
-            <a:br>
-              <a:rPr lang="en-US" sz="3600" dirty="0">
-                <a:solidFill>
-                  <a:srgbClr val="8CADAE">
-                    <a:shade val="75000"/>
-                  </a:srgbClr>
-                </a:solidFill>
-              </a:rPr>
             </a:br>
-            <a:r>
-              <a:rPr lang="en-US" sz="3600" dirty="0"/>
-              <a:t/>
-            </a:r>
             <a:br>
               <a:rPr lang="en-US" sz="3600" dirty="0"/>
             </a:br>
@@ -8441,10 +8367,9 @@
           <a:lstStyle/>
           <a:p>
             <a:r>
-              <a:rPr lang="en-US" dirty="0" smtClean="0"/>
+              <a:rPr lang="en-US" dirty="0"/>
               <a:t>We’re using Zend Framework which is built on PHP. </a:t>
             </a:r>
-            <a:endParaRPr lang="en-US" dirty="0"/>
           </a:p>
           <a:p>
             <a:endParaRPr lang="en-US" dirty="0"/>
@@ -8531,10 +8456,6 @@
               <a:rPr lang="en-US" sz="2400" b="1" dirty="0"/>
               <a:t>S</a:t>
             </a:r>
-            <a:r>
-              <a:rPr lang="en-US" sz="2400" dirty="0"/>
-              <a:t/>
-            </a:r>
             <a:br>
               <a:rPr lang="en-US" sz="2400" dirty="0"/>
             </a:br>
@@ -8581,10 +8502,6 @@
             <a:br>
               <a:rPr lang="en-US" sz="2400" dirty="0"/>
             </a:br>
-            <a:r>
-              <a:rPr lang="en-US" sz="3600" dirty="0"/>
-              <a:t/>
-            </a:r>
             <a:br>
               <a:rPr lang="en-US" sz="3600" dirty="0"/>
             </a:br>
@@ -8633,7 +8550,7 @@
           <a:p>
             <a:r>
               <a:rPr lang="en-US" dirty="0"/>
-              <a:t>FRs: 16</a:t>
+              <a:t>FRs: 18</a:t>
             </a:r>
           </a:p>
           <a:p>
@@ -8658,7 +8575,7 @@
       </p:sp>
       <p:pic>
         <p:nvPicPr>
-          <p:cNvPr id="6" name="Picture 5"/>
+          <p:cNvPr id="4" name="Picture 3"/>
           <p:cNvPicPr>
             <a:picLocks noChangeAspect="1"/>
           </p:cNvPicPr>
@@ -8666,13 +8583,13 @@
         </p:nvPicPr>
         <p:blipFill rotWithShape="1">
           <a:blip r:embed="rId2"/>
-          <a:srcRect l="35416" t="25409" r="35001" b="8373"/>
+          <a:srcRect l="39459" t="18620" r="23338" b="2297"/>
           <a:stretch/>
         </p:blipFill>
         <p:spPr>
           <a:xfrm>
-            <a:off x="4572000" y="1974383"/>
-            <a:ext cx="4443524" cy="4883617"/>
+            <a:off x="4800600" y="2064179"/>
+            <a:ext cx="3886200" cy="4470308"/>
           </a:xfrm>
           <a:prstGeom prst="rect">
             <a:avLst/>
@@ -8759,10 +8676,6 @@
               <a:rPr lang="en-US" sz="2800" b="1" dirty="0"/>
               <a:t>S</a:t>
             </a:r>
-            <a:r>
-              <a:rPr lang="en-US" sz="2800" dirty="0"/>
-              <a:t/>
-            </a:r>
             <a:br>
               <a:rPr lang="en-US" sz="2800" dirty="0"/>
             </a:br>
@@ -8809,10 +8722,6 @@
             <a:br>
               <a:rPr lang="en-US" sz="2800" dirty="0"/>
             </a:br>
-            <a:r>
-              <a:rPr lang="en-US" sz="3600" dirty="0"/>
-              <a:t/>
-            </a:r>
             <a:br>
               <a:rPr lang="en-US" sz="3600" dirty="0"/>
             </a:br>
@@ -8983,10 +8892,6 @@
               <a:rPr lang="en-US" sz="2800" b="1" dirty="0"/>
               <a:t>S</a:t>
             </a:r>
-            <a:r>
-              <a:rPr lang="en-US" sz="2800" dirty="0"/>
-              <a:t/>
-            </a:r>
             <a:br>
               <a:rPr lang="en-US" sz="2800" dirty="0"/>
             </a:br>
@@ -9033,10 +8938,6 @@
             <a:br>
               <a:rPr lang="en-US" sz="2800" dirty="0"/>
             </a:br>
-            <a:r>
-              <a:rPr lang="en-US" sz="2800" dirty="0"/>
-              <a:t/>
-            </a:r>
             <a:br>
               <a:rPr lang="en-US" sz="2800" dirty="0"/>
             </a:br>
@@ -9186,10 +9087,6 @@
               <a:rPr lang="en-US" sz="2800" b="1" dirty="0"/>
               <a:t>S</a:t>
             </a:r>
-            <a:r>
-              <a:rPr lang="en-US" sz="2800" dirty="0"/>
-              <a:t/>
-            </a:r>
             <a:br>
               <a:rPr lang="en-US" sz="2800" dirty="0"/>
             </a:br>
@@ -9233,17 +9130,9 @@
               <a:rPr lang="en-US" sz="2800" dirty="0"/>
               <a:t>ystem</a:t>
             </a:r>
-            <a:r>
-              <a:rPr lang="en-US" sz="2000" dirty="0"/>
-              <a:t/>
-            </a:r>
             <a:br>
               <a:rPr lang="en-US" sz="2000" dirty="0"/>
             </a:br>
-            <a:r>
-              <a:rPr lang="en-US" sz="3600" dirty="0"/>
-              <a:t/>
-            </a:r>
             <a:br>
               <a:rPr lang="en-US" sz="3600" dirty="0"/>
             </a:br>
@@ -9507,10 +9396,6 @@
               <a:rPr lang="en-US" sz="2800" b="1" dirty="0"/>
               <a:t>S</a:t>
             </a:r>
-            <a:r>
-              <a:rPr lang="en-US" sz="2800" dirty="0"/>
-              <a:t/>
-            </a:r>
             <a:br>
               <a:rPr lang="en-US" sz="2800" dirty="0"/>
             </a:br>
@@ -9554,7 +9439,7 @@
               <a:rPr lang="en-US" sz="2800" dirty="0"/>
               <a:t>ystem</a:t>
             </a:r>
-            <a:r>
+            <a:br>
               <a:rPr lang="en-US" sz="3600" dirty="0">
                 <a:solidFill>
                   <a:srgbClr val="8CADAE">
@@ -9562,21 +9447,7 @@
                   </a:srgbClr>
                 </a:solidFill>
               </a:rPr>
-              <a:t/>
-            </a:r>
-            <a:br>
-              <a:rPr lang="en-US" sz="3600" dirty="0">
-                <a:solidFill>
-                  <a:srgbClr val="8CADAE">
-                    <a:shade val="75000"/>
-                  </a:srgbClr>
-                </a:solidFill>
-              </a:rPr>
             </a:br>
-            <a:r>
-              <a:rPr lang="en-US" sz="3600" dirty="0"/>
-              <a:t/>
-            </a:r>
             <a:br>
               <a:rPr lang="en-US" sz="3600" dirty="0"/>
             </a:br>
@@ -9613,16 +9484,6 @@
                 <a:cs typeface="Arial" panose="020B0604020202020204" pitchFamily="34" charset="0"/>
               </a:rPr>
               <a:t>Go to purechat.com &gt; Sign up &gt; Copy snippet code &gt; paste before end of &lt;/body&gt;</a:t>
-            </a:r>
-            <a:r>
-              <a:rPr lang="en-US" sz="4400" dirty="0">
-                <a:solidFill>
-                  <a:srgbClr val="8CADAE">
-                    <a:shade val="75000"/>
-                  </a:srgbClr>
-                </a:solidFill>
-              </a:rPr>
-              <a:t/>
             </a:r>
             <a:br>
               <a:rPr lang="en-US" sz="4400" dirty="0">
@@ -9723,10 +9584,6 @@
               <a:rPr lang="en-US" sz="2400" b="1" dirty="0"/>
               <a:t>S</a:t>
             </a:r>
-            <a:r>
-              <a:rPr lang="en-US" sz="2400" dirty="0"/>
-              <a:t/>
-            </a:r>
             <a:br>
               <a:rPr lang="en-US" sz="2400" dirty="0"/>
             </a:br>
@@ -9773,10 +9630,6 @@
             <a:br>
               <a:rPr lang="en-US" sz="2400" dirty="0"/>
             </a:br>
-            <a:r>
-              <a:rPr lang="en-US" sz="2400" dirty="0"/>
-              <a:t/>
-            </a:r>
             <a:br>
               <a:rPr lang="en-US" sz="2400" dirty="0"/>
             </a:br>
@@ -9834,26 +9687,26 @@
           <a:lstStyle/>
           <a:p>
             <a:r>
-              <a:rPr lang="en-US" dirty="0" smtClean="0"/>
+              <a:rPr lang="en-US" dirty="0"/>
               <a:t>#E: 9</a:t>
             </a:r>
           </a:p>
           <a:p>
             <a:r>
-              <a:rPr lang="en-US" dirty="0" smtClean="0"/>
+              <a:rPr lang="en-US" dirty="0"/>
               <a:t>#R: 9</a:t>
             </a:r>
           </a:p>
           <a:p>
             <a:r>
-              <a:rPr lang="en-US" dirty="0" smtClean="0"/>
+              <a:rPr lang="en-US" dirty="0"/>
               <a:t>#A</a:t>
             </a:r>
             <a:r>
-              <a:rPr lang="en-US" smtClean="0"/>
+              <a:rPr lang="en-US"/>
               <a:t>: 50</a:t>
             </a:r>
-            <a:endParaRPr lang="en-US" dirty="0" smtClean="0"/>
+            <a:endParaRPr lang="en-US" dirty="0"/>
           </a:p>
         </p:txBody>
       </p:sp>
@@ -9937,10 +9790,6 @@
               <a:rPr lang="en-US" sz="2400" b="1" dirty="0"/>
               <a:t>S</a:t>
             </a:r>
-            <a:r>
-              <a:rPr lang="en-US" sz="2400" dirty="0"/>
-              <a:t/>
-            </a:r>
             <a:br>
               <a:rPr lang="en-US" sz="2400" dirty="0"/>
             </a:br>
@@ -9987,10 +9836,6 @@
             <a:br>
               <a:rPr lang="en-US" sz="2400" dirty="0"/>
             </a:br>
-            <a:r>
-              <a:rPr lang="en-US" sz="3600" dirty="0"/>
-              <a:t/>
-            </a:r>
             <a:br>
               <a:rPr lang="en-US" sz="3600" dirty="0"/>
             </a:br>
@@ -10160,10 +10005,6 @@
               <a:rPr lang="en-US" sz="2400" b="1" dirty="0"/>
               <a:t>S</a:t>
             </a:r>
-            <a:r>
-              <a:rPr lang="en-US" sz="2400" dirty="0"/>
-              <a:t/>
-            </a:r>
             <a:br>
               <a:rPr lang="en-US" sz="2400" dirty="0"/>
             </a:br>
@@ -10210,10 +10051,6 @@
             <a:br>
               <a:rPr lang="en-US" sz="2400" dirty="0"/>
             </a:br>
-            <a:r>
-              <a:rPr lang="en-US" sz="3600" dirty="0"/>
-              <a:t/>
-            </a:r>
             <a:br>
               <a:rPr lang="en-US" sz="3600" dirty="0"/>
             </a:br>
@@ -10359,10 +10196,6 @@
               <a:rPr lang="en-US" sz="2400" b="1" dirty="0"/>
               <a:t>S</a:t>
             </a:r>
-            <a:r>
-              <a:rPr lang="en-US" sz="2400" dirty="0"/>
-              <a:t/>
-            </a:r>
             <a:br>
               <a:rPr lang="en-US" sz="2400" dirty="0"/>
             </a:br>
@@ -10409,10 +10242,6 @@
             <a:br>
               <a:rPr lang="en-US" sz="2400" dirty="0"/>
             </a:br>
-            <a:r>
-              <a:rPr lang="en-US" sz="3600" dirty="0"/>
-              <a:t/>
-            </a:r>
             <a:br>
               <a:rPr lang="en-US" sz="3600" dirty="0"/>
             </a:br>
@@ -10582,10 +10411,6 @@
               <a:rPr lang="en-US" sz="2400" b="1" dirty="0"/>
               <a:t>S</a:t>
             </a:r>
-            <a:r>
-              <a:rPr lang="en-US" sz="2400" dirty="0"/>
-              <a:t/>
-            </a:r>
             <a:br>
               <a:rPr lang="en-US" sz="2400" dirty="0"/>
             </a:br>
@@ -10632,10 +10457,6 @@
             <a:br>
               <a:rPr lang="en-US" sz="2400" dirty="0"/>
             </a:br>
-            <a:r>
-              <a:rPr lang="en-US" sz="2400" dirty="0"/>
-              <a:t/>
-            </a:r>
             <a:br>
               <a:rPr lang="en-US" sz="2400" dirty="0"/>
             </a:br>
@@ -10886,10 +10707,6 @@
               <a:rPr lang="en-US" sz="2400" b="1" dirty="0"/>
               <a:t>S</a:t>
             </a:r>
-            <a:r>
-              <a:rPr lang="en-US" sz="2400" dirty="0"/>
-              <a:t/>
-            </a:r>
             <a:br>
               <a:rPr lang="en-US" sz="2400" dirty="0"/>
             </a:br>
@@ -10936,10 +10753,6 @@
             <a:br>
               <a:rPr lang="en-US" sz="2400" dirty="0"/>
             </a:br>
-            <a:r>
-              <a:rPr lang="en-US" sz="2400" dirty="0"/>
-              <a:t/>
-            </a:r>
             <a:br>
               <a:rPr lang="en-US" sz="2400" dirty="0"/>
             </a:br>
@@ -11190,10 +11003,6 @@
               <a:rPr lang="en-US" sz="2400" b="1" dirty="0"/>
               <a:t>S</a:t>
             </a:r>
-            <a:r>
-              <a:rPr lang="en-US" sz="2400" dirty="0"/>
-              <a:t/>
-            </a:r>
             <a:br>
               <a:rPr lang="en-US" sz="2400" dirty="0"/>
             </a:br>
@@ -11240,10 +11049,6 @@
             <a:br>
               <a:rPr lang="en-US" sz="2400" dirty="0"/>
             </a:br>
-            <a:r>
-              <a:rPr lang="en-US" sz="2400" dirty="0"/>
-              <a:t/>
-            </a:r>
             <a:br>
               <a:rPr lang="en-US" sz="2400" dirty="0"/>
             </a:br>
